--- a/Report resources/FSMs.pptx
+++ b/Report resources/FSMs.pptx
@@ -8,6 +8,7 @@
     <p:sldId id="258" r:id="rId2"/>
     <p:sldId id="256" r:id="rId3"/>
     <p:sldId id="257" r:id="rId4"/>
+    <p:sldId id="259" r:id="rId5"/>
   </p:sldIdLst>
   <p:sldSz cx="12192000" cy="6858000"/>
   <p:notesSz cx="6858000" cy="9144000"/>
@@ -293,7 +294,7 @@
     </p:spTree>
     <p:extLst>
       <p:ext uri="{BB962C8B-B14F-4D97-AF65-F5344CB8AC3E}">
-        <p14:creationId xmlns:p14="http://schemas.microsoft.com/office/powerpoint/2010/main" xmlns="" val="3619705574"/>
+        <p14:creationId xmlns="" xmlns:p14="http://schemas.microsoft.com/office/powerpoint/2010/main" val="3619705574"/>
       </p:ext>
     </p:extLst>
   </p:cSld>
@@ -465,7 +466,7 @@
     </p:spTree>
     <p:extLst>
       <p:ext uri="{BB962C8B-B14F-4D97-AF65-F5344CB8AC3E}">
-        <p14:creationId xmlns:p14="http://schemas.microsoft.com/office/powerpoint/2010/main" xmlns="" val="4081113674"/>
+        <p14:creationId xmlns="" xmlns:p14="http://schemas.microsoft.com/office/powerpoint/2010/main" val="4081113674"/>
       </p:ext>
     </p:extLst>
   </p:cSld>
@@ -647,7 +648,7 @@
     </p:spTree>
     <p:extLst>
       <p:ext uri="{BB962C8B-B14F-4D97-AF65-F5344CB8AC3E}">
-        <p14:creationId xmlns:p14="http://schemas.microsoft.com/office/powerpoint/2010/main" xmlns="" val="363994899"/>
+        <p14:creationId xmlns="" xmlns:p14="http://schemas.microsoft.com/office/powerpoint/2010/main" val="363994899"/>
       </p:ext>
     </p:extLst>
   </p:cSld>
@@ -819,7 +820,7 @@
     </p:spTree>
     <p:extLst>
       <p:ext uri="{BB962C8B-B14F-4D97-AF65-F5344CB8AC3E}">
-        <p14:creationId xmlns:p14="http://schemas.microsoft.com/office/powerpoint/2010/main" xmlns="" val="1654254160"/>
+        <p14:creationId xmlns="" xmlns:p14="http://schemas.microsoft.com/office/powerpoint/2010/main" val="1654254160"/>
       </p:ext>
     </p:extLst>
   </p:cSld>
@@ -1067,7 +1068,7 @@
     </p:spTree>
     <p:extLst>
       <p:ext uri="{BB962C8B-B14F-4D97-AF65-F5344CB8AC3E}">
-        <p14:creationId xmlns:p14="http://schemas.microsoft.com/office/powerpoint/2010/main" xmlns="" val="1837508371"/>
+        <p14:creationId xmlns="" xmlns:p14="http://schemas.microsoft.com/office/powerpoint/2010/main" val="1837508371"/>
       </p:ext>
     </p:extLst>
   </p:cSld>
@@ -1301,7 +1302,7 @@
     </p:spTree>
     <p:extLst>
       <p:ext uri="{BB962C8B-B14F-4D97-AF65-F5344CB8AC3E}">
-        <p14:creationId xmlns:p14="http://schemas.microsoft.com/office/powerpoint/2010/main" xmlns="" val="74891894"/>
+        <p14:creationId xmlns="" xmlns:p14="http://schemas.microsoft.com/office/powerpoint/2010/main" val="74891894"/>
       </p:ext>
     </p:extLst>
   </p:cSld>
@@ -1670,7 +1671,7 @@
     </p:spTree>
     <p:extLst>
       <p:ext uri="{BB962C8B-B14F-4D97-AF65-F5344CB8AC3E}">
-        <p14:creationId xmlns:p14="http://schemas.microsoft.com/office/powerpoint/2010/main" xmlns="" val="1001197104"/>
+        <p14:creationId xmlns="" xmlns:p14="http://schemas.microsoft.com/office/powerpoint/2010/main" val="1001197104"/>
       </p:ext>
     </p:extLst>
   </p:cSld>
@@ -1790,7 +1791,7 @@
     </p:spTree>
     <p:extLst>
       <p:ext uri="{BB962C8B-B14F-4D97-AF65-F5344CB8AC3E}">
-        <p14:creationId xmlns:p14="http://schemas.microsoft.com/office/powerpoint/2010/main" xmlns="" val="4204311132"/>
+        <p14:creationId xmlns="" xmlns:p14="http://schemas.microsoft.com/office/powerpoint/2010/main" val="4204311132"/>
       </p:ext>
     </p:extLst>
   </p:cSld>
@@ -1887,7 +1888,7 @@
     </p:spTree>
     <p:extLst>
       <p:ext uri="{BB962C8B-B14F-4D97-AF65-F5344CB8AC3E}">
-        <p14:creationId xmlns:p14="http://schemas.microsoft.com/office/powerpoint/2010/main" xmlns="" val="3392200464"/>
+        <p14:creationId xmlns="" xmlns:p14="http://schemas.microsoft.com/office/powerpoint/2010/main" val="3392200464"/>
       </p:ext>
     </p:extLst>
   </p:cSld>
@@ -2166,7 +2167,7 @@
     </p:spTree>
     <p:extLst>
       <p:ext uri="{BB962C8B-B14F-4D97-AF65-F5344CB8AC3E}">
-        <p14:creationId xmlns:p14="http://schemas.microsoft.com/office/powerpoint/2010/main" xmlns="" val="3347108319"/>
+        <p14:creationId xmlns="" xmlns:p14="http://schemas.microsoft.com/office/powerpoint/2010/main" val="3347108319"/>
       </p:ext>
     </p:extLst>
   </p:cSld>
@@ -2421,7 +2422,7 @@
     </p:spTree>
     <p:extLst>
       <p:ext uri="{BB962C8B-B14F-4D97-AF65-F5344CB8AC3E}">
-        <p14:creationId xmlns:p14="http://schemas.microsoft.com/office/powerpoint/2010/main" xmlns="" val="1123632367"/>
+        <p14:creationId xmlns="" xmlns:p14="http://schemas.microsoft.com/office/powerpoint/2010/main" val="1123632367"/>
       </p:ext>
     </p:extLst>
   </p:cSld>
@@ -2672,7 +2673,7 @@
     </p:spTree>
     <p:extLst>
       <p:ext uri="{BB962C8B-B14F-4D97-AF65-F5344CB8AC3E}">
-        <p14:creationId xmlns:p14="http://schemas.microsoft.com/office/powerpoint/2010/main" xmlns="" val="609734527"/>
+        <p14:creationId xmlns="" xmlns:p14="http://schemas.microsoft.com/office/powerpoint/2010/main" val="609734527"/>
       </p:ext>
     </p:extLst>
   </p:cSld>
@@ -3559,11 +3560,7 @@
             <a:p>
               <a:r>
                 <a:rPr lang="en-NZ" sz="1200" dirty="0" smtClean="0"/>
-                <a:t>Set </a:t>
-              </a:r>
-              <a:r>
-                <a:rPr lang="en-NZ" sz="1200" dirty="0" smtClean="0"/>
-                <a:t>(pure)</a:t>
+                <a:t>Set (pure)</a:t>
               </a:r>
               <a:endParaRPr lang="en-NZ" sz="1200" dirty="0"/>
             </a:p>
@@ -3593,11 +3590,7 @@
             <a:p>
               <a:r>
                 <a:rPr lang="en-NZ" sz="1200" dirty="0" smtClean="0"/>
-                <a:t>QuickDecel </a:t>
-              </a:r>
-              <a:r>
-                <a:rPr lang="en-NZ" sz="1200" dirty="0" smtClean="0"/>
-                <a:t>(pure)</a:t>
+                <a:t>QuickDecel (pure)</a:t>
               </a:r>
               <a:endParaRPr lang="en-NZ" sz="1200" dirty="0"/>
             </a:p>
@@ -3627,11 +3620,7 @@
             <a:p>
               <a:r>
                 <a:rPr lang="en-NZ" sz="1200" dirty="0" smtClean="0"/>
-                <a:t>QuickAccel </a:t>
-              </a:r>
-              <a:r>
-                <a:rPr lang="en-NZ" sz="1200" dirty="0" smtClean="0"/>
-                <a:t>(pure)</a:t>
+                <a:t>QuickAccel (pure)</a:t>
               </a:r>
               <a:endParaRPr lang="en-NZ" sz="1200" dirty="0"/>
             </a:p>
@@ -3661,11 +3650,7 @@
             <a:p>
               <a:r>
                 <a:rPr lang="en-NZ" sz="1200" dirty="0" smtClean="0"/>
-                <a:t>Accel </a:t>
-              </a:r>
-              <a:r>
-                <a:rPr lang="en-NZ" sz="1200" dirty="0" smtClean="0"/>
-                <a:t>(float)</a:t>
+                <a:t>Accel (float)</a:t>
               </a:r>
               <a:endParaRPr lang="en-NZ" sz="1200" dirty="0"/>
             </a:p>
@@ -3695,11 +3680,7 @@
             <a:p>
               <a:r>
                 <a:rPr lang="en-NZ" sz="1200" dirty="0" smtClean="0"/>
-                <a:t>Brake </a:t>
-              </a:r>
-              <a:r>
-                <a:rPr lang="en-NZ" sz="1200" dirty="0" smtClean="0"/>
-                <a:t>(float)</a:t>
+                <a:t>Brake (float)</a:t>
               </a:r>
               <a:endParaRPr lang="en-NZ" sz="1200" dirty="0"/>
             </a:p>
@@ -3729,11 +3710,7 @@
             <a:p>
               <a:r>
                 <a:rPr lang="en-NZ" sz="1200" dirty="0" smtClean="0"/>
-                <a:t>Speed </a:t>
-              </a:r>
-              <a:r>
-                <a:rPr lang="en-NZ" sz="1200" dirty="0" smtClean="0"/>
-                <a:t>(float)</a:t>
+                <a:t>Speed (float)</a:t>
               </a:r>
               <a:endParaRPr lang="en-NZ" sz="1200" dirty="0"/>
             </a:p>
@@ -3764,11 +3741,7 @@
               <a:pPr algn="r"/>
               <a:r>
                 <a:rPr lang="en-NZ" sz="1200" dirty="0" smtClean="0"/>
-                <a:t>CruiseSpeed </a:t>
-              </a:r>
-              <a:r>
-                <a:rPr lang="en-NZ" sz="1200" dirty="0" smtClean="0"/>
-                <a:t>(float)</a:t>
+                <a:t>CruiseSpeed (float)</a:t>
               </a:r>
               <a:endParaRPr lang="en-NZ" sz="1200" dirty="0"/>
             </a:p>
@@ -3830,11 +3803,7 @@
               <a:pPr algn="r"/>
               <a:r>
                 <a:rPr lang="en-NZ" sz="1200" dirty="0" smtClean="0"/>
-                <a:t>ThrottleCmd </a:t>
-              </a:r>
-              <a:r>
-                <a:rPr lang="en-NZ" sz="1200" dirty="0" smtClean="0"/>
-                <a:t>(float)</a:t>
+                <a:t>ThrottleCmd (float)</a:t>
               </a:r>
               <a:endParaRPr lang="en-NZ" sz="1200" dirty="0"/>
             </a:p>
@@ -4701,7 +4670,7 @@
     </p:spTree>
     <p:extLst>
       <p:ext uri="{BB962C8B-B14F-4D97-AF65-F5344CB8AC3E}">
-        <p14:creationId xmlns:p14="http://schemas.microsoft.com/office/powerpoint/2010/main" xmlns="" val="843927471"/>
+        <p14:creationId xmlns="" xmlns:p14="http://schemas.microsoft.com/office/powerpoint/2010/main" val="843927471"/>
       </p:ext>
     </p:extLst>
   </p:cSld>
@@ -5780,27 +5749,14 @@
           <a:p>
             <a:r>
               <a:rPr lang="en-NZ" sz="1600" dirty="0" smtClean="0"/>
-              <a:t>Speed &lt; </a:t>
-            </a:r>
-            <a:r>
-              <a:rPr lang="en-NZ" sz="1600" dirty="0" err="1" smtClean="0"/>
-              <a:t>SpeedMax</a:t>
-            </a:r>
+              <a:t>Speed &lt; SpeedMax and</a:t>
+            </a:r>
+          </a:p>
+          <a:p>
             <a:r>
               <a:rPr lang="en-NZ" sz="1600" dirty="0" smtClean="0"/>
-              <a:t> and</a:t>
-            </a:r>
-          </a:p>
-          <a:p>
-            <a:r>
-              <a:rPr lang="en-NZ" sz="1600" dirty="0" smtClean="0"/>
-              <a:t>Speed &gt; </a:t>
-            </a:r>
-            <a:r>
-              <a:rPr lang="en-NZ" sz="1600" dirty="0" err="1" smtClean="0"/>
-              <a:t>SpeedMin</a:t>
-            </a:r>
-            <a:endParaRPr lang="en-NZ" sz="1600" dirty="0" smtClean="0"/>
+              <a:t>Speed &gt; SpeedMin</a:t>
+            </a:r>
           </a:p>
           <a:p>
             <a:r>
@@ -5881,27 +5837,14 @@
           <a:p>
             <a:r>
               <a:rPr lang="en-NZ" sz="1600" dirty="0" smtClean="0"/>
-              <a:t>Speed &gt; </a:t>
-            </a:r>
-            <a:r>
-              <a:rPr lang="en-NZ" sz="1600" dirty="0" err="1" smtClean="0"/>
-              <a:t>SpeedMax</a:t>
-            </a:r>
+              <a:t>Speed &gt; SpeedMax or</a:t>
+            </a:r>
+          </a:p>
+          <a:p>
             <a:r>
               <a:rPr lang="en-NZ" sz="1600" dirty="0" smtClean="0"/>
-              <a:t> or</a:t>
-            </a:r>
-          </a:p>
-          <a:p>
-            <a:r>
-              <a:rPr lang="en-NZ" sz="1600" dirty="0" smtClean="0"/>
-              <a:t>Speed &lt; </a:t>
-            </a:r>
-            <a:r>
-              <a:rPr lang="en-NZ" sz="1600" dirty="0" err="1" smtClean="0"/>
-              <a:t>SpeedMin</a:t>
-            </a:r>
-            <a:endParaRPr lang="en-NZ" sz="1600" dirty="0" smtClean="0"/>
+              <a:t>Speed &lt; SpeedMin</a:t>
+            </a:r>
           </a:p>
         </p:txBody>
       </p:sp>
@@ -5939,27 +5882,14 @@
           <a:p>
             <a:r>
               <a:rPr lang="en-NZ" sz="1600" dirty="0" smtClean="0"/>
-              <a:t>Speed &lt; </a:t>
-            </a:r>
-            <a:r>
-              <a:rPr lang="en-NZ" sz="1600" dirty="0" err="1" smtClean="0"/>
-              <a:t>SpeedMax</a:t>
-            </a:r>
+              <a:t>Speed &lt; SpeedMax and</a:t>
+            </a:r>
+          </a:p>
+          <a:p>
             <a:r>
               <a:rPr lang="en-NZ" sz="1600" dirty="0" smtClean="0"/>
-              <a:t> and</a:t>
-            </a:r>
-          </a:p>
-          <a:p>
-            <a:r>
-              <a:rPr lang="en-NZ" sz="1600" dirty="0" smtClean="0"/>
-              <a:t>Speed &gt; </a:t>
-            </a:r>
-            <a:r>
-              <a:rPr lang="en-NZ" sz="1600" dirty="0" err="1" smtClean="0"/>
-              <a:t>SpeedMin</a:t>
-            </a:r>
-            <a:endParaRPr lang="en-NZ" sz="1600" dirty="0" smtClean="0"/>
+              <a:t>Speed &gt; SpeedMin</a:t>
+            </a:r>
           </a:p>
         </p:txBody>
       </p:sp>
@@ -6065,27 +5995,14 @@
           <a:p>
             <a:r>
               <a:rPr lang="en-NZ" sz="1600" dirty="0" smtClean="0"/>
-              <a:t>Speed &lt; </a:t>
-            </a:r>
-            <a:r>
-              <a:rPr lang="en-NZ" sz="1600" dirty="0" err="1" smtClean="0"/>
-              <a:t>SpeedMax</a:t>
-            </a:r>
+              <a:t>Speed &lt; SpeedMax and</a:t>
+            </a:r>
+          </a:p>
+          <a:p>
             <a:r>
               <a:rPr lang="en-NZ" sz="1600" dirty="0" smtClean="0"/>
-              <a:t> and</a:t>
-            </a:r>
-          </a:p>
-          <a:p>
-            <a:r>
-              <a:rPr lang="en-NZ" sz="1600" dirty="0" smtClean="0"/>
-              <a:t>Speed &gt; </a:t>
-            </a:r>
-            <a:r>
-              <a:rPr lang="en-NZ" sz="1600" dirty="0" err="1" smtClean="0"/>
-              <a:t>SpeedMin</a:t>
-            </a:r>
-            <a:endParaRPr lang="en-NZ" sz="1600" dirty="0" smtClean="0"/>
+              <a:t>Speed &gt; SpeedMin</a:t>
+            </a:r>
           </a:p>
         </p:txBody>
       </p:sp>
@@ -6157,29 +6074,13 @@
           <a:p>
             <a:r>
               <a:rPr lang="en-NZ" sz="1600" dirty="0" smtClean="0"/>
-              <a:t>(Speed &gt; </a:t>
-            </a:r>
-            <a:r>
-              <a:rPr lang="en-NZ" sz="1600" dirty="0" err="1" smtClean="0"/>
-              <a:t>SpeedMax</a:t>
-            </a:r>
+              <a:t>(Speed &gt; SpeedMax or</a:t>
+            </a:r>
+          </a:p>
+          <a:p>
             <a:r>
               <a:rPr lang="en-NZ" sz="1600" dirty="0" smtClean="0"/>
-              <a:t> or</a:t>
-            </a:r>
-          </a:p>
-          <a:p>
-            <a:r>
-              <a:rPr lang="en-NZ" sz="1600" dirty="0" smtClean="0"/>
-              <a:t>Speed &lt; </a:t>
-            </a:r>
-            <a:r>
-              <a:rPr lang="en-NZ" sz="1600" dirty="0" err="1" smtClean="0"/>
-              <a:t>SpeedMin</a:t>
-            </a:r>
-            <a:r>
-              <a:rPr lang="en-NZ" sz="1600" dirty="0" smtClean="0"/>
-              <a:t>)</a:t>
+              <a:t>Speed &lt; SpeedMin)</a:t>
             </a:r>
           </a:p>
           <a:p>
@@ -6376,36 +6277,1581 @@
           <a:p>
             <a:r>
               <a:rPr lang="en-NZ" sz="1600" dirty="0" smtClean="0"/>
-              <a:t>Speed &gt; </a:t>
-            </a:r>
-            <a:r>
-              <a:rPr lang="en-NZ" sz="1600" dirty="0" err="1" smtClean="0"/>
-              <a:t>SpeedMax</a:t>
-            </a:r>
+              <a:t>Speed &gt; SpeedMax or</a:t>
+            </a:r>
+          </a:p>
+          <a:p>
             <a:r>
               <a:rPr lang="en-NZ" sz="1600" dirty="0" smtClean="0"/>
-              <a:t> or</a:t>
-            </a:r>
-          </a:p>
-          <a:p>
-            <a:r>
-              <a:rPr lang="en-NZ" sz="1600" dirty="0" smtClean="0"/>
-              <a:t>Speed &lt; </a:t>
-            </a:r>
-            <a:r>
-              <a:rPr lang="en-NZ" sz="1600" dirty="0" err="1" smtClean="0"/>
-              <a:t>SpeedMin</a:t>
-            </a:r>
-            <a:endParaRPr lang="en-NZ" sz="1600" dirty="0" smtClean="0"/>
+              <a:t>Speed &lt; SpeedMin</a:t>
+            </a:r>
           </a:p>
         </p:txBody>
       </p:sp>
     </p:spTree>
     <p:extLst>
       <p:ext uri="{BB962C8B-B14F-4D97-AF65-F5344CB8AC3E}">
-        <p14:creationId xmlns:p14="http://schemas.microsoft.com/office/powerpoint/2010/main" xmlns="" val="3340299871"/>
+        <p14:creationId xmlns="" xmlns:p14="http://schemas.microsoft.com/office/powerpoint/2010/main" val="3340299871"/>
       </p:ext>
     </p:extLst>
+  </p:cSld>
+  <p:clrMapOvr>
+    <a:masterClrMapping/>
+  </p:clrMapOvr>
+</p:sld>
+</file>
+
+<file path=ppt/slides/slide4.xml><?xml version="1.0" encoding="utf-8"?>
+<p:sld xmlns:a="http://schemas.openxmlformats.org/drawingml/2006/main" xmlns:r="http://schemas.openxmlformats.org/officeDocument/2006/relationships" xmlns:p="http://schemas.openxmlformats.org/presentationml/2006/main">
+  <p:cSld>
+    <p:spTree>
+      <p:nvGrpSpPr>
+        <p:cNvPr id="1" name=""/>
+        <p:cNvGrpSpPr/>
+        <p:nvPr/>
+      </p:nvGrpSpPr>
+      <p:grpSpPr>
+        <a:xfrm>
+          <a:off x="0" y="0"/>
+          <a:ext cx="0" cy="0"/>
+          <a:chOff x="0" y="0"/>
+          <a:chExt cx="0" cy="0"/>
+        </a:xfrm>
+      </p:grpSpPr>
+      <p:grpSp>
+        <p:nvGrpSpPr>
+          <p:cNvPr id="111" name="Group 110"/>
+          <p:cNvGrpSpPr/>
+          <p:nvPr/>
+        </p:nvGrpSpPr>
+        <p:grpSpPr>
+          <a:xfrm>
+            <a:off x="1341315" y="452190"/>
+            <a:ext cx="9958754" cy="6041876"/>
+            <a:chOff x="1341315" y="452190"/>
+            <a:chExt cx="9958754" cy="6041876"/>
+          </a:xfrm>
+        </p:grpSpPr>
+        <p:sp>
+          <p:nvSpPr>
+            <p:cNvPr id="4" name="Oval 3"/>
+            <p:cNvSpPr/>
+            <p:nvPr/>
+          </p:nvSpPr>
+          <p:spPr>
+            <a:xfrm>
+              <a:off x="5204388" y="2597921"/>
+              <a:ext cx="1392965" cy="1392965"/>
+            </a:xfrm>
+            <a:prstGeom prst="ellipse">
+              <a:avLst/>
+            </a:prstGeom>
+            <a:noFill/>
+            <a:ln w="28575">
+              <a:solidFill>
+                <a:schemeClr val="tx1"/>
+              </a:solidFill>
+            </a:ln>
+          </p:spPr>
+          <p:style>
+            <a:lnRef idx="2">
+              <a:schemeClr val="accent1">
+                <a:shade val="50000"/>
+              </a:schemeClr>
+            </a:lnRef>
+            <a:fillRef idx="1">
+              <a:schemeClr val="accent1"/>
+            </a:fillRef>
+            <a:effectRef idx="0">
+              <a:schemeClr val="accent1"/>
+            </a:effectRef>
+            <a:fontRef idx="minor">
+              <a:schemeClr val="lt1"/>
+            </a:fontRef>
+          </p:style>
+          <p:txBody>
+            <a:bodyPr rtlCol="0" anchor="ctr"/>
+            <a:lstStyle/>
+            <a:p>
+              <a:pPr algn="ctr"/>
+              <a:endParaRPr lang="en-NZ"/>
+            </a:p>
+          </p:txBody>
+        </p:sp>
+        <p:sp>
+          <p:nvSpPr>
+            <p:cNvPr id="5" name="Oval 4"/>
+            <p:cNvSpPr/>
+            <p:nvPr/>
+          </p:nvSpPr>
+          <p:spPr>
+            <a:xfrm>
+              <a:off x="8115655" y="716422"/>
+              <a:ext cx="1392965" cy="1392965"/>
+            </a:xfrm>
+            <a:prstGeom prst="ellipse">
+              <a:avLst/>
+            </a:prstGeom>
+            <a:noFill/>
+            <a:ln w="28575">
+              <a:solidFill>
+                <a:schemeClr val="tx1"/>
+              </a:solidFill>
+            </a:ln>
+          </p:spPr>
+          <p:style>
+            <a:lnRef idx="2">
+              <a:schemeClr val="accent1">
+                <a:shade val="50000"/>
+              </a:schemeClr>
+            </a:lnRef>
+            <a:fillRef idx="1">
+              <a:schemeClr val="accent1"/>
+            </a:fillRef>
+            <a:effectRef idx="0">
+              <a:schemeClr val="accent1"/>
+            </a:effectRef>
+            <a:fontRef idx="minor">
+              <a:schemeClr val="lt1"/>
+            </a:fontRef>
+          </p:style>
+          <p:txBody>
+            <a:bodyPr rtlCol="0" anchor="ctr"/>
+            <a:lstStyle/>
+            <a:p>
+              <a:pPr algn="ctr"/>
+              <a:endParaRPr lang="en-NZ"/>
+            </a:p>
+          </p:txBody>
+        </p:sp>
+        <p:sp>
+          <p:nvSpPr>
+            <p:cNvPr id="6" name="Oval 5"/>
+            <p:cNvSpPr/>
+            <p:nvPr/>
+          </p:nvSpPr>
+          <p:spPr>
+            <a:xfrm>
+              <a:off x="8115654" y="4526422"/>
+              <a:ext cx="1392965" cy="1392965"/>
+            </a:xfrm>
+            <a:prstGeom prst="ellipse">
+              <a:avLst/>
+            </a:prstGeom>
+            <a:noFill/>
+            <a:ln w="28575">
+              <a:solidFill>
+                <a:schemeClr val="tx1"/>
+              </a:solidFill>
+            </a:ln>
+          </p:spPr>
+          <p:style>
+            <a:lnRef idx="2">
+              <a:schemeClr val="accent1">
+                <a:shade val="50000"/>
+              </a:schemeClr>
+            </a:lnRef>
+            <a:fillRef idx="1">
+              <a:schemeClr val="accent1"/>
+            </a:fillRef>
+            <a:effectRef idx="0">
+              <a:schemeClr val="accent1"/>
+            </a:effectRef>
+            <a:fontRef idx="minor">
+              <a:schemeClr val="lt1"/>
+            </a:fontRef>
+          </p:style>
+          <p:txBody>
+            <a:bodyPr rtlCol="0" anchor="ctr"/>
+            <a:lstStyle/>
+            <a:p>
+              <a:pPr algn="ctr"/>
+              <a:endParaRPr lang="en-NZ"/>
+            </a:p>
+          </p:txBody>
+        </p:sp>
+        <p:sp>
+          <p:nvSpPr>
+            <p:cNvPr id="7" name="Oval 6"/>
+            <p:cNvSpPr/>
+            <p:nvPr/>
+          </p:nvSpPr>
+          <p:spPr>
+            <a:xfrm>
+              <a:off x="2089444" y="2597920"/>
+              <a:ext cx="1392965" cy="1392965"/>
+            </a:xfrm>
+            <a:prstGeom prst="ellipse">
+              <a:avLst/>
+            </a:prstGeom>
+            <a:noFill/>
+            <a:ln w="28575">
+              <a:solidFill>
+                <a:schemeClr val="tx1"/>
+              </a:solidFill>
+            </a:ln>
+          </p:spPr>
+          <p:style>
+            <a:lnRef idx="2">
+              <a:schemeClr val="accent1">
+                <a:shade val="50000"/>
+              </a:schemeClr>
+            </a:lnRef>
+            <a:fillRef idx="1">
+              <a:schemeClr val="accent1"/>
+            </a:fillRef>
+            <a:effectRef idx="0">
+              <a:schemeClr val="accent1"/>
+            </a:effectRef>
+            <a:fontRef idx="minor">
+              <a:schemeClr val="lt1"/>
+            </a:fontRef>
+          </p:style>
+          <p:txBody>
+            <a:bodyPr rtlCol="0" anchor="ctr"/>
+            <a:lstStyle/>
+            <a:p>
+              <a:pPr algn="ctr"/>
+              <a:endParaRPr lang="en-NZ" dirty="0"/>
+            </a:p>
+          </p:txBody>
+        </p:sp>
+        <p:cxnSp>
+          <p:nvCxnSpPr>
+            <p:cNvPr id="8" name="Curved Connector 7"/>
+            <p:cNvCxnSpPr>
+              <a:stCxn id="7" idx="7"/>
+              <a:endCxn id="4" idx="1"/>
+            </p:cNvCxnSpPr>
+            <p:nvPr/>
+          </p:nvCxnSpPr>
+          <p:spPr>
+            <a:xfrm rot="16200000" flipH="1">
+              <a:off x="4343397" y="1736931"/>
+              <a:ext cx="1" cy="2129969"/>
+            </a:xfrm>
+            <a:prstGeom prst="curvedConnector3">
+              <a:avLst>
+                <a:gd name="adj1" fmla="val -43259500000"/>
+              </a:avLst>
+            </a:prstGeom>
+            <a:ln w="28575">
+              <a:solidFill>
+                <a:schemeClr val="tx1"/>
+              </a:solidFill>
+              <a:tailEnd type="triangle"/>
+            </a:ln>
+          </p:spPr>
+          <p:style>
+            <a:lnRef idx="1">
+              <a:schemeClr val="accent1"/>
+            </a:lnRef>
+            <a:fillRef idx="0">
+              <a:schemeClr val="accent1"/>
+            </a:fillRef>
+            <a:effectRef idx="0">
+              <a:schemeClr val="accent1"/>
+            </a:effectRef>
+            <a:fontRef idx="minor">
+              <a:schemeClr val="tx1"/>
+            </a:fontRef>
+          </p:style>
+        </p:cxnSp>
+        <p:cxnSp>
+          <p:nvCxnSpPr>
+            <p:cNvPr id="9" name="Curved Connector 8"/>
+            <p:cNvCxnSpPr>
+              <a:stCxn id="4" idx="3"/>
+              <a:endCxn id="7" idx="5"/>
+            </p:cNvCxnSpPr>
+            <p:nvPr/>
+          </p:nvCxnSpPr>
+          <p:spPr>
+            <a:xfrm rot="5400000" flipH="1">
+              <a:off x="4343398" y="2721907"/>
+              <a:ext cx="1" cy="2129969"/>
+            </a:xfrm>
+            <a:prstGeom prst="curvedConnector3">
+              <a:avLst>
+                <a:gd name="adj1" fmla="val -43259500000"/>
+              </a:avLst>
+            </a:prstGeom>
+            <a:ln w="28575">
+              <a:solidFill>
+                <a:schemeClr val="tx1"/>
+              </a:solidFill>
+              <a:tailEnd type="triangle"/>
+            </a:ln>
+          </p:spPr>
+          <p:style>
+            <a:lnRef idx="1">
+              <a:schemeClr val="accent1"/>
+            </a:lnRef>
+            <a:fillRef idx="0">
+              <a:schemeClr val="accent1"/>
+            </a:fillRef>
+            <a:effectRef idx="0">
+              <a:schemeClr val="accent1"/>
+            </a:effectRef>
+            <a:fontRef idx="minor">
+              <a:schemeClr val="tx1"/>
+            </a:fontRef>
+          </p:style>
+        </p:cxnSp>
+        <p:cxnSp>
+          <p:nvCxnSpPr>
+            <p:cNvPr id="10" name="Straight Arrow Connector 9"/>
+            <p:cNvCxnSpPr>
+              <a:stCxn id="6" idx="2"/>
+              <a:endCxn id="4" idx="5"/>
+            </p:cNvCxnSpPr>
+            <p:nvPr/>
+          </p:nvCxnSpPr>
+          <p:spPr>
+            <a:xfrm flipH="1" flipV="1">
+              <a:off x="6393358" y="3786891"/>
+              <a:ext cx="1722296" cy="1436014"/>
+            </a:xfrm>
+            <a:prstGeom prst="straightConnector1">
+              <a:avLst/>
+            </a:prstGeom>
+            <a:ln w="28575">
+              <a:solidFill>
+                <a:schemeClr val="tx1"/>
+              </a:solidFill>
+              <a:tailEnd type="triangle"/>
+            </a:ln>
+          </p:spPr>
+          <p:style>
+            <a:lnRef idx="1">
+              <a:schemeClr val="accent1"/>
+            </a:lnRef>
+            <a:fillRef idx="0">
+              <a:schemeClr val="accent1"/>
+            </a:fillRef>
+            <a:effectRef idx="0">
+              <a:schemeClr val="accent1"/>
+            </a:effectRef>
+            <a:fontRef idx="minor">
+              <a:schemeClr val="tx1"/>
+            </a:fontRef>
+          </p:style>
+        </p:cxnSp>
+        <p:cxnSp>
+          <p:nvCxnSpPr>
+            <p:cNvPr id="11" name="Straight Arrow Connector 10"/>
+            <p:cNvCxnSpPr>
+              <a:stCxn id="5" idx="2"/>
+              <a:endCxn id="4" idx="7"/>
+            </p:cNvCxnSpPr>
+            <p:nvPr/>
+          </p:nvCxnSpPr>
+          <p:spPr>
+            <a:xfrm flipH="1">
+              <a:off x="6393358" y="1412905"/>
+              <a:ext cx="1722297" cy="1389011"/>
+            </a:xfrm>
+            <a:prstGeom prst="straightConnector1">
+              <a:avLst/>
+            </a:prstGeom>
+            <a:ln w="28575">
+              <a:solidFill>
+                <a:schemeClr val="tx1"/>
+              </a:solidFill>
+              <a:tailEnd type="triangle"/>
+            </a:ln>
+          </p:spPr>
+          <p:style>
+            <a:lnRef idx="1">
+              <a:schemeClr val="accent1"/>
+            </a:lnRef>
+            <a:fillRef idx="0">
+              <a:schemeClr val="accent1"/>
+            </a:fillRef>
+            <a:effectRef idx="0">
+              <a:schemeClr val="accent1"/>
+            </a:effectRef>
+            <a:fontRef idx="minor">
+              <a:schemeClr val="tx1"/>
+            </a:fontRef>
+          </p:style>
+        </p:cxnSp>
+        <p:cxnSp>
+          <p:nvCxnSpPr>
+            <p:cNvPr id="12" name="Straight Arrow Connector 11"/>
+            <p:cNvCxnSpPr>
+              <a:endCxn id="4" idx="0"/>
+            </p:cNvCxnSpPr>
+            <p:nvPr/>
+          </p:nvCxnSpPr>
+          <p:spPr>
+            <a:xfrm>
+              <a:off x="5648770" y="1816941"/>
+              <a:ext cx="252101" cy="780980"/>
+            </a:xfrm>
+            <a:prstGeom prst="straightConnector1">
+              <a:avLst/>
+            </a:prstGeom>
+            <a:ln w="28575">
+              <a:solidFill>
+                <a:schemeClr val="tx1"/>
+              </a:solidFill>
+              <a:tailEnd type="triangle"/>
+            </a:ln>
+          </p:spPr>
+          <p:style>
+            <a:lnRef idx="1">
+              <a:schemeClr val="accent1"/>
+            </a:lnRef>
+            <a:fillRef idx="0">
+              <a:schemeClr val="accent1"/>
+            </a:fillRef>
+            <a:effectRef idx="0">
+              <a:schemeClr val="accent1"/>
+            </a:effectRef>
+            <a:fontRef idx="minor">
+              <a:schemeClr val="tx1"/>
+            </a:fontRef>
+          </p:style>
+        </p:cxnSp>
+        <p:cxnSp>
+          <p:nvCxnSpPr>
+            <p:cNvPr id="13" name="Curved Connector 12"/>
+            <p:cNvCxnSpPr>
+              <a:stCxn id="7" idx="0"/>
+              <a:endCxn id="5" idx="1"/>
+            </p:cNvCxnSpPr>
+            <p:nvPr/>
+          </p:nvCxnSpPr>
+          <p:spPr>
+            <a:xfrm rot="5400000" flipH="1" flipV="1">
+              <a:off x="4714037" y="-1007692"/>
+              <a:ext cx="1677503" cy="5533723"/>
+            </a:xfrm>
+            <a:prstGeom prst="curvedConnector3">
+              <a:avLst>
+                <a:gd name="adj1" fmla="val 82067"/>
+              </a:avLst>
+            </a:prstGeom>
+            <a:ln w="28575">
+              <a:solidFill>
+                <a:schemeClr val="tx1"/>
+              </a:solidFill>
+              <a:tailEnd type="triangle"/>
+            </a:ln>
+          </p:spPr>
+          <p:style>
+            <a:lnRef idx="1">
+              <a:schemeClr val="accent1"/>
+            </a:lnRef>
+            <a:fillRef idx="0">
+              <a:schemeClr val="accent1"/>
+            </a:fillRef>
+            <a:effectRef idx="0">
+              <a:schemeClr val="accent1"/>
+            </a:effectRef>
+            <a:fontRef idx="minor">
+              <a:schemeClr val="tx1"/>
+            </a:fontRef>
+          </p:style>
+        </p:cxnSp>
+        <p:cxnSp>
+          <p:nvCxnSpPr>
+            <p:cNvPr id="14" name="Curved Connector 13"/>
+            <p:cNvCxnSpPr>
+              <a:stCxn id="5" idx="0"/>
+              <a:endCxn id="7" idx="1"/>
+            </p:cNvCxnSpPr>
+            <p:nvPr/>
+          </p:nvCxnSpPr>
+          <p:spPr>
+            <a:xfrm rot="16200000" flipH="1" flipV="1">
+              <a:off x="4510042" y="-1500182"/>
+              <a:ext cx="2085493" cy="6518699"/>
+            </a:xfrm>
+            <a:prstGeom prst="curvedConnector3">
+              <a:avLst>
+                <a:gd name="adj1" fmla="val -16215"/>
+              </a:avLst>
+            </a:prstGeom>
+            <a:ln w="28575">
+              <a:solidFill>
+                <a:schemeClr val="tx1"/>
+              </a:solidFill>
+              <a:tailEnd type="triangle"/>
+            </a:ln>
+          </p:spPr>
+          <p:style>
+            <a:lnRef idx="1">
+              <a:schemeClr val="accent1"/>
+            </a:lnRef>
+            <a:fillRef idx="0">
+              <a:schemeClr val="accent1"/>
+            </a:fillRef>
+            <a:effectRef idx="0">
+              <a:schemeClr val="accent1"/>
+            </a:effectRef>
+            <a:fontRef idx="minor">
+              <a:schemeClr val="tx1"/>
+            </a:fontRef>
+          </p:style>
+        </p:cxnSp>
+        <p:cxnSp>
+          <p:nvCxnSpPr>
+            <p:cNvPr id="15" name="Curved Connector 14"/>
+            <p:cNvCxnSpPr>
+              <a:stCxn id="7" idx="4"/>
+              <a:endCxn id="6" idx="3"/>
+            </p:cNvCxnSpPr>
+            <p:nvPr/>
+          </p:nvCxnSpPr>
+          <p:spPr>
+            <a:xfrm rot="16200000" flipH="1">
+              <a:off x="4690535" y="2086277"/>
+              <a:ext cx="1724507" cy="5533722"/>
+            </a:xfrm>
+            <a:prstGeom prst="curvedConnector3">
+              <a:avLst>
+                <a:gd name="adj1" fmla="val 86422"/>
+              </a:avLst>
+            </a:prstGeom>
+            <a:ln w="28575">
+              <a:solidFill>
+                <a:schemeClr val="tx1"/>
+              </a:solidFill>
+              <a:tailEnd type="triangle"/>
+            </a:ln>
+          </p:spPr>
+          <p:style>
+            <a:lnRef idx="1">
+              <a:schemeClr val="accent1"/>
+            </a:lnRef>
+            <a:fillRef idx="0">
+              <a:schemeClr val="accent1"/>
+            </a:fillRef>
+            <a:effectRef idx="0">
+              <a:schemeClr val="accent1"/>
+            </a:effectRef>
+            <a:fontRef idx="minor">
+              <a:schemeClr val="tx1"/>
+            </a:fontRef>
+          </p:style>
+        </p:cxnSp>
+        <p:cxnSp>
+          <p:nvCxnSpPr>
+            <p:cNvPr id="16" name="Curved Connector 15"/>
+            <p:cNvCxnSpPr>
+              <a:stCxn id="6" idx="4"/>
+              <a:endCxn id="7" idx="3"/>
+            </p:cNvCxnSpPr>
+            <p:nvPr/>
+          </p:nvCxnSpPr>
+          <p:spPr>
+            <a:xfrm rot="5400000" flipH="1">
+              <a:off x="4486539" y="1593790"/>
+              <a:ext cx="2132497" cy="6518698"/>
+            </a:xfrm>
+            <a:prstGeom prst="curvedConnector3">
+              <a:avLst>
+                <a:gd name="adj1" fmla="val -27551"/>
+              </a:avLst>
+            </a:prstGeom>
+            <a:ln w="28575">
+              <a:solidFill>
+                <a:schemeClr val="tx1"/>
+              </a:solidFill>
+              <a:tailEnd type="triangle"/>
+            </a:ln>
+          </p:spPr>
+          <p:style>
+            <a:lnRef idx="1">
+              <a:schemeClr val="accent1"/>
+            </a:lnRef>
+            <a:fillRef idx="0">
+              <a:schemeClr val="accent1"/>
+            </a:fillRef>
+            <a:effectRef idx="0">
+              <a:schemeClr val="accent1"/>
+            </a:effectRef>
+            <a:fontRef idx="minor">
+              <a:schemeClr val="tx1"/>
+            </a:fontRef>
+          </p:style>
+        </p:cxnSp>
+        <p:cxnSp>
+          <p:nvCxnSpPr>
+            <p:cNvPr id="18" name="Curved Connector 17"/>
+            <p:cNvCxnSpPr>
+              <a:stCxn id="6" idx="6"/>
+              <a:endCxn id="5" idx="6"/>
+            </p:cNvCxnSpPr>
+            <p:nvPr/>
+          </p:nvCxnSpPr>
+          <p:spPr>
+            <a:xfrm flipV="1">
+              <a:off x="9508619" y="1412905"/>
+              <a:ext cx="1" cy="3810000"/>
+            </a:xfrm>
+            <a:prstGeom prst="curvedConnector3">
+              <a:avLst>
+                <a:gd name="adj1" fmla="val 22860100000"/>
+              </a:avLst>
+            </a:prstGeom>
+            <a:ln w="28575">
+              <a:solidFill>
+                <a:schemeClr val="tx1"/>
+              </a:solidFill>
+              <a:tailEnd type="triangle"/>
+            </a:ln>
+          </p:spPr>
+          <p:style>
+            <a:lnRef idx="1">
+              <a:schemeClr val="accent1"/>
+            </a:lnRef>
+            <a:fillRef idx="0">
+              <a:schemeClr val="accent1"/>
+            </a:fillRef>
+            <a:effectRef idx="0">
+              <a:schemeClr val="accent1"/>
+            </a:effectRef>
+            <a:fontRef idx="minor">
+              <a:schemeClr val="tx1"/>
+            </a:fontRef>
+          </p:style>
+        </p:cxnSp>
+        <p:cxnSp>
+          <p:nvCxnSpPr>
+            <p:cNvPr id="19" name="Curved Connector 46"/>
+            <p:cNvCxnSpPr>
+              <a:stCxn id="4" idx="6"/>
+            </p:cNvCxnSpPr>
+            <p:nvPr/>
+          </p:nvCxnSpPr>
+          <p:spPr>
+            <a:xfrm flipH="1" flipV="1">
+              <a:off x="6543675" y="2990850"/>
+              <a:ext cx="53678" cy="303554"/>
+            </a:xfrm>
+            <a:prstGeom prst="curvedConnector4">
+              <a:avLst>
+                <a:gd name="adj1" fmla="val -425873"/>
+                <a:gd name="adj2" fmla="val 118856"/>
+              </a:avLst>
+            </a:prstGeom>
+            <a:ln w="28575">
+              <a:solidFill>
+                <a:schemeClr val="tx1"/>
+              </a:solidFill>
+              <a:tailEnd type="triangle"/>
+            </a:ln>
+          </p:spPr>
+          <p:style>
+            <a:lnRef idx="1">
+              <a:schemeClr val="accent1"/>
+            </a:lnRef>
+            <a:fillRef idx="0">
+              <a:schemeClr val="accent1"/>
+            </a:fillRef>
+            <a:effectRef idx="0">
+              <a:schemeClr val="accent1"/>
+            </a:effectRef>
+            <a:fontRef idx="minor">
+              <a:schemeClr val="tx1"/>
+            </a:fontRef>
+          </p:style>
+        </p:cxnSp>
+        <p:cxnSp>
+          <p:nvCxnSpPr>
+            <p:cNvPr id="20" name="Curved Connector 52"/>
+            <p:cNvCxnSpPr>
+              <a:stCxn id="7" idx="2"/>
+            </p:cNvCxnSpPr>
+            <p:nvPr/>
+          </p:nvCxnSpPr>
+          <p:spPr>
+            <a:xfrm rot="10800000" flipH="1" flipV="1">
+              <a:off x="2089443" y="3294402"/>
+              <a:ext cx="91781" cy="363197"/>
+            </a:xfrm>
+            <a:prstGeom prst="curvedConnector4">
+              <a:avLst>
+                <a:gd name="adj1" fmla="val -249071"/>
+                <a:gd name="adj2" fmla="val 115073"/>
+              </a:avLst>
+            </a:prstGeom>
+            <a:ln w="28575">
+              <a:solidFill>
+                <a:schemeClr val="tx1"/>
+              </a:solidFill>
+              <a:tailEnd type="triangle"/>
+            </a:ln>
+          </p:spPr>
+          <p:style>
+            <a:lnRef idx="1">
+              <a:schemeClr val="accent1"/>
+            </a:lnRef>
+            <a:fillRef idx="0">
+              <a:schemeClr val="accent1"/>
+            </a:fillRef>
+            <a:effectRef idx="0">
+              <a:schemeClr val="accent1"/>
+            </a:effectRef>
+            <a:fontRef idx="minor">
+              <a:schemeClr val="tx1"/>
+            </a:fontRef>
+          </p:style>
+        </p:cxnSp>
+        <p:sp>
+          <p:nvSpPr>
+            <p:cNvPr id="21" name="TextBox 20"/>
+            <p:cNvSpPr txBox="1"/>
+            <p:nvPr/>
+          </p:nvSpPr>
+          <p:spPr>
+            <a:xfrm>
+              <a:off x="2503573" y="2636574"/>
+              <a:ext cx="492443" cy="369332"/>
+            </a:xfrm>
+            <a:prstGeom prst="rect">
+              <a:avLst/>
+            </a:prstGeom>
+            <a:noFill/>
+          </p:spPr>
+          <p:txBody>
+            <a:bodyPr wrap="none" rtlCol="0">
+              <a:spAutoFit/>
+            </a:bodyPr>
+            <a:lstStyle/>
+            <a:p>
+              <a:r>
+                <a:rPr lang="en-NZ" b="1" dirty="0" smtClean="0"/>
+                <a:t>ON</a:t>
+              </a:r>
+              <a:endParaRPr lang="en-NZ" b="1" dirty="0"/>
+            </a:p>
+          </p:txBody>
+        </p:sp>
+        <p:sp>
+          <p:nvSpPr>
+            <p:cNvPr id="22" name="TextBox 21"/>
+            <p:cNvSpPr txBox="1"/>
+            <p:nvPr/>
+          </p:nvSpPr>
+          <p:spPr>
+            <a:xfrm>
+              <a:off x="5622377" y="2636574"/>
+              <a:ext cx="551754" cy="369332"/>
+            </a:xfrm>
+            <a:prstGeom prst="rect">
+              <a:avLst/>
+            </a:prstGeom>
+            <a:noFill/>
+          </p:spPr>
+          <p:txBody>
+            <a:bodyPr wrap="none" rtlCol="0">
+              <a:spAutoFit/>
+            </a:bodyPr>
+            <a:lstStyle/>
+            <a:p>
+              <a:r>
+                <a:rPr lang="en-NZ" b="1" dirty="0" smtClean="0"/>
+                <a:t>OFF</a:t>
+              </a:r>
+              <a:endParaRPr lang="en-NZ" b="1" dirty="0"/>
+            </a:p>
+          </p:txBody>
+        </p:sp>
+        <p:sp>
+          <p:nvSpPr>
+            <p:cNvPr id="23" name="TextBox 22"/>
+            <p:cNvSpPr txBox="1"/>
+            <p:nvPr/>
+          </p:nvSpPr>
+          <p:spPr>
+            <a:xfrm>
+              <a:off x="8354749" y="825667"/>
+              <a:ext cx="976934" cy="369332"/>
+            </a:xfrm>
+            <a:prstGeom prst="rect">
+              <a:avLst/>
+            </a:prstGeom>
+            <a:noFill/>
+          </p:spPr>
+          <p:txBody>
+            <a:bodyPr wrap="none" rtlCol="0">
+              <a:spAutoFit/>
+            </a:bodyPr>
+            <a:lstStyle/>
+            <a:p>
+              <a:r>
+                <a:rPr lang="en-NZ" b="1" dirty="0" smtClean="0"/>
+                <a:t>DISABLE</a:t>
+              </a:r>
+              <a:endParaRPr lang="en-NZ" b="1" dirty="0"/>
+            </a:p>
+          </p:txBody>
+        </p:sp>
+        <p:sp>
+          <p:nvSpPr>
+            <p:cNvPr id="24" name="TextBox 23"/>
+            <p:cNvSpPr txBox="1"/>
+            <p:nvPr/>
+          </p:nvSpPr>
+          <p:spPr>
+            <a:xfrm>
+              <a:off x="8278686" y="4647749"/>
+              <a:ext cx="1066895" cy="369332"/>
+            </a:xfrm>
+            <a:prstGeom prst="rect">
+              <a:avLst/>
+            </a:prstGeom>
+            <a:noFill/>
+          </p:spPr>
+          <p:txBody>
+            <a:bodyPr wrap="none" rtlCol="0">
+              <a:spAutoFit/>
+            </a:bodyPr>
+            <a:lstStyle/>
+            <a:p>
+              <a:r>
+                <a:rPr lang="en-NZ" b="1" dirty="0" smtClean="0"/>
+                <a:t>STANDBY</a:t>
+              </a:r>
+              <a:endParaRPr lang="en-NZ" b="1" dirty="0"/>
+            </a:p>
+          </p:txBody>
+        </p:sp>
+        <p:sp>
+          <p:nvSpPr>
+            <p:cNvPr id="25" name="TextBox 24"/>
+            <p:cNvSpPr txBox="1"/>
+            <p:nvPr/>
+          </p:nvSpPr>
+          <p:spPr>
+            <a:xfrm>
+              <a:off x="5301200" y="2971235"/>
+              <a:ext cx="1398150" cy="646331"/>
+            </a:xfrm>
+            <a:prstGeom prst="rect">
+              <a:avLst/>
+            </a:prstGeom>
+            <a:noFill/>
+          </p:spPr>
+          <p:txBody>
+            <a:bodyPr wrap="square" rtlCol="0">
+              <a:spAutoFit/>
+            </a:bodyPr>
+            <a:lstStyle/>
+            <a:p>
+              <a:r>
+                <a:rPr lang="en-NZ" dirty="0" smtClean="0"/>
+                <a:t>CruiseState = “00”</a:t>
+              </a:r>
+              <a:endParaRPr lang="en-NZ" dirty="0"/>
+            </a:p>
+          </p:txBody>
+        </p:sp>
+        <p:sp>
+          <p:nvSpPr>
+            <p:cNvPr id="26" name="TextBox 25"/>
+            <p:cNvSpPr txBox="1"/>
+            <p:nvPr/>
+          </p:nvSpPr>
+          <p:spPr>
+            <a:xfrm>
+              <a:off x="2193873" y="2971235"/>
+              <a:ext cx="1398150" cy="646331"/>
+            </a:xfrm>
+            <a:prstGeom prst="rect">
+              <a:avLst/>
+            </a:prstGeom>
+            <a:noFill/>
+          </p:spPr>
+          <p:txBody>
+            <a:bodyPr wrap="square" rtlCol="0">
+              <a:spAutoFit/>
+            </a:bodyPr>
+            <a:lstStyle/>
+            <a:p>
+              <a:r>
+                <a:rPr lang="en-NZ" dirty="0" smtClean="0"/>
+                <a:t>CruiseState = “01”</a:t>
+              </a:r>
+              <a:endParaRPr lang="en-NZ" dirty="0"/>
+            </a:p>
+          </p:txBody>
+        </p:sp>
+        <p:sp>
+          <p:nvSpPr>
+            <p:cNvPr id="27" name="TextBox 26"/>
+            <p:cNvSpPr txBox="1"/>
+            <p:nvPr/>
+          </p:nvSpPr>
+          <p:spPr>
+            <a:xfrm>
+              <a:off x="8215060" y="5001737"/>
+              <a:ext cx="1398150" cy="646331"/>
+            </a:xfrm>
+            <a:prstGeom prst="rect">
+              <a:avLst/>
+            </a:prstGeom>
+            <a:noFill/>
+          </p:spPr>
+          <p:txBody>
+            <a:bodyPr wrap="square" rtlCol="0">
+              <a:spAutoFit/>
+            </a:bodyPr>
+            <a:lstStyle/>
+            <a:p>
+              <a:r>
+                <a:rPr lang="en-NZ" dirty="0" smtClean="0"/>
+                <a:t>CruiseState = “10”</a:t>
+              </a:r>
+              <a:endParaRPr lang="en-NZ" dirty="0"/>
+            </a:p>
+          </p:txBody>
+        </p:sp>
+        <p:sp>
+          <p:nvSpPr>
+            <p:cNvPr id="28" name="TextBox 27"/>
+            <p:cNvSpPr txBox="1"/>
+            <p:nvPr/>
+          </p:nvSpPr>
+          <p:spPr>
+            <a:xfrm>
+              <a:off x="8215060" y="1152607"/>
+              <a:ext cx="1398150" cy="646331"/>
+            </a:xfrm>
+            <a:prstGeom prst="rect">
+              <a:avLst/>
+            </a:prstGeom>
+            <a:noFill/>
+          </p:spPr>
+          <p:txBody>
+            <a:bodyPr wrap="square" rtlCol="0">
+              <a:spAutoFit/>
+            </a:bodyPr>
+            <a:lstStyle/>
+            <a:p>
+              <a:r>
+                <a:rPr lang="en-NZ" dirty="0" smtClean="0"/>
+                <a:t>CruiseState = “11”</a:t>
+              </a:r>
+              <a:endParaRPr lang="en-NZ" dirty="0"/>
+            </a:p>
+          </p:txBody>
+        </p:sp>
+        <p:sp>
+          <p:nvSpPr>
+            <p:cNvPr id="29" name="TextBox 28"/>
+            <p:cNvSpPr txBox="1"/>
+            <p:nvPr/>
+          </p:nvSpPr>
+          <p:spPr>
+            <a:xfrm>
+              <a:off x="4012918" y="4215802"/>
+              <a:ext cx="699230" cy="276999"/>
+            </a:xfrm>
+            <a:prstGeom prst="rect">
+              <a:avLst/>
+            </a:prstGeom>
+            <a:noFill/>
+          </p:spPr>
+          <p:txBody>
+            <a:bodyPr wrap="none" rtlCol="0">
+              <a:spAutoFit/>
+            </a:bodyPr>
+            <a:lstStyle/>
+            <a:p>
+              <a:r>
+                <a:rPr lang="en-NZ" sz="1200" dirty="0" smtClean="0"/>
+                <a:t>On / ON</a:t>
+              </a:r>
+              <a:endParaRPr lang="en-NZ" sz="1200" dirty="0"/>
+            </a:p>
+          </p:txBody>
+        </p:sp>
+        <p:sp>
+          <p:nvSpPr>
+            <p:cNvPr id="30" name="TextBox 29"/>
+            <p:cNvSpPr txBox="1"/>
+            <p:nvPr/>
+          </p:nvSpPr>
+          <p:spPr>
+            <a:xfrm>
+              <a:off x="4008493" y="2055358"/>
+              <a:ext cx="752257" cy="276999"/>
+            </a:xfrm>
+            <a:prstGeom prst="rect">
+              <a:avLst/>
+            </a:prstGeom>
+            <a:noFill/>
+          </p:spPr>
+          <p:txBody>
+            <a:bodyPr wrap="none" rtlCol="0">
+              <a:spAutoFit/>
+            </a:bodyPr>
+            <a:lstStyle/>
+            <a:p>
+              <a:r>
+                <a:rPr lang="en-NZ" sz="1200" dirty="0" smtClean="0"/>
+                <a:t>Off / OFF</a:t>
+              </a:r>
+              <a:endParaRPr lang="en-NZ" sz="1200" dirty="0"/>
+            </a:p>
+          </p:txBody>
+        </p:sp>
+        <p:sp>
+          <p:nvSpPr>
+            <p:cNvPr id="31" name="TextBox 30"/>
+            <p:cNvSpPr txBox="1"/>
+            <p:nvPr/>
+          </p:nvSpPr>
+          <p:spPr>
+            <a:xfrm>
+              <a:off x="5093049" y="6032401"/>
+              <a:ext cx="1993551" cy="461665"/>
+            </a:xfrm>
+            <a:prstGeom prst="rect">
+              <a:avLst/>
+            </a:prstGeom>
+            <a:noFill/>
+          </p:spPr>
+          <p:txBody>
+            <a:bodyPr wrap="square" rtlCol="0">
+              <a:spAutoFit/>
+            </a:bodyPr>
+            <a:lstStyle/>
+            <a:p>
+              <a:r>
+                <a:rPr lang="en-NZ" sz="1200" dirty="0" smtClean="0"/>
+                <a:t>¬Accel ∧ Speed &lt; SpeedMax ∧ Speed &gt; SpeedMin / ON</a:t>
+              </a:r>
+            </a:p>
+          </p:txBody>
+        </p:sp>
+        <p:sp>
+          <p:nvSpPr>
+            <p:cNvPr id="32" name="TextBox 31"/>
+            <p:cNvSpPr txBox="1"/>
+            <p:nvPr/>
+          </p:nvSpPr>
+          <p:spPr>
+            <a:xfrm rot="16200000">
+              <a:off x="8632255" y="3155161"/>
+              <a:ext cx="1057725" cy="276999"/>
+            </a:xfrm>
+            <a:prstGeom prst="rect">
+              <a:avLst/>
+            </a:prstGeom>
+            <a:noFill/>
+          </p:spPr>
+          <p:txBody>
+            <a:bodyPr wrap="none" rtlCol="0">
+              <a:spAutoFit/>
+            </a:bodyPr>
+            <a:lstStyle/>
+            <a:p>
+              <a:r>
+                <a:rPr lang="en-NZ" sz="1200" dirty="0" smtClean="0"/>
+                <a:t>Brake / </a:t>
+              </a:r>
+              <a:r>
+                <a:rPr lang="en-NZ" sz="1200" dirty="0" smtClean="0"/>
+                <a:t>STDBY</a:t>
+              </a:r>
+              <a:endParaRPr lang="en-NZ" sz="1200" dirty="0"/>
+            </a:p>
+          </p:txBody>
+        </p:sp>
+        <p:sp>
+          <p:nvSpPr>
+            <p:cNvPr id="33" name="TextBox 32"/>
+            <p:cNvSpPr txBox="1"/>
+            <p:nvPr/>
+          </p:nvSpPr>
+          <p:spPr>
+            <a:xfrm>
+              <a:off x="4900833" y="749602"/>
+              <a:ext cx="2049242" cy="461665"/>
+            </a:xfrm>
+            <a:prstGeom prst="rect">
+              <a:avLst/>
+            </a:prstGeom>
+            <a:noFill/>
+          </p:spPr>
+          <p:txBody>
+            <a:bodyPr wrap="square" rtlCol="0">
+              <a:spAutoFit/>
+            </a:bodyPr>
+            <a:lstStyle/>
+            <a:p>
+              <a:r>
+                <a:rPr lang="en-NZ" sz="1200" dirty="0" smtClean="0"/>
+                <a:t>Accel ∨ </a:t>
+              </a:r>
+              <a:r>
+                <a:rPr lang="en-NZ" sz="1200" dirty="0" smtClean="0"/>
+                <a:t>Speed </a:t>
+              </a:r>
+              <a:r>
+                <a:rPr lang="en-NZ" sz="1200" dirty="0" smtClean="0"/>
+                <a:t>&gt; </a:t>
+              </a:r>
+              <a:r>
+                <a:rPr lang="en-NZ" sz="1200" dirty="0" smtClean="0"/>
+                <a:t>SpeedMax </a:t>
+              </a:r>
+              <a:r>
+                <a:rPr lang="en-NZ" sz="1200" dirty="0" smtClean="0"/>
+                <a:t>∨ Speed &lt; SpeedMin / DISABLE</a:t>
+              </a:r>
+              <a:endParaRPr lang="en-NZ" sz="1200" dirty="0" smtClean="0"/>
+            </a:p>
+          </p:txBody>
+        </p:sp>
+        <p:sp>
+          <p:nvSpPr>
+            <p:cNvPr id="34" name="TextBox 33"/>
+            <p:cNvSpPr txBox="1"/>
+            <p:nvPr/>
+          </p:nvSpPr>
+          <p:spPr>
+            <a:xfrm rot="19702667">
+              <a:off x="2267018" y="452190"/>
+              <a:ext cx="1965085" cy="461665"/>
+            </a:xfrm>
+            <a:prstGeom prst="rect">
+              <a:avLst/>
+            </a:prstGeom>
+            <a:noFill/>
+          </p:spPr>
+          <p:txBody>
+            <a:bodyPr wrap="square" rtlCol="0">
+              <a:spAutoFit/>
+            </a:bodyPr>
+            <a:lstStyle/>
+            <a:p>
+              <a:r>
+                <a:rPr lang="en-NZ" sz="1200" dirty="0" smtClean="0"/>
+                <a:t>¬Accel ∧ Speed &lt; SpeedMax ∧ Speed </a:t>
+              </a:r>
+              <a:r>
+                <a:rPr lang="en-NZ" sz="1200" dirty="0" smtClean="0"/>
+                <a:t>&gt; </a:t>
+              </a:r>
+              <a:r>
+                <a:rPr lang="en-NZ" sz="1200" dirty="0" smtClean="0"/>
+                <a:t>SpeedMin / ON</a:t>
+              </a:r>
+              <a:endParaRPr lang="en-NZ" sz="1200" dirty="0" smtClean="0"/>
+            </a:p>
+          </p:txBody>
+        </p:sp>
+        <p:sp>
+          <p:nvSpPr>
+            <p:cNvPr id="35" name="TextBox 34"/>
+            <p:cNvSpPr txBox="1"/>
+            <p:nvPr/>
+          </p:nvSpPr>
+          <p:spPr>
+            <a:xfrm rot="19380422">
+              <a:off x="6762338" y="1858428"/>
+              <a:ext cx="752257" cy="276999"/>
+            </a:xfrm>
+            <a:prstGeom prst="rect">
+              <a:avLst/>
+            </a:prstGeom>
+            <a:noFill/>
+          </p:spPr>
+          <p:txBody>
+            <a:bodyPr wrap="none" rtlCol="0">
+              <a:spAutoFit/>
+            </a:bodyPr>
+            <a:lstStyle/>
+            <a:p>
+              <a:r>
+                <a:rPr lang="en-NZ" sz="1200" dirty="0" smtClean="0"/>
+                <a:t>Off / OFF</a:t>
+              </a:r>
+              <a:endParaRPr lang="en-NZ" sz="1200" dirty="0"/>
+            </a:p>
+          </p:txBody>
+        </p:sp>
+        <p:sp>
+          <p:nvSpPr>
+            <p:cNvPr id="36" name="TextBox 35"/>
+            <p:cNvSpPr txBox="1"/>
+            <p:nvPr/>
+          </p:nvSpPr>
+          <p:spPr>
+            <a:xfrm rot="2398101">
+              <a:off x="6718024" y="4469216"/>
+              <a:ext cx="752257" cy="276999"/>
+            </a:xfrm>
+            <a:prstGeom prst="rect">
+              <a:avLst/>
+            </a:prstGeom>
+            <a:noFill/>
+          </p:spPr>
+          <p:txBody>
+            <a:bodyPr wrap="none" rtlCol="0">
+              <a:spAutoFit/>
+            </a:bodyPr>
+            <a:lstStyle/>
+            <a:p>
+              <a:r>
+                <a:rPr lang="en-NZ" sz="1200" dirty="0" smtClean="0"/>
+                <a:t>Off / OFF</a:t>
+              </a:r>
+              <a:endParaRPr lang="en-NZ" sz="1200" dirty="0"/>
+            </a:p>
+          </p:txBody>
+        </p:sp>
+        <p:sp>
+          <p:nvSpPr>
+            <p:cNvPr id="37" name="TextBox 36"/>
+            <p:cNvSpPr txBox="1"/>
+            <p:nvPr/>
+          </p:nvSpPr>
+          <p:spPr>
+            <a:xfrm rot="16200000">
+              <a:off x="581025" y="3323641"/>
+              <a:ext cx="1982245" cy="461665"/>
+            </a:xfrm>
+            <a:prstGeom prst="rect">
+              <a:avLst/>
+            </a:prstGeom>
+            <a:noFill/>
+          </p:spPr>
+          <p:txBody>
+            <a:bodyPr wrap="square" rtlCol="0">
+              <a:spAutoFit/>
+            </a:bodyPr>
+            <a:lstStyle/>
+            <a:p>
+              <a:r>
+                <a:rPr lang="en-NZ" sz="1200" dirty="0" smtClean="0"/>
+                <a:t>¬Accel ∧ Speed &lt; SpeedMax </a:t>
+              </a:r>
+              <a:r>
+                <a:rPr lang="en-NZ" sz="1200" dirty="0" smtClean="0"/>
+                <a:t>∧ Speed </a:t>
+              </a:r>
+              <a:r>
+                <a:rPr lang="en-NZ" sz="1200" dirty="0" smtClean="0"/>
+                <a:t>&gt; SpeedMin / </a:t>
+              </a:r>
+              <a:r>
+                <a:rPr lang="en-NZ" sz="1200" dirty="0" smtClean="0"/>
+                <a:t>ON</a:t>
+              </a:r>
+              <a:endParaRPr lang="en-NZ" sz="1200" dirty="0" smtClean="0"/>
+            </a:p>
+          </p:txBody>
+        </p:sp>
+        <p:sp>
+          <p:nvSpPr>
+            <p:cNvPr id="38" name="TextBox 37"/>
+            <p:cNvSpPr txBox="1"/>
+            <p:nvPr/>
+          </p:nvSpPr>
+          <p:spPr>
+            <a:xfrm>
+              <a:off x="9256368" y="5754647"/>
+              <a:ext cx="1057725" cy="276999"/>
+            </a:xfrm>
+            <a:prstGeom prst="rect">
+              <a:avLst/>
+            </a:prstGeom>
+            <a:noFill/>
+          </p:spPr>
+          <p:txBody>
+            <a:bodyPr wrap="none" rtlCol="0">
+              <a:spAutoFit/>
+            </a:bodyPr>
+            <a:lstStyle/>
+            <a:p>
+              <a:r>
+                <a:rPr lang="en-NZ" sz="1200" dirty="0" smtClean="0"/>
+                <a:t>Brake / STDBY</a:t>
+              </a:r>
+              <a:endParaRPr lang="en-NZ" sz="1200" dirty="0"/>
+            </a:p>
+          </p:txBody>
+        </p:sp>
+        <p:sp>
+          <p:nvSpPr>
+            <p:cNvPr id="39" name="TextBox 38"/>
+            <p:cNvSpPr txBox="1"/>
+            <p:nvPr/>
+          </p:nvSpPr>
+          <p:spPr>
+            <a:xfrm rot="16200000">
+              <a:off x="8959559" y="2975580"/>
+              <a:ext cx="2092618" cy="461665"/>
+            </a:xfrm>
+            <a:prstGeom prst="rect">
+              <a:avLst/>
+            </a:prstGeom>
+            <a:noFill/>
+          </p:spPr>
+          <p:txBody>
+            <a:bodyPr wrap="square" rtlCol="0">
+              <a:spAutoFit/>
+            </a:bodyPr>
+            <a:lstStyle/>
+            <a:p>
+              <a:r>
+                <a:rPr lang="en-NZ" sz="1200" dirty="0" smtClean="0"/>
+                <a:t>Accel ∨ Speed &gt; SpeedMax ∨ Speed &lt; SpeedMin / DISABLE</a:t>
+              </a:r>
+            </a:p>
+          </p:txBody>
+        </p:sp>
+        <p:sp>
+          <p:nvSpPr>
+            <p:cNvPr id="40" name="TextBox 39"/>
+            <p:cNvSpPr txBox="1"/>
+            <p:nvPr/>
+          </p:nvSpPr>
+          <p:spPr>
+            <a:xfrm>
+              <a:off x="6807513" y="2863803"/>
+              <a:ext cx="1907862" cy="646331"/>
+            </a:xfrm>
+            <a:prstGeom prst="rect">
+              <a:avLst/>
+            </a:prstGeom>
+            <a:noFill/>
+          </p:spPr>
+          <p:txBody>
+            <a:bodyPr wrap="square" rtlCol="0">
+              <a:spAutoFit/>
+            </a:bodyPr>
+            <a:lstStyle/>
+            <a:p>
+              <a:r>
+                <a:rPr lang="en-NZ" sz="1200" dirty="0" smtClean="0"/>
+                <a:t>Off ∨ Resume ∨ Set ∨ QuickAccel ∨ QuickDecel / OFF</a:t>
+              </a:r>
+              <a:endParaRPr lang="en-NZ" sz="1200" dirty="0"/>
+            </a:p>
+          </p:txBody>
+        </p:sp>
+        <p:cxnSp>
+          <p:nvCxnSpPr>
+            <p:cNvPr id="41" name="Curved Connector 40"/>
+            <p:cNvCxnSpPr>
+              <a:endCxn id="6" idx="5"/>
+            </p:cNvCxnSpPr>
+            <p:nvPr/>
+          </p:nvCxnSpPr>
+          <p:spPr>
+            <a:xfrm flipV="1">
+              <a:off x="8977313" y="5715392"/>
+              <a:ext cx="327311" cy="185346"/>
+            </a:xfrm>
+            <a:prstGeom prst="curvedConnector4">
+              <a:avLst>
+                <a:gd name="adj1" fmla="val 815"/>
+                <a:gd name="adj2" fmla="val -82009"/>
+              </a:avLst>
+            </a:prstGeom>
+            <a:ln w="28575">
+              <a:solidFill>
+                <a:schemeClr val="tx1"/>
+              </a:solidFill>
+              <a:tailEnd type="triangle"/>
+            </a:ln>
+          </p:spPr>
+          <p:style>
+            <a:lnRef idx="1">
+              <a:schemeClr val="accent1"/>
+            </a:lnRef>
+            <a:fillRef idx="0">
+              <a:schemeClr val="accent1"/>
+            </a:fillRef>
+            <a:effectRef idx="0">
+              <a:schemeClr val="accent1"/>
+            </a:effectRef>
+            <a:fontRef idx="minor">
+              <a:schemeClr val="tx1"/>
+            </a:fontRef>
+          </p:style>
+        </p:cxnSp>
+        <p:cxnSp>
+          <p:nvCxnSpPr>
+            <p:cNvPr id="42" name="Curved Connector 41"/>
+            <p:cNvCxnSpPr>
+              <a:endCxn id="5" idx="7"/>
+            </p:cNvCxnSpPr>
+            <p:nvPr/>
+          </p:nvCxnSpPr>
+          <p:spPr>
+            <a:xfrm>
+              <a:off x="9065421" y="759622"/>
+              <a:ext cx="239204" cy="160795"/>
+            </a:xfrm>
+            <a:prstGeom prst="curvedConnector4">
+              <a:avLst>
+                <a:gd name="adj1" fmla="val -16803"/>
+                <a:gd name="adj2" fmla="val -111279"/>
+              </a:avLst>
+            </a:prstGeom>
+            <a:ln w="28575">
+              <a:solidFill>
+                <a:schemeClr val="tx1"/>
+              </a:solidFill>
+              <a:tailEnd type="triangle"/>
+            </a:ln>
+          </p:spPr>
+          <p:style>
+            <a:lnRef idx="1">
+              <a:schemeClr val="accent1"/>
+            </a:lnRef>
+            <a:fillRef idx="0">
+              <a:schemeClr val="accent1"/>
+            </a:fillRef>
+            <a:effectRef idx="0">
+              <a:schemeClr val="accent1"/>
+            </a:effectRef>
+            <a:fontRef idx="minor">
+              <a:schemeClr val="tx1"/>
+            </a:fontRef>
+          </p:style>
+        </p:cxnSp>
+        <p:sp>
+          <p:nvSpPr>
+            <p:cNvPr id="43" name="TextBox 42"/>
+            <p:cNvSpPr txBox="1"/>
+            <p:nvPr/>
+          </p:nvSpPr>
+          <p:spPr>
+            <a:xfrm>
+              <a:off x="5050427" y="5149213"/>
+              <a:ext cx="1057725" cy="276999"/>
+            </a:xfrm>
+            <a:prstGeom prst="rect">
+              <a:avLst/>
+            </a:prstGeom>
+            <a:noFill/>
+          </p:spPr>
+          <p:txBody>
+            <a:bodyPr wrap="none" rtlCol="0">
+              <a:spAutoFit/>
+            </a:bodyPr>
+            <a:lstStyle/>
+            <a:p>
+              <a:r>
+                <a:rPr lang="en-NZ" sz="1200" dirty="0" smtClean="0"/>
+                <a:t>Brake / STDBY</a:t>
+              </a:r>
+              <a:endParaRPr lang="en-NZ" sz="1200" dirty="0"/>
+            </a:p>
+          </p:txBody>
+        </p:sp>
+        <p:sp>
+          <p:nvSpPr>
+            <p:cNvPr id="44" name="Rectangle 43"/>
+            <p:cNvSpPr/>
+            <p:nvPr/>
+          </p:nvSpPr>
+          <p:spPr>
+            <a:xfrm>
+              <a:off x="9294781" y="529559"/>
+              <a:ext cx="2005288" cy="461665"/>
+            </a:xfrm>
+            <a:prstGeom prst="rect">
+              <a:avLst/>
+            </a:prstGeom>
+          </p:spPr>
+          <p:txBody>
+            <a:bodyPr wrap="square">
+              <a:spAutoFit/>
+            </a:bodyPr>
+            <a:lstStyle/>
+            <a:p>
+              <a:r>
+                <a:rPr lang="en-NZ" sz="1200" dirty="0" smtClean="0"/>
+                <a:t>Accel ∨ Speed &gt; SpeedMax ∨ Speed &lt; SpeedMin / DISABLE</a:t>
+              </a:r>
+            </a:p>
+          </p:txBody>
+        </p:sp>
+        <p:sp>
+          <p:nvSpPr>
+            <p:cNvPr id="45" name="TextBox 44"/>
+            <p:cNvSpPr txBox="1"/>
+            <p:nvPr/>
+          </p:nvSpPr>
+          <p:spPr>
+            <a:xfrm rot="4212243">
+              <a:off x="5656318" y="1969633"/>
+              <a:ext cx="596638" cy="276999"/>
+            </a:xfrm>
+            <a:prstGeom prst="rect">
+              <a:avLst/>
+            </a:prstGeom>
+            <a:noFill/>
+          </p:spPr>
+          <p:txBody>
+            <a:bodyPr wrap="none" rtlCol="0">
+              <a:spAutoFit/>
+            </a:bodyPr>
+            <a:lstStyle/>
+            <a:p>
+              <a:r>
+                <a:rPr lang="en-NZ" sz="1200" dirty="0" smtClean="0"/>
+                <a:t>. / OFF</a:t>
+              </a:r>
+              <a:endParaRPr lang="en-NZ" sz="1200" dirty="0"/>
+            </a:p>
+          </p:txBody>
+        </p:sp>
+        <p:cxnSp>
+          <p:nvCxnSpPr>
+            <p:cNvPr id="59" name="Curved Connector 58"/>
+            <p:cNvCxnSpPr>
+              <a:stCxn id="5" idx="5"/>
+              <a:endCxn id="6" idx="7"/>
+            </p:cNvCxnSpPr>
+            <p:nvPr/>
+          </p:nvCxnSpPr>
+          <p:spPr>
+            <a:xfrm rot="5400000">
+              <a:off x="7892113" y="3317904"/>
+              <a:ext cx="2825025" cy="1"/>
+            </a:xfrm>
+            <a:prstGeom prst="curvedConnector3">
+              <a:avLst>
+                <a:gd name="adj1" fmla="val 51687"/>
+              </a:avLst>
+            </a:prstGeom>
+            <a:ln w="28575">
+              <a:solidFill>
+                <a:schemeClr val="tx1"/>
+              </a:solidFill>
+              <a:tailEnd type="triangle"/>
+            </a:ln>
+          </p:spPr>
+          <p:style>
+            <a:lnRef idx="1">
+              <a:schemeClr val="accent1"/>
+            </a:lnRef>
+            <a:fillRef idx="0">
+              <a:schemeClr val="accent1"/>
+            </a:fillRef>
+            <a:effectRef idx="0">
+              <a:schemeClr val="accent1"/>
+            </a:effectRef>
+            <a:fontRef idx="minor">
+              <a:schemeClr val="tx1"/>
+            </a:fontRef>
+          </p:style>
+        </p:cxnSp>
+      </p:grpSp>
+    </p:spTree>
   </p:cSld>
   <p:clrMapOvr>
     <a:masterClrMapping/>
@@ -6668,7 +8114,7 @@
   <a:extraClrSchemeLst/>
   <a:extLst>
     <a:ext uri="{05A4C25C-085E-4340-85A3-A5531E510DB2}">
-      <thm15:themeFamily xmlns:thm15="http://schemas.microsoft.com/office/thememl/2012/main" xmlns="" name="Office Theme" id="{62F939B6-93AF-4DB8-9C6B-D6C7DFDC589F}" vid="{4A3C46E8-61CC-4603-A589-7422A47A8E4A}"/>
+      <thm15:themeFamily xmlns="" xmlns:thm15="http://schemas.microsoft.com/office/thememl/2012/main" name="Office Theme" id="{62F939B6-93AF-4DB8-9C6B-D6C7DFDC589F}" vid="{4A3C46E8-61CC-4603-A589-7422A47A8E4A}"/>
     </a:ext>
   </a:extLst>
 </a:theme>

--- a/Report resources/FSMs.pptx
+++ b/Report resources/FSMs.pptx
@@ -242,7 +242,7 @@
             <a:fld id="{97928808-AD4B-4233-A9C4-D341BB4DD817}" type="datetimeFigureOut">
               <a:rPr lang="en-NZ" smtClean="0"/>
               <a:pPr/>
-              <a:t>11/05/2018</a:t>
+              <a:t>23/05/2018</a:t>
             </a:fld>
             <a:endParaRPr lang="en-NZ"/>
           </a:p>
@@ -414,7 +414,7 @@
             <a:fld id="{97928808-AD4B-4233-A9C4-D341BB4DD817}" type="datetimeFigureOut">
               <a:rPr lang="en-NZ" smtClean="0"/>
               <a:pPr/>
-              <a:t>11/05/2018</a:t>
+              <a:t>23/05/2018</a:t>
             </a:fld>
             <a:endParaRPr lang="en-NZ"/>
           </a:p>
@@ -596,7 +596,7 @@
             <a:fld id="{97928808-AD4B-4233-A9C4-D341BB4DD817}" type="datetimeFigureOut">
               <a:rPr lang="en-NZ" smtClean="0"/>
               <a:pPr/>
-              <a:t>11/05/2018</a:t>
+              <a:t>23/05/2018</a:t>
             </a:fld>
             <a:endParaRPr lang="en-NZ"/>
           </a:p>
@@ -768,7 +768,7 @@
             <a:fld id="{97928808-AD4B-4233-A9C4-D341BB4DD817}" type="datetimeFigureOut">
               <a:rPr lang="en-NZ" smtClean="0"/>
               <a:pPr/>
-              <a:t>11/05/2018</a:t>
+              <a:t>23/05/2018</a:t>
             </a:fld>
             <a:endParaRPr lang="en-NZ"/>
           </a:p>
@@ -1016,7 +1016,7 @@
             <a:fld id="{97928808-AD4B-4233-A9C4-D341BB4DD817}" type="datetimeFigureOut">
               <a:rPr lang="en-NZ" smtClean="0"/>
               <a:pPr/>
-              <a:t>11/05/2018</a:t>
+              <a:t>23/05/2018</a:t>
             </a:fld>
             <a:endParaRPr lang="en-NZ"/>
           </a:p>
@@ -1250,7 +1250,7 @@
             <a:fld id="{97928808-AD4B-4233-A9C4-D341BB4DD817}" type="datetimeFigureOut">
               <a:rPr lang="en-NZ" smtClean="0"/>
               <a:pPr/>
-              <a:t>11/05/2018</a:t>
+              <a:t>23/05/2018</a:t>
             </a:fld>
             <a:endParaRPr lang="en-NZ"/>
           </a:p>
@@ -1619,7 +1619,7 @@
             <a:fld id="{97928808-AD4B-4233-A9C4-D341BB4DD817}" type="datetimeFigureOut">
               <a:rPr lang="en-NZ" smtClean="0"/>
               <a:pPr/>
-              <a:t>11/05/2018</a:t>
+              <a:t>23/05/2018</a:t>
             </a:fld>
             <a:endParaRPr lang="en-NZ"/>
           </a:p>
@@ -1739,7 +1739,7 @@
             <a:fld id="{97928808-AD4B-4233-A9C4-D341BB4DD817}" type="datetimeFigureOut">
               <a:rPr lang="en-NZ" smtClean="0"/>
               <a:pPr/>
-              <a:t>11/05/2018</a:t>
+              <a:t>23/05/2018</a:t>
             </a:fld>
             <a:endParaRPr lang="en-NZ"/>
           </a:p>
@@ -1836,7 +1836,7 @@
             <a:fld id="{97928808-AD4B-4233-A9C4-D341BB4DD817}" type="datetimeFigureOut">
               <a:rPr lang="en-NZ" smtClean="0"/>
               <a:pPr/>
-              <a:t>11/05/2018</a:t>
+              <a:t>23/05/2018</a:t>
             </a:fld>
             <a:endParaRPr lang="en-NZ"/>
           </a:p>
@@ -2115,7 +2115,7 @@
             <a:fld id="{97928808-AD4B-4233-A9C4-D341BB4DD817}" type="datetimeFigureOut">
               <a:rPr lang="en-NZ" smtClean="0"/>
               <a:pPr/>
-              <a:t>11/05/2018</a:t>
+              <a:t>23/05/2018</a:t>
             </a:fld>
             <a:endParaRPr lang="en-NZ"/>
           </a:p>
@@ -2370,7 +2370,7 @@
             <a:fld id="{97928808-AD4B-4233-A9C4-D341BB4DD817}" type="datetimeFigureOut">
               <a:rPr lang="en-NZ" smtClean="0"/>
               <a:pPr/>
-              <a:t>11/05/2018</a:t>
+              <a:t>23/05/2018</a:t>
             </a:fld>
             <a:endParaRPr lang="en-NZ"/>
           </a:p>
@@ -2585,7 +2585,7 @@
             <a:fld id="{97928808-AD4B-4233-A9C4-D341BB4DD817}" type="datetimeFigureOut">
               <a:rPr lang="en-NZ" smtClean="0"/>
               <a:pPr/>
-              <a:t>11/05/2018</a:t>
+              <a:t>23/05/2018</a:t>
             </a:fld>
             <a:endParaRPr lang="en-NZ"/>
           </a:p>
@@ -6326,10 +6326,10 @@
         </p:nvGrpSpPr>
         <p:grpSpPr>
           <a:xfrm>
-            <a:off x="1341315" y="452190"/>
-            <a:ext cx="9958754" cy="6041876"/>
-            <a:chOff x="1341315" y="452190"/>
-            <a:chExt cx="9958754" cy="6041876"/>
+            <a:off x="1417767" y="529559"/>
+            <a:ext cx="10323383" cy="5939107"/>
+            <a:chOff x="1417767" y="529559"/>
+            <a:chExt cx="10323383" cy="5939107"/>
           </a:xfrm>
         </p:grpSpPr>
         <p:sp>
@@ -7009,7 +7009,7 @@
           </p:nvSpPr>
           <p:spPr>
             <a:xfrm>
-              <a:off x="2503573" y="2636574"/>
+              <a:off x="2528973" y="3125524"/>
               <a:ext cx="492443" cy="369332"/>
             </a:xfrm>
             <a:prstGeom prst="rect">
@@ -7039,7 +7039,7 @@
           </p:nvSpPr>
           <p:spPr>
             <a:xfrm>
-              <a:off x="5622377" y="2636574"/>
+              <a:off x="5622377" y="3112824"/>
               <a:ext cx="551754" cy="369332"/>
             </a:xfrm>
             <a:prstGeom prst="rect">
@@ -7069,7 +7069,7 @@
           </p:nvSpPr>
           <p:spPr>
             <a:xfrm>
-              <a:off x="8354749" y="825667"/>
+              <a:off x="8335699" y="1181267"/>
               <a:ext cx="976934" cy="369332"/>
             </a:xfrm>
             <a:prstGeom prst="rect">
@@ -7099,7 +7099,7 @@
           </p:nvSpPr>
           <p:spPr>
             <a:xfrm>
-              <a:off x="8278686" y="4647749"/>
+              <a:off x="8278686" y="5016049"/>
               <a:ext cx="1066895" cy="369332"/>
             </a:xfrm>
             <a:prstGeom prst="rect">
@@ -7123,14 +7123,14 @@
         </p:sp>
         <p:sp>
           <p:nvSpPr>
-            <p:cNvPr id="25" name="TextBox 24"/>
+            <p:cNvPr id="29" name="TextBox 28"/>
             <p:cNvSpPr txBox="1"/>
             <p:nvPr/>
           </p:nvSpPr>
           <p:spPr>
             <a:xfrm>
-              <a:off x="5301200" y="2971235"/>
-              <a:ext cx="1398150" cy="646331"/>
+              <a:off x="3562350" y="4215802"/>
+              <a:ext cx="1693726" cy="276999"/>
             </a:xfrm>
             <a:prstGeom prst="rect">
               <a:avLst/>
@@ -7144,113 +7144,23 @@
             <a:lstStyle/>
             <a:p>
               <a:r>
-                <a:rPr lang="en-NZ" dirty="0" smtClean="0"/>
-                <a:t>CruiseState = “00”</a:t>
+                <a:rPr lang="en-NZ" sz="1200" dirty="0" smtClean="0"/>
+                <a:t>On / CruiseState = “01”</a:t>
               </a:r>
-              <a:endParaRPr lang="en-NZ" dirty="0"/>
+              <a:endParaRPr lang="en-NZ" sz="1200" dirty="0"/>
             </a:p>
           </p:txBody>
         </p:sp>
         <p:sp>
           <p:nvSpPr>
-            <p:cNvPr id="26" name="TextBox 25"/>
+            <p:cNvPr id="30" name="TextBox 29"/>
             <p:cNvSpPr txBox="1"/>
             <p:nvPr/>
           </p:nvSpPr>
           <p:spPr>
             <a:xfrm>
-              <a:off x="2193873" y="2971235"/>
-              <a:ext cx="1398150" cy="646331"/>
-            </a:xfrm>
-            <a:prstGeom prst="rect">
-              <a:avLst/>
-            </a:prstGeom>
-            <a:noFill/>
-          </p:spPr>
-          <p:txBody>
-            <a:bodyPr wrap="square" rtlCol="0">
-              <a:spAutoFit/>
-            </a:bodyPr>
-            <a:lstStyle/>
-            <a:p>
-              <a:r>
-                <a:rPr lang="en-NZ" dirty="0" smtClean="0"/>
-                <a:t>CruiseState = “01”</a:t>
-              </a:r>
-              <a:endParaRPr lang="en-NZ" dirty="0"/>
-            </a:p>
-          </p:txBody>
-        </p:sp>
-        <p:sp>
-          <p:nvSpPr>
-            <p:cNvPr id="27" name="TextBox 26"/>
-            <p:cNvSpPr txBox="1"/>
-            <p:nvPr/>
-          </p:nvSpPr>
-          <p:spPr>
-            <a:xfrm>
-              <a:off x="8215060" y="5001737"/>
-              <a:ext cx="1398150" cy="646331"/>
-            </a:xfrm>
-            <a:prstGeom prst="rect">
-              <a:avLst/>
-            </a:prstGeom>
-            <a:noFill/>
-          </p:spPr>
-          <p:txBody>
-            <a:bodyPr wrap="square" rtlCol="0">
-              <a:spAutoFit/>
-            </a:bodyPr>
-            <a:lstStyle/>
-            <a:p>
-              <a:r>
-                <a:rPr lang="en-NZ" dirty="0" smtClean="0"/>
-                <a:t>CruiseState = “10”</a:t>
-              </a:r>
-              <a:endParaRPr lang="en-NZ" dirty="0"/>
-            </a:p>
-          </p:txBody>
-        </p:sp>
-        <p:sp>
-          <p:nvSpPr>
-            <p:cNvPr id="28" name="TextBox 27"/>
-            <p:cNvSpPr txBox="1"/>
-            <p:nvPr/>
-          </p:nvSpPr>
-          <p:spPr>
-            <a:xfrm>
-              <a:off x="8215060" y="1152607"/>
-              <a:ext cx="1398150" cy="646331"/>
-            </a:xfrm>
-            <a:prstGeom prst="rect">
-              <a:avLst/>
-            </a:prstGeom>
-            <a:noFill/>
-          </p:spPr>
-          <p:txBody>
-            <a:bodyPr wrap="square" rtlCol="0">
-              <a:spAutoFit/>
-            </a:bodyPr>
-            <a:lstStyle/>
-            <a:p>
-              <a:r>
-                <a:rPr lang="en-NZ" dirty="0" smtClean="0"/>
-                <a:t>CruiseState = “11”</a:t>
-              </a:r>
-              <a:endParaRPr lang="en-NZ" dirty="0"/>
-            </a:p>
-          </p:txBody>
-        </p:sp>
-        <p:sp>
-          <p:nvSpPr>
-            <p:cNvPr id="29" name="TextBox 28"/>
-            <p:cNvSpPr txBox="1"/>
-            <p:nvPr/>
-          </p:nvSpPr>
-          <p:spPr>
-            <a:xfrm>
-              <a:off x="4012918" y="4215802"/>
-              <a:ext cx="699230" cy="276999"/>
+              <a:off x="3589393" y="2055358"/>
+              <a:ext cx="1648208" cy="276999"/>
             </a:xfrm>
             <a:prstGeom prst="rect">
               <a:avLst/>
@@ -7265,22 +7175,54 @@
             <a:p>
               <a:r>
                 <a:rPr lang="en-NZ" sz="1200" dirty="0" smtClean="0"/>
-                <a:t>On / ON</a:t>
+                <a:t>Off / CruiseState = “00”</a:t>
               </a:r>
-              <a:endParaRPr lang="en-NZ" sz="1200" dirty="0"/>
             </a:p>
           </p:txBody>
         </p:sp>
         <p:sp>
           <p:nvSpPr>
-            <p:cNvPr id="30" name="TextBox 29"/>
+            <p:cNvPr id="31" name="TextBox 30"/>
             <p:cNvSpPr txBox="1"/>
             <p:nvPr/>
           </p:nvSpPr>
           <p:spPr>
             <a:xfrm>
-              <a:off x="4008493" y="2055358"/>
-              <a:ext cx="752257" cy="276999"/>
+              <a:off x="4775201" y="6007001"/>
+              <a:ext cx="2520950" cy="461665"/>
+            </a:xfrm>
+            <a:prstGeom prst="rect">
+              <a:avLst/>
+            </a:prstGeom>
+            <a:noFill/>
+          </p:spPr>
+          <p:txBody>
+            <a:bodyPr wrap="square" rtlCol="0">
+              <a:spAutoFit/>
+            </a:bodyPr>
+            <a:lstStyle/>
+            <a:p>
+              <a:r>
+                <a:rPr lang="en-NZ" sz="1200" dirty="0" smtClean="0"/>
+                <a:t>¬Brake ∧ </a:t>
+              </a:r>
+              <a:r>
+                <a:rPr lang="en-NZ" sz="1200" dirty="0" smtClean="0"/>
+                <a:t>Speed &lt; SpeedMax ∧ Speed &gt; SpeedMin / CruiseState = “01”</a:t>
+              </a:r>
+            </a:p>
+          </p:txBody>
+        </p:sp>
+        <p:sp>
+          <p:nvSpPr>
+            <p:cNvPr id="32" name="TextBox 31"/>
+            <p:cNvSpPr txBox="1"/>
+            <p:nvPr/>
+          </p:nvSpPr>
+          <p:spPr>
+            <a:xfrm rot="16200000">
+              <a:off x="8259364" y="3155161"/>
+              <a:ext cx="1803507" cy="276999"/>
             </a:xfrm>
             <a:prstGeom prst="rect">
               <a:avLst/>
@@ -7295,7 +7237,7 @@
             <a:p>
               <a:r>
                 <a:rPr lang="en-NZ" sz="1200" dirty="0" smtClean="0"/>
-                <a:t>Off / OFF</a:t>
+                <a:t>Brake / CruiseState = “10”</a:t>
               </a:r>
               <a:endParaRPr lang="en-NZ" sz="1200" dirty="0"/>
             </a:p>
@@ -7303,14 +7245,14 @@
         </p:sp>
         <p:sp>
           <p:nvSpPr>
-            <p:cNvPr id="31" name="TextBox 30"/>
+            <p:cNvPr id="33" name="TextBox 32"/>
             <p:cNvSpPr txBox="1"/>
             <p:nvPr/>
           </p:nvSpPr>
           <p:spPr>
             <a:xfrm>
-              <a:off x="5093049" y="6032401"/>
-              <a:ext cx="1993551" cy="461665"/>
+              <a:off x="4711700" y="749602"/>
+              <a:ext cx="2400299" cy="461665"/>
             </a:xfrm>
             <a:prstGeom prst="rect">
               <a:avLst/>
@@ -7325,21 +7267,51 @@
             <a:p>
               <a:r>
                 <a:rPr lang="en-NZ" sz="1200" dirty="0" smtClean="0"/>
-                <a:t>¬Accel ∧ Speed &lt; SpeedMax ∧ Speed &gt; SpeedMin / ON</a:t>
+                <a:t>Accel ∨ Speed &gt; SpeedMax ∨ Speed &lt; SpeedMin / CruiseState = “11”</a:t>
+              </a:r>
+              <a:endParaRPr lang="en-NZ" sz="1200" dirty="0"/>
+            </a:p>
+          </p:txBody>
+        </p:sp>
+        <p:sp>
+          <p:nvSpPr>
+            <p:cNvPr id="34" name="TextBox 33"/>
+            <p:cNvSpPr txBox="1"/>
+            <p:nvPr/>
+          </p:nvSpPr>
+          <p:spPr>
+            <a:xfrm rot="19702667">
+              <a:off x="1855531" y="682789"/>
+              <a:ext cx="2505599" cy="461665"/>
+            </a:xfrm>
+            <a:prstGeom prst="rect">
+              <a:avLst/>
+            </a:prstGeom>
+            <a:noFill/>
+          </p:spPr>
+          <p:txBody>
+            <a:bodyPr wrap="square" rtlCol="0">
+              <a:spAutoFit/>
+            </a:bodyPr>
+            <a:lstStyle/>
+            <a:p>
+              <a:r>
+                <a:rPr lang="en-NZ" sz="1200" dirty="0" smtClean="0"/>
+                <a:t>¬Accel ∧ Speed &lt; SpeedMax ∧ Speed &gt; SpeedMin / CruiseState = “01”</a:t>
               </a:r>
             </a:p>
           </p:txBody>
         </p:sp>
         <p:sp>
           <p:nvSpPr>
-            <p:cNvPr id="32" name="TextBox 31"/>
+            <p:cNvPr id="35" name="TextBox 34"/>
             <p:cNvSpPr txBox="1"/>
             <p:nvPr/>
           </p:nvSpPr>
           <p:spPr>
-            <a:xfrm rot="16200000">
-              <a:off x="8632255" y="3155161"/>
-              <a:ext cx="1057725" cy="276999"/>
+            <a:xfrm rot="19302333">
+              <a:off x="6314362" y="1858428"/>
+              <a:ext cx="1648208" cy="276999"/>
             </a:xfrm>
             <a:prstGeom prst="rect">
               <a:avLst/>
@@ -7354,26 +7326,50 @@
             <a:p>
               <a:r>
                 <a:rPr lang="en-NZ" sz="1200" dirty="0" smtClean="0"/>
-                <a:t>Brake / </a:t>
+                <a:t>Off / CruiseState = “00”</a:t>
               </a:r>
-              <a:r>
-                <a:rPr lang="en-NZ" sz="1200" dirty="0" smtClean="0"/>
-                <a:t>STDBY</a:t>
-              </a:r>
-              <a:endParaRPr lang="en-NZ" sz="1200" dirty="0"/>
             </a:p>
           </p:txBody>
         </p:sp>
         <p:sp>
           <p:nvSpPr>
-            <p:cNvPr id="33" name="TextBox 32"/>
+            <p:cNvPr id="36" name="TextBox 35"/>
             <p:cNvSpPr txBox="1"/>
             <p:nvPr/>
           </p:nvSpPr>
           <p:spPr>
-            <a:xfrm>
-              <a:off x="4900833" y="749602"/>
-              <a:ext cx="2049242" cy="461665"/>
+            <a:xfrm rot="2436033">
+              <a:off x="6270048" y="4469216"/>
+              <a:ext cx="1648208" cy="276999"/>
+            </a:xfrm>
+            <a:prstGeom prst="rect">
+              <a:avLst/>
+            </a:prstGeom>
+            <a:noFill/>
+          </p:spPr>
+          <p:txBody>
+            <a:bodyPr wrap="none" rtlCol="0">
+              <a:spAutoFit/>
+            </a:bodyPr>
+            <a:lstStyle/>
+            <a:p>
+              <a:r>
+                <a:rPr lang="en-NZ" sz="1200" dirty="0" smtClean="0"/>
+                <a:t>Off / CruiseState = “00”</a:t>
+              </a:r>
+            </a:p>
+          </p:txBody>
+        </p:sp>
+        <p:sp>
+          <p:nvSpPr>
+            <p:cNvPr id="37" name="TextBox 36"/>
+            <p:cNvSpPr txBox="1"/>
+            <p:nvPr/>
+          </p:nvSpPr>
+          <p:spPr>
+            <a:xfrm rot="16200000">
+              <a:off x="271152" y="3191320"/>
+              <a:ext cx="2754896" cy="461665"/>
             </a:xfrm>
             <a:prstGeom prst="rect">
               <a:avLst/>
@@ -7388,38 +7384,51 @@
             <a:p>
               <a:r>
                 <a:rPr lang="en-NZ" sz="1200" dirty="0" smtClean="0"/>
-                <a:t>Accel ∨ </a:t>
+                <a:t>¬Accel ∧ Speed &lt; SpeedMax ∧ Speed &gt; SpeedMin / CruiseState = “01”</a:t>
               </a:r>
-              <a:r>
-                <a:rPr lang="en-NZ" sz="1200" dirty="0" smtClean="0"/>
-                <a:t>Speed </a:t>
-              </a:r>
-              <a:r>
-                <a:rPr lang="en-NZ" sz="1200" dirty="0" smtClean="0"/>
-                <a:t>&gt; </a:t>
-              </a:r>
-              <a:r>
-                <a:rPr lang="en-NZ" sz="1200" dirty="0" smtClean="0"/>
-                <a:t>SpeedMax </a:t>
-              </a:r>
-              <a:r>
-                <a:rPr lang="en-NZ" sz="1200" dirty="0" smtClean="0"/>
-                <a:t>∨ Speed &lt; SpeedMin / DISABLE</a:t>
-              </a:r>
-              <a:endParaRPr lang="en-NZ" sz="1200" dirty="0" smtClean="0"/>
             </a:p>
           </p:txBody>
         </p:sp>
         <p:sp>
           <p:nvSpPr>
-            <p:cNvPr id="34" name="TextBox 33"/>
+            <p:cNvPr id="38" name="TextBox 37"/>
             <p:cNvSpPr txBox="1"/>
             <p:nvPr/>
           </p:nvSpPr>
           <p:spPr>
-            <a:xfrm rot="19702667">
-              <a:off x="2267018" y="452190"/>
-              <a:ext cx="1965085" cy="461665"/>
+            <a:xfrm>
+              <a:off x="9256368" y="5754647"/>
+              <a:ext cx="1803507" cy="276999"/>
+            </a:xfrm>
+            <a:prstGeom prst="rect">
+              <a:avLst/>
+            </a:prstGeom>
+            <a:noFill/>
+          </p:spPr>
+          <p:txBody>
+            <a:bodyPr wrap="none" rtlCol="0">
+              <a:spAutoFit/>
+            </a:bodyPr>
+            <a:lstStyle/>
+            <a:p>
+              <a:r>
+                <a:rPr lang="en-NZ" sz="1200" dirty="0" smtClean="0"/>
+                <a:t>Brake / CruiseState = “10”</a:t>
+              </a:r>
+              <a:endParaRPr lang="en-NZ" sz="1200" dirty="0"/>
+            </a:p>
+          </p:txBody>
+        </p:sp>
+        <p:sp>
+          <p:nvSpPr>
+            <p:cNvPr id="39" name="TextBox 38"/>
+            <p:cNvSpPr txBox="1"/>
+            <p:nvPr/>
+          </p:nvSpPr>
+          <p:spPr>
+            <a:xfrm rot="16200000">
+              <a:off x="8758095" y="2998142"/>
+              <a:ext cx="2546350" cy="461665"/>
             </a:xfrm>
             <a:prstGeom prst="rect">
               <a:avLst/>
@@ -7434,177 +7443,15 @@
             <a:p>
               <a:r>
                 <a:rPr lang="en-NZ" sz="1200" dirty="0" smtClean="0"/>
-                <a:t>¬Accel ∧ Speed &lt; SpeedMax ∧ Speed </a:t>
+                <a:t>¬Brake ∧</a:t>
               </a:r>
               <a:r>
                 <a:rPr lang="en-NZ" sz="1200" dirty="0" smtClean="0"/>
-                <a:t>&gt; </a:t>
+                <a:t> </a:t>
               </a:r>
               <a:r>
                 <a:rPr lang="en-NZ" sz="1200" dirty="0" smtClean="0"/>
-                <a:t>SpeedMin / ON</a:t>
-              </a:r>
-              <a:endParaRPr lang="en-NZ" sz="1200" dirty="0" smtClean="0"/>
-            </a:p>
-          </p:txBody>
-        </p:sp>
-        <p:sp>
-          <p:nvSpPr>
-            <p:cNvPr id="35" name="TextBox 34"/>
-            <p:cNvSpPr txBox="1"/>
-            <p:nvPr/>
-          </p:nvSpPr>
-          <p:spPr>
-            <a:xfrm rot="19380422">
-              <a:off x="6762338" y="1858428"/>
-              <a:ext cx="752257" cy="276999"/>
-            </a:xfrm>
-            <a:prstGeom prst="rect">
-              <a:avLst/>
-            </a:prstGeom>
-            <a:noFill/>
-          </p:spPr>
-          <p:txBody>
-            <a:bodyPr wrap="none" rtlCol="0">
-              <a:spAutoFit/>
-            </a:bodyPr>
-            <a:lstStyle/>
-            <a:p>
-              <a:r>
-                <a:rPr lang="en-NZ" sz="1200" dirty="0" smtClean="0"/>
-                <a:t>Off / OFF</a:t>
-              </a:r>
-              <a:endParaRPr lang="en-NZ" sz="1200" dirty="0"/>
-            </a:p>
-          </p:txBody>
-        </p:sp>
-        <p:sp>
-          <p:nvSpPr>
-            <p:cNvPr id="36" name="TextBox 35"/>
-            <p:cNvSpPr txBox="1"/>
-            <p:nvPr/>
-          </p:nvSpPr>
-          <p:spPr>
-            <a:xfrm rot="2398101">
-              <a:off x="6718024" y="4469216"/>
-              <a:ext cx="752257" cy="276999"/>
-            </a:xfrm>
-            <a:prstGeom prst="rect">
-              <a:avLst/>
-            </a:prstGeom>
-            <a:noFill/>
-          </p:spPr>
-          <p:txBody>
-            <a:bodyPr wrap="none" rtlCol="0">
-              <a:spAutoFit/>
-            </a:bodyPr>
-            <a:lstStyle/>
-            <a:p>
-              <a:r>
-                <a:rPr lang="en-NZ" sz="1200" dirty="0" smtClean="0"/>
-                <a:t>Off / OFF</a:t>
-              </a:r>
-              <a:endParaRPr lang="en-NZ" sz="1200" dirty="0"/>
-            </a:p>
-          </p:txBody>
-        </p:sp>
-        <p:sp>
-          <p:nvSpPr>
-            <p:cNvPr id="37" name="TextBox 36"/>
-            <p:cNvSpPr txBox="1"/>
-            <p:nvPr/>
-          </p:nvSpPr>
-          <p:spPr>
-            <a:xfrm rot="16200000">
-              <a:off x="581025" y="3323641"/>
-              <a:ext cx="1982245" cy="461665"/>
-            </a:xfrm>
-            <a:prstGeom prst="rect">
-              <a:avLst/>
-            </a:prstGeom>
-            <a:noFill/>
-          </p:spPr>
-          <p:txBody>
-            <a:bodyPr wrap="square" rtlCol="0">
-              <a:spAutoFit/>
-            </a:bodyPr>
-            <a:lstStyle/>
-            <a:p>
-              <a:r>
-                <a:rPr lang="en-NZ" sz="1200" dirty="0" smtClean="0"/>
-                <a:t>¬Accel ∧ Speed &lt; SpeedMax </a:t>
-              </a:r>
-              <a:r>
-                <a:rPr lang="en-NZ" sz="1200" dirty="0" smtClean="0"/>
-                <a:t>∧ Speed </a:t>
-              </a:r>
-              <a:r>
-                <a:rPr lang="en-NZ" sz="1200" dirty="0" smtClean="0"/>
-                <a:t>&gt; SpeedMin / </a:t>
-              </a:r>
-              <a:r>
-                <a:rPr lang="en-NZ" sz="1200" dirty="0" smtClean="0"/>
-                <a:t>ON</a:t>
-              </a:r>
-              <a:endParaRPr lang="en-NZ" sz="1200" dirty="0" smtClean="0"/>
-            </a:p>
-          </p:txBody>
-        </p:sp>
-        <p:sp>
-          <p:nvSpPr>
-            <p:cNvPr id="38" name="TextBox 37"/>
-            <p:cNvSpPr txBox="1"/>
-            <p:nvPr/>
-          </p:nvSpPr>
-          <p:spPr>
-            <a:xfrm>
-              <a:off x="9256368" y="5754647"/>
-              <a:ext cx="1057725" cy="276999"/>
-            </a:xfrm>
-            <a:prstGeom prst="rect">
-              <a:avLst/>
-            </a:prstGeom>
-            <a:noFill/>
-          </p:spPr>
-          <p:txBody>
-            <a:bodyPr wrap="none" rtlCol="0">
-              <a:spAutoFit/>
-            </a:bodyPr>
-            <a:lstStyle/>
-            <a:p>
-              <a:r>
-                <a:rPr lang="en-NZ" sz="1200" dirty="0" smtClean="0"/>
-                <a:t>Brake / STDBY</a:t>
-              </a:r>
-              <a:endParaRPr lang="en-NZ" sz="1200" dirty="0"/>
-            </a:p>
-          </p:txBody>
-        </p:sp>
-        <p:sp>
-          <p:nvSpPr>
-            <p:cNvPr id="39" name="TextBox 38"/>
-            <p:cNvSpPr txBox="1"/>
-            <p:nvPr/>
-          </p:nvSpPr>
-          <p:spPr>
-            <a:xfrm rot="16200000">
-              <a:off x="8959559" y="2975580"/>
-              <a:ext cx="2092618" cy="461665"/>
-            </a:xfrm>
-            <a:prstGeom prst="rect">
-              <a:avLst/>
-            </a:prstGeom>
-            <a:noFill/>
-          </p:spPr>
-          <p:txBody>
-            <a:bodyPr wrap="square" rtlCol="0">
-              <a:spAutoFit/>
-            </a:bodyPr>
-            <a:lstStyle/>
-            <a:p>
-              <a:r>
-                <a:rPr lang="en-NZ" sz="1200" dirty="0" smtClean="0"/>
-                <a:t>Accel ∨ Speed &gt; SpeedMax ∨ Speed &lt; SpeedMin / DISABLE</a:t>
+                <a:t>Speed &gt; SpeedMax ∨ Speed &lt; SpeedMin / CruiseState = “11”</a:t>
               </a:r>
             </a:p>
           </p:txBody>
@@ -7633,9 +7480,8 @@
             <a:p>
               <a:r>
                 <a:rPr lang="en-NZ" sz="1200" dirty="0" smtClean="0"/>
-                <a:t>Off ∨ Resume ∨ Set ∨ QuickAccel ∨ QuickDecel / OFF</a:t>
+                <a:t>Off ∨ Resume ∨ Set ∨ QuickAccel ∨ QuickDecel / CruiseState = “00”</a:t>
               </a:r>
-              <a:endParaRPr lang="en-NZ" sz="1200" dirty="0"/>
             </a:p>
           </p:txBody>
         </p:sp>
@@ -7730,7 +7576,7 @@
           <p:spPr>
             <a:xfrm>
               <a:off x="5050427" y="5149213"/>
-              <a:ext cx="1057725" cy="276999"/>
+              <a:ext cx="1803507" cy="276999"/>
             </a:xfrm>
             <a:prstGeom prst="rect">
               <a:avLst/>
@@ -7745,7 +7591,7 @@
             <a:p>
               <a:r>
                 <a:rPr lang="en-NZ" sz="1200" dirty="0" smtClean="0"/>
-                <a:t>Brake / STDBY</a:t>
+                <a:t>Brake / CruiseState = “10”</a:t>
               </a:r>
               <a:endParaRPr lang="en-NZ" sz="1200" dirty="0"/>
             </a:p>
@@ -7759,8 +7605,8 @@
           </p:nvSpPr>
           <p:spPr>
             <a:xfrm>
-              <a:off x="9294781" y="529559"/>
-              <a:ext cx="2005288" cy="461665"/>
+              <a:off x="9294780" y="529559"/>
+              <a:ext cx="2446370" cy="461665"/>
             </a:xfrm>
             <a:prstGeom prst="rect">
               <a:avLst/>
@@ -7774,7 +7620,7 @@
             <a:p>
               <a:r>
                 <a:rPr lang="en-NZ" sz="1200" dirty="0" smtClean="0"/>
-                <a:t>Accel ∨ Speed &gt; SpeedMax ∨ Speed &lt; SpeedMin / DISABLE</a:t>
+                <a:t>Accel ∨ Speed &gt; SpeedMax ∨ Speed &lt; SpeedMin / CruiseState = “11”</a:t>
               </a:r>
             </a:p>
           </p:txBody>
@@ -7786,9 +7632,9 @@
             <p:nvPr/>
           </p:nvSpPr>
           <p:spPr>
-            <a:xfrm rot="4212243">
-              <a:off x="5656318" y="1969633"/>
-              <a:ext cx="596638" cy="276999"/>
+            <a:xfrm rot="4310510">
+              <a:off x="5144843" y="1861683"/>
+              <a:ext cx="1492588" cy="276999"/>
             </a:xfrm>
             <a:prstGeom prst="rect">
               <a:avLst/>
@@ -7803,9 +7649,8 @@
             <a:p>
               <a:r>
                 <a:rPr lang="en-NZ" sz="1200" dirty="0" smtClean="0"/>
-                <a:t>. / OFF</a:t>
+                <a:t>. / CruiseState = “00”</a:t>
               </a:r>
-              <a:endParaRPr lang="en-NZ" sz="1200" dirty="0"/>
             </a:p>
           </p:txBody>
         </p:sp>

--- a/Report resources/FSMs.pptx
+++ b/Report resources/FSMs.pptx
@@ -9,6 +9,7 @@
     <p:sldId id="256" r:id="rId3"/>
     <p:sldId id="257" r:id="rId4"/>
     <p:sldId id="259" r:id="rId5"/>
+    <p:sldId id="261" r:id="rId6"/>
   </p:sldIdLst>
   <p:sldSz cx="12192000" cy="6858000"/>
   <p:notesSz cx="6858000" cy="9144000"/>
@@ -294,7 +295,7 @@
     </p:spTree>
     <p:extLst>
       <p:ext uri="{BB962C8B-B14F-4D97-AF65-F5344CB8AC3E}">
-        <p14:creationId xmlns="" xmlns:p14="http://schemas.microsoft.com/office/powerpoint/2010/main" val="3619705574"/>
+        <p14:creationId xmlns:p14="http://schemas.microsoft.com/office/powerpoint/2010/main" xmlns="" val="3619705574"/>
       </p:ext>
     </p:extLst>
   </p:cSld>
@@ -466,7 +467,7 @@
     </p:spTree>
     <p:extLst>
       <p:ext uri="{BB962C8B-B14F-4D97-AF65-F5344CB8AC3E}">
-        <p14:creationId xmlns="" xmlns:p14="http://schemas.microsoft.com/office/powerpoint/2010/main" val="4081113674"/>
+        <p14:creationId xmlns:p14="http://schemas.microsoft.com/office/powerpoint/2010/main" xmlns="" val="4081113674"/>
       </p:ext>
     </p:extLst>
   </p:cSld>
@@ -648,7 +649,7 @@
     </p:spTree>
     <p:extLst>
       <p:ext uri="{BB962C8B-B14F-4D97-AF65-F5344CB8AC3E}">
-        <p14:creationId xmlns="" xmlns:p14="http://schemas.microsoft.com/office/powerpoint/2010/main" val="363994899"/>
+        <p14:creationId xmlns:p14="http://schemas.microsoft.com/office/powerpoint/2010/main" xmlns="" val="363994899"/>
       </p:ext>
     </p:extLst>
   </p:cSld>
@@ -820,7 +821,7 @@
     </p:spTree>
     <p:extLst>
       <p:ext uri="{BB962C8B-B14F-4D97-AF65-F5344CB8AC3E}">
-        <p14:creationId xmlns="" xmlns:p14="http://schemas.microsoft.com/office/powerpoint/2010/main" val="1654254160"/>
+        <p14:creationId xmlns:p14="http://schemas.microsoft.com/office/powerpoint/2010/main" xmlns="" val="1654254160"/>
       </p:ext>
     </p:extLst>
   </p:cSld>
@@ -1068,7 +1069,7 @@
     </p:spTree>
     <p:extLst>
       <p:ext uri="{BB962C8B-B14F-4D97-AF65-F5344CB8AC3E}">
-        <p14:creationId xmlns="" xmlns:p14="http://schemas.microsoft.com/office/powerpoint/2010/main" val="1837508371"/>
+        <p14:creationId xmlns:p14="http://schemas.microsoft.com/office/powerpoint/2010/main" xmlns="" val="1837508371"/>
       </p:ext>
     </p:extLst>
   </p:cSld>
@@ -1302,7 +1303,7 @@
     </p:spTree>
     <p:extLst>
       <p:ext uri="{BB962C8B-B14F-4D97-AF65-F5344CB8AC3E}">
-        <p14:creationId xmlns="" xmlns:p14="http://schemas.microsoft.com/office/powerpoint/2010/main" val="74891894"/>
+        <p14:creationId xmlns:p14="http://schemas.microsoft.com/office/powerpoint/2010/main" xmlns="" val="74891894"/>
       </p:ext>
     </p:extLst>
   </p:cSld>
@@ -1671,7 +1672,7 @@
     </p:spTree>
     <p:extLst>
       <p:ext uri="{BB962C8B-B14F-4D97-AF65-F5344CB8AC3E}">
-        <p14:creationId xmlns="" xmlns:p14="http://schemas.microsoft.com/office/powerpoint/2010/main" val="1001197104"/>
+        <p14:creationId xmlns:p14="http://schemas.microsoft.com/office/powerpoint/2010/main" xmlns="" val="1001197104"/>
       </p:ext>
     </p:extLst>
   </p:cSld>
@@ -1791,7 +1792,7 @@
     </p:spTree>
     <p:extLst>
       <p:ext uri="{BB962C8B-B14F-4D97-AF65-F5344CB8AC3E}">
-        <p14:creationId xmlns="" xmlns:p14="http://schemas.microsoft.com/office/powerpoint/2010/main" val="4204311132"/>
+        <p14:creationId xmlns:p14="http://schemas.microsoft.com/office/powerpoint/2010/main" xmlns="" val="4204311132"/>
       </p:ext>
     </p:extLst>
   </p:cSld>
@@ -1888,7 +1889,7 @@
     </p:spTree>
     <p:extLst>
       <p:ext uri="{BB962C8B-B14F-4D97-AF65-F5344CB8AC3E}">
-        <p14:creationId xmlns="" xmlns:p14="http://schemas.microsoft.com/office/powerpoint/2010/main" val="3392200464"/>
+        <p14:creationId xmlns:p14="http://schemas.microsoft.com/office/powerpoint/2010/main" xmlns="" val="3392200464"/>
       </p:ext>
     </p:extLst>
   </p:cSld>
@@ -2167,7 +2168,7 @@
     </p:spTree>
     <p:extLst>
       <p:ext uri="{BB962C8B-B14F-4D97-AF65-F5344CB8AC3E}">
-        <p14:creationId xmlns="" xmlns:p14="http://schemas.microsoft.com/office/powerpoint/2010/main" val="3347108319"/>
+        <p14:creationId xmlns:p14="http://schemas.microsoft.com/office/powerpoint/2010/main" xmlns="" val="3347108319"/>
       </p:ext>
     </p:extLst>
   </p:cSld>
@@ -2422,7 +2423,7 @@
     </p:spTree>
     <p:extLst>
       <p:ext uri="{BB962C8B-B14F-4D97-AF65-F5344CB8AC3E}">
-        <p14:creationId xmlns="" xmlns:p14="http://schemas.microsoft.com/office/powerpoint/2010/main" val="1123632367"/>
+        <p14:creationId xmlns:p14="http://schemas.microsoft.com/office/powerpoint/2010/main" xmlns="" val="1123632367"/>
       </p:ext>
     </p:extLst>
   </p:cSld>
@@ -2673,7 +2674,7 @@
     </p:spTree>
     <p:extLst>
       <p:ext uri="{BB962C8B-B14F-4D97-AF65-F5344CB8AC3E}">
-        <p14:creationId xmlns="" xmlns:p14="http://schemas.microsoft.com/office/powerpoint/2010/main" val="609734527"/>
+        <p14:creationId xmlns:p14="http://schemas.microsoft.com/office/powerpoint/2010/main" xmlns="" val="609734527"/>
       </p:ext>
     </p:extLst>
   </p:cSld>
@@ -4670,7 +4671,7 @@
     </p:spTree>
     <p:extLst>
       <p:ext uri="{BB962C8B-B14F-4D97-AF65-F5344CB8AC3E}">
-        <p14:creationId xmlns="" xmlns:p14="http://schemas.microsoft.com/office/powerpoint/2010/main" val="843927471"/>
+        <p14:creationId xmlns:p14="http://schemas.microsoft.com/office/powerpoint/2010/main" xmlns="" val="843927471"/>
       </p:ext>
     </p:extLst>
   </p:cSld>
@@ -6291,7 +6292,7 @@
     </p:spTree>
     <p:extLst>
       <p:ext uri="{BB962C8B-B14F-4D97-AF65-F5344CB8AC3E}">
-        <p14:creationId xmlns="" xmlns:p14="http://schemas.microsoft.com/office/powerpoint/2010/main" val="3340299871"/>
+        <p14:creationId xmlns:p14="http://schemas.microsoft.com/office/powerpoint/2010/main" xmlns="" val="3340299871"/>
       </p:ext>
     </p:extLst>
   </p:cSld>
@@ -7204,11 +7205,7 @@
             <a:p>
               <a:r>
                 <a:rPr lang="en-NZ" sz="1200" dirty="0" smtClean="0"/>
-                <a:t>¬Brake ∧ </a:t>
-              </a:r>
-              <a:r>
-                <a:rPr lang="en-NZ" sz="1200" dirty="0" smtClean="0"/>
-                <a:t>Speed &lt; SpeedMax ∧ Speed &gt; SpeedMin / CruiseState = “01”</a:t>
+                <a:t>¬Brake ∧ Speed &lt; SpeedMax ∧ Speed &gt; SpeedMin / CruiseState = “01”</a:t>
               </a:r>
             </a:p>
           </p:txBody>
@@ -7443,15 +7440,7 @@
             <a:p>
               <a:r>
                 <a:rPr lang="en-NZ" sz="1200" dirty="0" smtClean="0"/>
-                <a:t>¬Brake ∧</a:t>
-              </a:r>
-              <a:r>
-                <a:rPr lang="en-NZ" sz="1200" dirty="0" smtClean="0"/>
-                <a:t> </a:t>
-              </a:r>
-              <a:r>
-                <a:rPr lang="en-NZ" sz="1200" dirty="0" smtClean="0"/>
-                <a:t>Speed &gt; SpeedMax ∨ Speed &lt; SpeedMin / CruiseState = “11”</a:t>
+                <a:t>¬Brake ∧ Speed &gt; SpeedMax ∨ Speed &lt; SpeedMin / CruiseState = “11”</a:t>
               </a:r>
             </a:p>
           </p:txBody>
@@ -7697,6 +7686,2006 @@
         </p:cxnSp>
       </p:grpSp>
     </p:spTree>
+  </p:cSld>
+  <p:clrMapOvr>
+    <a:masterClrMapping/>
+  </p:clrMapOvr>
+</p:sld>
+</file>
+
+<file path=ppt/slides/slide5.xml><?xml version="1.0" encoding="utf-8"?>
+<p:sld xmlns:a="http://schemas.openxmlformats.org/drawingml/2006/main" xmlns:r="http://schemas.openxmlformats.org/officeDocument/2006/relationships" xmlns:p="http://schemas.openxmlformats.org/presentationml/2006/main">
+  <p:cSld>
+    <p:spTree>
+      <p:nvGrpSpPr>
+        <p:cNvPr id="1" name=""/>
+        <p:cNvGrpSpPr/>
+        <p:nvPr/>
+      </p:nvGrpSpPr>
+      <p:grpSpPr>
+        <a:xfrm>
+          <a:off x="0" y="0"/>
+          <a:ext cx="0" cy="0"/>
+          <a:chOff x="0" y="0"/>
+          <a:chExt cx="0" cy="0"/>
+        </a:xfrm>
+      </p:grpSpPr>
+      <p:sp>
+        <p:nvSpPr>
+          <p:cNvPr id="20" name="Rounded Rectangle 19"/>
+          <p:cNvSpPr/>
+          <p:nvPr/>
+        </p:nvSpPr>
+        <p:spPr>
+          <a:xfrm>
+            <a:off x="2290271" y="358924"/>
+            <a:ext cx="1897166" cy="888762"/>
+          </a:xfrm>
+          <a:prstGeom prst="roundRect">
+            <a:avLst/>
+          </a:prstGeom>
+          <a:noFill/>
+          <a:ln w="28575">
+            <a:solidFill>
+              <a:schemeClr val="tx1"/>
+            </a:solidFill>
+          </a:ln>
+        </p:spPr>
+        <p:style>
+          <a:lnRef idx="2">
+            <a:schemeClr val="accent1">
+              <a:shade val="50000"/>
+            </a:schemeClr>
+          </a:lnRef>
+          <a:fillRef idx="1">
+            <a:schemeClr val="accent1"/>
+          </a:fillRef>
+          <a:effectRef idx="0">
+            <a:schemeClr val="accent1"/>
+          </a:effectRef>
+          <a:fontRef idx="minor">
+            <a:schemeClr val="lt1"/>
+          </a:fontRef>
+        </p:style>
+        <p:txBody>
+          <a:bodyPr rtlCol="0" anchor="ctr"/>
+          <a:lstStyle/>
+          <a:p>
+            <a:pPr algn="ctr"/>
+            <a:endParaRPr lang="en-NZ"/>
+          </a:p>
+        </p:txBody>
+      </p:sp>
+      <p:sp>
+        <p:nvSpPr>
+          <p:cNvPr id="22" name="Diamond 21"/>
+          <p:cNvSpPr/>
+          <p:nvPr/>
+        </p:nvSpPr>
+        <p:spPr>
+          <a:xfrm>
+            <a:off x="2563736" y="1632247"/>
+            <a:ext cx="1350236" cy="1350236"/>
+          </a:xfrm>
+          <a:prstGeom prst="diamond">
+            <a:avLst/>
+          </a:prstGeom>
+          <a:noFill/>
+          <a:ln w="28575">
+            <a:solidFill>
+              <a:schemeClr val="tx1"/>
+            </a:solidFill>
+          </a:ln>
+        </p:spPr>
+        <p:style>
+          <a:lnRef idx="2">
+            <a:schemeClr val="accent1">
+              <a:shade val="50000"/>
+            </a:schemeClr>
+          </a:lnRef>
+          <a:fillRef idx="1">
+            <a:schemeClr val="accent1"/>
+          </a:fillRef>
+          <a:effectRef idx="0">
+            <a:schemeClr val="accent1"/>
+          </a:effectRef>
+          <a:fontRef idx="minor">
+            <a:schemeClr val="lt1"/>
+          </a:fontRef>
+        </p:style>
+        <p:txBody>
+          <a:bodyPr rtlCol="0" anchor="ctr"/>
+          <a:lstStyle/>
+          <a:p>
+            <a:pPr algn="ctr"/>
+            <a:endParaRPr lang="en-NZ"/>
+          </a:p>
+        </p:txBody>
+      </p:sp>
+      <p:sp>
+        <p:nvSpPr>
+          <p:cNvPr id="23" name="Diamond 22"/>
+          <p:cNvSpPr/>
+          <p:nvPr/>
+        </p:nvSpPr>
+        <p:spPr>
+          <a:xfrm>
+            <a:off x="2563736" y="3367044"/>
+            <a:ext cx="1350236" cy="1350236"/>
+          </a:xfrm>
+          <a:prstGeom prst="diamond">
+            <a:avLst/>
+          </a:prstGeom>
+          <a:noFill/>
+          <a:ln w="28575">
+            <a:solidFill>
+              <a:schemeClr val="tx1"/>
+            </a:solidFill>
+          </a:ln>
+        </p:spPr>
+        <p:style>
+          <a:lnRef idx="2">
+            <a:schemeClr val="accent1">
+              <a:shade val="50000"/>
+            </a:schemeClr>
+          </a:lnRef>
+          <a:fillRef idx="1">
+            <a:schemeClr val="accent1"/>
+          </a:fillRef>
+          <a:effectRef idx="0">
+            <a:schemeClr val="accent1"/>
+          </a:effectRef>
+          <a:fontRef idx="minor">
+            <a:schemeClr val="lt1"/>
+          </a:fontRef>
+        </p:style>
+        <p:txBody>
+          <a:bodyPr rtlCol="0" anchor="ctr"/>
+          <a:lstStyle/>
+          <a:p>
+            <a:pPr algn="ctr"/>
+            <a:endParaRPr lang="en-NZ"/>
+          </a:p>
+        </p:txBody>
+      </p:sp>
+      <p:sp>
+        <p:nvSpPr>
+          <p:cNvPr id="24" name="Diamond 23"/>
+          <p:cNvSpPr/>
+          <p:nvPr/>
+        </p:nvSpPr>
+        <p:spPr>
+          <a:xfrm>
+            <a:off x="2563736" y="5101841"/>
+            <a:ext cx="1350236" cy="1350236"/>
+          </a:xfrm>
+          <a:prstGeom prst="diamond">
+            <a:avLst/>
+          </a:prstGeom>
+          <a:noFill/>
+          <a:ln w="28575">
+            <a:solidFill>
+              <a:schemeClr val="tx1"/>
+            </a:solidFill>
+          </a:ln>
+        </p:spPr>
+        <p:style>
+          <a:lnRef idx="2">
+            <a:schemeClr val="accent1">
+              <a:shade val="50000"/>
+            </a:schemeClr>
+          </a:lnRef>
+          <a:fillRef idx="1">
+            <a:schemeClr val="accent1"/>
+          </a:fillRef>
+          <a:effectRef idx="0">
+            <a:schemeClr val="accent1"/>
+          </a:effectRef>
+          <a:fontRef idx="minor">
+            <a:schemeClr val="lt1"/>
+          </a:fontRef>
+        </p:style>
+        <p:txBody>
+          <a:bodyPr rtlCol="0" anchor="ctr"/>
+          <a:lstStyle/>
+          <a:p>
+            <a:pPr algn="ctr"/>
+            <a:endParaRPr lang="en-NZ"/>
+          </a:p>
+        </p:txBody>
+      </p:sp>
+      <p:cxnSp>
+        <p:nvCxnSpPr>
+          <p:cNvPr id="26" name="Straight Arrow Connector 25"/>
+          <p:cNvCxnSpPr>
+            <a:stCxn id="20" idx="2"/>
+            <a:endCxn id="22" idx="0"/>
+          </p:cNvCxnSpPr>
+          <p:nvPr/>
+        </p:nvCxnSpPr>
+        <p:spPr>
+          <a:xfrm>
+            <a:off x="3238854" y="1247686"/>
+            <a:ext cx="0" cy="384561"/>
+          </a:xfrm>
+          <a:prstGeom prst="straightConnector1">
+            <a:avLst/>
+          </a:prstGeom>
+          <a:ln w="28575">
+            <a:solidFill>
+              <a:schemeClr val="tx1"/>
+            </a:solidFill>
+            <a:tailEnd type="triangle"/>
+          </a:ln>
+        </p:spPr>
+        <p:style>
+          <a:lnRef idx="1">
+            <a:schemeClr val="accent1"/>
+          </a:lnRef>
+          <a:fillRef idx="0">
+            <a:schemeClr val="accent1"/>
+          </a:fillRef>
+          <a:effectRef idx="0">
+            <a:schemeClr val="accent1"/>
+          </a:effectRef>
+          <a:fontRef idx="minor">
+            <a:schemeClr val="tx1"/>
+          </a:fontRef>
+        </p:style>
+      </p:cxnSp>
+      <p:cxnSp>
+        <p:nvCxnSpPr>
+          <p:cNvPr id="27" name="Straight Arrow Connector 26"/>
+          <p:cNvCxnSpPr/>
+          <p:nvPr/>
+        </p:nvCxnSpPr>
+        <p:spPr>
+          <a:xfrm>
+            <a:off x="3238854" y="2982483"/>
+            <a:ext cx="0" cy="384561"/>
+          </a:xfrm>
+          <a:prstGeom prst="straightConnector1">
+            <a:avLst/>
+          </a:prstGeom>
+          <a:ln w="28575">
+            <a:solidFill>
+              <a:schemeClr val="tx1"/>
+            </a:solidFill>
+            <a:tailEnd type="triangle"/>
+          </a:ln>
+        </p:spPr>
+        <p:style>
+          <a:lnRef idx="1">
+            <a:schemeClr val="accent1"/>
+          </a:lnRef>
+          <a:fillRef idx="0">
+            <a:schemeClr val="accent1"/>
+          </a:fillRef>
+          <a:effectRef idx="0">
+            <a:schemeClr val="accent1"/>
+          </a:effectRef>
+          <a:fontRef idx="minor">
+            <a:schemeClr val="tx1"/>
+          </a:fontRef>
+        </p:style>
+      </p:cxnSp>
+      <p:cxnSp>
+        <p:nvCxnSpPr>
+          <p:cNvPr id="28" name="Straight Arrow Connector 27"/>
+          <p:cNvCxnSpPr/>
+          <p:nvPr/>
+        </p:nvCxnSpPr>
+        <p:spPr>
+          <a:xfrm>
+            <a:off x="3238854" y="4717280"/>
+            <a:ext cx="0" cy="384561"/>
+          </a:xfrm>
+          <a:prstGeom prst="straightConnector1">
+            <a:avLst/>
+          </a:prstGeom>
+          <a:ln w="28575">
+            <a:solidFill>
+              <a:schemeClr val="tx1"/>
+            </a:solidFill>
+            <a:tailEnd type="triangle"/>
+          </a:ln>
+        </p:spPr>
+        <p:style>
+          <a:lnRef idx="1">
+            <a:schemeClr val="accent1"/>
+          </a:lnRef>
+          <a:fillRef idx="0">
+            <a:schemeClr val="accent1"/>
+          </a:fillRef>
+          <a:effectRef idx="0">
+            <a:schemeClr val="accent1"/>
+          </a:effectRef>
+          <a:fontRef idx="minor">
+            <a:schemeClr val="tx1"/>
+          </a:fontRef>
+        </p:style>
+      </p:cxnSp>
+      <p:sp>
+        <p:nvSpPr>
+          <p:cNvPr id="29" name="Rectangle 28"/>
+          <p:cNvSpPr/>
+          <p:nvPr/>
+        </p:nvSpPr>
+        <p:spPr>
+          <a:xfrm>
+            <a:off x="4495087" y="1837346"/>
+            <a:ext cx="1529697" cy="940038"/>
+          </a:xfrm>
+          <a:prstGeom prst="rect">
+            <a:avLst/>
+          </a:prstGeom>
+          <a:noFill/>
+          <a:ln w="28575">
+            <a:solidFill>
+              <a:schemeClr val="tx1"/>
+            </a:solidFill>
+          </a:ln>
+        </p:spPr>
+        <p:style>
+          <a:lnRef idx="2">
+            <a:schemeClr val="accent1">
+              <a:shade val="50000"/>
+            </a:schemeClr>
+          </a:lnRef>
+          <a:fillRef idx="1">
+            <a:schemeClr val="accent1"/>
+          </a:fillRef>
+          <a:effectRef idx="0">
+            <a:schemeClr val="accent1"/>
+          </a:effectRef>
+          <a:fontRef idx="minor">
+            <a:schemeClr val="lt1"/>
+          </a:fontRef>
+        </p:style>
+        <p:txBody>
+          <a:bodyPr rtlCol="0" anchor="ctr"/>
+          <a:lstStyle/>
+          <a:p>
+            <a:pPr algn="ctr"/>
+            <a:endParaRPr lang="en-NZ"/>
+          </a:p>
+        </p:txBody>
+      </p:sp>
+      <p:sp>
+        <p:nvSpPr>
+          <p:cNvPr id="30" name="Rectangle 29"/>
+          <p:cNvSpPr/>
+          <p:nvPr/>
+        </p:nvSpPr>
+        <p:spPr>
+          <a:xfrm>
+            <a:off x="4495086" y="3572143"/>
+            <a:ext cx="1529697" cy="940038"/>
+          </a:xfrm>
+          <a:prstGeom prst="rect">
+            <a:avLst/>
+          </a:prstGeom>
+          <a:noFill/>
+          <a:ln w="28575">
+            <a:solidFill>
+              <a:schemeClr val="tx1"/>
+            </a:solidFill>
+          </a:ln>
+        </p:spPr>
+        <p:style>
+          <a:lnRef idx="2">
+            <a:schemeClr val="accent1">
+              <a:shade val="50000"/>
+            </a:schemeClr>
+          </a:lnRef>
+          <a:fillRef idx="1">
+            <a:schemeClr val="accent1"/>
+          </a:fillRef>
+          <a:effectRef idx="0">
+            <a:schemeClr val="accent1"/>
+          </a:effectRef>
+          <a:fontRef idx="minor">
+            <a:schemeClr val="lt1"/>
+          </a:fontRef>
+        </p:style>
+        <p:txBody>
+          <a:bodyPr rtlCol="0" anchor="ctr"/>
+          <a:lstStyle/>
+          <a:p>
+            <a:pPr algn="ctr"/>
+            <a:endParaRPr lang="en-NZ"/>
+          </a:p>
+        </p:txBody>
+      </p:sp>
+      <p:sp>
+        <p:nvSpPr>
+          <p:cNvPr id="31" name="Rectangle 30"/>
+          <p:cNvSpPr/>
+          <p:nvPr/>
+        </p:nvSpPr>
+        <p:spPr>
+          <a:xfrm>
+            <a:off x="4495086" y="5306940"/>
+            <a:ext cx="1529697" cy="940038"/>
+          </a:xfrm>
+          <a:prstGeom prst="rect">
+            <a:avLst/>
+          </a:prstGeom>
+          <a:noFill/>
+          <a:ln w="28575">
+            <a:solidFill>
+              <a:schemeClr val="tx1"/>
+            </a:solidFill>
+          </a:ln>
+        </p:spPr>
+        <p:style>
+          <a:lnRef idx="2">
+            <a:schemeClr val="accent1">
+              <a:shade val="50000"/>
+            </a:schemeClr>
+          </a:lnRef>
+          <a:fillRef idx="1">
+            <a:schemeClr val="accent1"/>
+          </a:fillRef>
+          <a:effectRef idx="0">
+            <a:schemeClr val="accent1"/>
+          </a:effectRef>
+          <a:fontRef idx="minor">
+            <a:schemeClr val="lt1"/>
+          </a:fontRef>
+        </p:style>
+        <p:txBody>
+          <a:bodyPr rtlCol="0" anchor="ctr"/>
+          <a:lstStyle/>
+          <a:p>
+            <a:pPr algn="ctr"/>
+            <a:endParaRPr lang="en-NZ"/>
+          </a:p>
+        </p:txBody>
+      </p:sp>
+      <p:cxnSp>
+        <p:nvCxnSpPr>
+          <p:cNvPr id="34" name="Straight Arrow Connector 33"/>
+          <p:cNvCxnSpPr>
+            <a:stCxn id="22" idx="3"/>
+            <a:endCxn id="29" idx="1"/>
+          </p:cNvCxnSpPr>
+          <p:nvPr/>
+        </p:nvCxnSpPr>
+        <p:spPr>
+          <a:xfrm>
+            <a:off x="3913972" y="2307365"/>
+            <a:ext cx="581115" cy="0"/>
+          </a:xfrm>
+          <a:prstGeom prst="straightConnector1">
+            <a:avLst/>
+          </a:prstGeom>
+          <a:ln w="28575">
+            <a:solidFill>
+              <a:schemeClr val="tx1"/>
+            </a:solidFill>
+            <a:tailEnd type="triangle"/>
+          </a:ln>
+        </p:spPr>
+        <p:style>
+          <a:lnRef idx="1">
+            <a:schemeClr val="accent1"/>
+          </a:lnRef>
+          <a:fillRef idx="0">
+            <a:schemeClr val="accent1"/>
+          </a:fillRef>
+          <a:effectRef idx="0">
+            <a:schemeClr val="accent1"/>
+          </a:effectRef>
+          <a:fontRef idx="minor">
+            <a:schemeClr val="tx1"/>
+          </a:fontRef>
+        </p:style>
+      </p:cxnSp>
+      <p:cxnSp>
+        <p:nvCxnSpPr>
+          <p:cNvPr id="35" name="Straight Arrow Connector 34"/>
+          <p:cNvCxnSpPr/>
+          <p:nvPr/>
+        </p:nvCxnSpPr>
+        <p:spPr>
+          <a:xfrm>
+            <a:off x="3913971" y="4042162"/>
+            <a:ext cx="581115" cy="0"/>
+          </a:xfrm>
+          <a:prstGeom prst="straightConnector1">
+            <a:avLst/>
+          </a:prstGeom>
+          <a:ln w="28575">
+            <a:solidFill>
+              <a:schemeClr val="tx1"/>
+            </a:solidFill>
+            <a:tailEnd type="triangle"/>
+          </a:ln>
+        </p:spPr>
+        <p:style>
+          <a:lnRef idx="1">
+            <a:schemeClr val="accent1"/>
+          </a:lnRef>
+          <a:fillRef idx="0">
+            <a:schemeClr val="accent1"/>
+          </a:fillRef>
+          <a:effectRef idx="0">
+            <a:schemeClr val="accent1"/>
+          </a:effectRef>
+          <a:fontRef idx="minor">
+            <a:schemeClr val="tx1"/>
+          </a:fontRef>
+        </p:style>
+      </p:cxnSp>
+      <p:cxnSp>
+        <p:nvCxnSpPr>
+          <p:cNvPr id="36" name="Straight Arrow Connector 35"/>
+          <p:cNvCxnSpPr/>
+          <p:nvPr/>
+        </p:nvCxnSpPr>
+        <p:spPr>
+          <a:xfrm>
+            <a:off x="3913971" y="5776959"/>
+            <a:ext cx="581115" cy="0"/>
+          </a:xfrm>
+          <a:prstGeom prst="straightConnector1">
+            <a:avLst/>
+          </a:prstGeom>
+          <a:ln w="28575">
+            <a:solidFill>
+              <a:schemeClr val="tx1"/>
+            </a:solidFill>
+            <a:tailEnd type="triangle"/>
+          </a:ln>
+        </p:spPr>
+        <p:style>
+          <a:lnRef idx="1">
+            <a:schemeClr val="accent1"/>
+          </a:lnRef>
+          <a:fillRef idx="0">
+            <a:schemeClr val="accent1"/>
+          </a:fillRef>
+          <a:effectRef idx="0">
+            <a:schemeClr val="accent1"/>
+          </a:effectRef>
+          <a:fontRef idx="minor">
+            <a:schemeClr val="tx1"/>
+          </a:fontRef>
+        </p:style>
+      </p:cxnSp>
+      <p:sp>
+        <p:nvSpPr>
+          <p:cNvPr id="40" name="TextBox 39"/>
+          <p:cNvSpPr txBox="1"/>
+          <p:nvPr/>
+        </p:nvSpPr>
+        <p:spPr>
+          <a:xfrm>
+            <a:off x="2863302" y="612319"/>
+            <a:ext cx="751103" cy="369332"/>
+          </a:xfrm>
+          <a:prstGeom prst="rect">
+            <a:avLst/>
+          </a:prstGeom>
+          <a:noFill/>
+        </p:spPr>
+        <p:txBody>
+          <a:bodyPr wrap="none" rtlCol="0">
+            <a:spAutoFit/>
+          </a:bodyPr>
+          <a:lstStyle/>
+          <a:p>
+            <a:pPr algn="ctr"/>
+            <a:r>
+              <a:rPr lang="en-NZ" dirty="0" smtClean="0"/>
+              <a:t>START</a:t>
+            </a:r>
+            <a:endParaRPr lang="en-NZ" dirty="0"/>
+          </a:p>
+        </p:txBody>
+      </p:sp>
+      <p:sp>
+        <p:nvSpPr>
+          <p:cNvPr id="41" name="TextBox 40"/>
+          <p:cNvSpPr txBox="1"/>
+          <p:nvPr/>
+        </p:nvSpPr>
+        <p:spPr>
+          <a:xfrm>
+            <a:off x="2676840" y="2122699"/>
+            <a:ext cx="1124026" cy="369332"/>
+          </a:xfrm>
+          <a:prstGeom prst="rect">
+            <a:avLst/>
+          </a:prstGeom>
+          <a:noFill/>
+        </p:spPr>
+        <p:txBody>
+          <a:bodyPr wrap="none" rtlCol="0">
+            <a:spAutoFit/>
+          </a:bodyPr>
+          <a:lstStyle/>
+          <a:p>
+            <a:pPr algn="ctr"/>
+            <a:r>
+              <a:rPr lang="en-NZ" dirty="0" smtClean="0"/>
+              <a:t>ON or SET</a:t>
+            </a:r>
+            <a:endParaRPr lang="en-NZ" dirty="0"/>
+          </a:p>
+        </p:txBody>
+      </p:sp>
+      <p:sp>
+        <p:nvSpPr>
+          <p:cNvPr id="42" name="TextBox 41"/>
+          <p:cNvSpPr txBox="1"/>
+          <p:nvPr/>
+        </p:nvSpPr>
+        <p:spPr>
+          <a:xfrm>
+            <a:off x="2679972" y="3847526"/>
+            <a:ext cx="1213795" cy="369332"/>
+          </a:xfrm>
+          <a:prstGeom prst="rect">
+            <a:avLst/>
+          </a:prstGeom>
+          <a:noFill/>
+        </p:spPr>
+        <p:txBody>
+          <a:bodyPr wrap="none" rtlCol="0">
+            <a:spAutoFit/>
+          </a:bodyPr>
+          <a:lstStyle/>
+          <a:p>
+            <a:pPr algn="ctr"/>
+            <a:r>
+              <a:rPr lang="en-NZ" dirty="0" err="1" smtClean="0"/>
+              <a:t>QuickAccel</a:t>
+            </a:r>
+            <a:endParaRPr lang="en-NZ" dirty="0"/>
+          </a:p>
+        </p:txBody>
+      </p:sp>
+      <p:sp>
+        <p:nvSpPr>
+          <p:cNvPr id="43" name="TextBox 42"/>
+          <p:cNvSpPr txBox="1"/>
+          <p:nvPr/>
+        </p:nvSpPr>
+        <p:spPr>
+          <a:xfrm>
+            <a:off x="2666346" y="5602263"/>
+            <a:ext cx="1241045" cy="369332"/>
+          </a:xfrm>
+          <a:prstGeom prst="rect">
+            <a:avLst/>
+          </a:prstGeom>
+          <a:noFill/>
+        </p:spPr>
+        <p:txBody>
+          <a:bodyPr wrap="none" rtlCol="0">
+            <a:spAutoFit/>
+          </a:bodyPr>
+          <a:lstStyle/>
+          <a:p>
+            <a:pPr algn="ctr"/>
+            <a:r>
+              <a:rPr lang="en-NZ" dirty="0" err="1" smtClean="0"/>
+              <a:t>QuickDecel</a:t>
+            </a:r>
+            <a:endParaRPr lang="en-NZ" dirty="0"/>
+          </a:p>
+        </p:txBody>
+      </p:sp>
+      <p:sp>
+        <p:nvSpPr>
+          <p:cNvPr id="44" name="TextBox 43"/>
+          <p:cNvSpPr txBox="1"/>
+          <p:nvPr/>
+        </p:nvSpPr>
+        <p:spPr>
+          <a:xfrm>
+            <a:off x="4053686" y="1959268"/>
+            <a:ext cx="301686" cy="369332"/>
+          </a:xfrm>
+          <a:prstGeom prst="rect">
+            <a:avLst/>
+          </a:prstGeom>
+          <a:noFill/>
+        </p:spPr>
+        <p:txBody>
+          <a:bodyPr wrap="none" rtlCol="0">
+            <a:spAutoFit/>
+          </a:bodyPr>
+          <a:lstStyle/>
+          <a:p>
+            <a:pPr algn="ctr"/>
+            <a:r>
+              <a:rPr lang="en-NZ" dirty="0" smtClean="0"/>
+              <a:t>1</a:t>
+            </a:r>
+            <a:endParaRPr lang="en-NZ" dirty="0"/>
+          </a:p>
+        </p:txBody>
+      </p:sp>
+      <p:sp>
+        <p:nvSpPr>
+          <p:cNvPr id="45" name="TextBox 44"/>
+          <p:cNvSpPr txBox="1"/>
+          <p:nvPr/>
+        </p:nvSpPr>
+        <p:spPr>
+          <a:xfrm>
+            <a:off x="4053686" y="3694064"/>
+            <a:ext cx="301686" cy="369332"/>
+          </a:xfrm>
+          <a:prstGeom prst="rect">
+            <a:avLst/>
+          </a:prstGeom>
+          <a:noFill/>
+        </p:spPr>
+        <p:txBody>
+          <a:bodyPr wrap="none" rtlCol="0">
+            <a:spAutoFit/>
+          </a:bodyPr>
+          <a:lstStyle/>
+          <a:p>
+            <a:pPr algn="ctr"/>
+            <a:r>
+              <a:rPr lang="en-NZ" dirty="0" smtClean="0"/>
+              <a:t>1</a:t>
+            </a:r>
+            <a:endParaRPr lang="en-NZ" dirty="0"/>
+          </a:p>
+        </p:txBody>
+      </p:sp>
+      <p:sp>
+        <p:nvSpPr>
+          <p:cNvPr id="46" name="TextBox 45"/>
+          <p:cNvSpPr txBox="1"/>
+          <p:nvPr/>
+        </p:nvSpPr>
+        <p:spPr>
+          <a:xfrm>
+            <a:off x="4053686" y="5428860"/>
+            <a:ext cx="301686" cy="369332"/>
+          </a:xfrm>
+          <a:prstGeom prst="rect">
+            <a:avLst/>
+          </a:prstGeom>
+          <a:noFill/>
+        </p:spPr>
+        <p:txBody>
+          <a:bodyPr wrap="none" rtlCol="0">
+            <a:spAutoFit/>
+          </a:bodyPr>
+          <a:lstStyle/>
+          <a:p>
+            <a:pPr algn="ctr"/>
+            <a:r>
+              <a:rPr lang="en-NZ" dirty="0" smtClean="0"/>
+              <a:t>1</a:t>
+            </a:r>
+            <a:endParaRPr lang="en-NZ" dirty="0"/>
+          </a:p>
+        </p:txBody>
+      </p:sp>
+      <p:sp>
+        <p:nvSpPr>
+          <p:cNvPr id="48" name="TextBox 47"/>
+          <p:cNvSpPr txBox="1"/>
+          <p:nvPr/>
+        </p:nvSpPr>
+        <p:spPr>
+          <a:xfrm>
+            <a:off x="3238853" y="2972513"/>
+            <a:ext cx="301686" cy="369332"/>
+          </a:xfrm>
+          <a:prstGeom prst="rect">
+            <a:avLst/>
+          </a:prstGeom>
+          <a:noFill/>
+        </p:spPr>
+        <p:txBody>
+          <a:bodyPr wrap="none" rtlCol="0">
+            <a:spAutoFit/>
+          </a:bodyPr>
+          <a:lstStyle/>
+          <a:p>
+            <a:pPr algn="ctr"/>
+            <a:r>
+              <a:rPr lang="en-NZ" dirty="0"/>
+              <a:t>0</a:t>
+            </a:r>
+          </a:p>
+        </p:txBody>
+      </p:sp>
+      <p:sp>
+        <p:nvSpPr>
+          <p:cNvPr id="49" name="TextBox 48"/>
+          <p:cNvSpPr txBox="1"/>
+          <p:nvPr/>
+        </p:nvSpPr>
+        <p:spPr>
+          <a:xfrm>
+            <a:off x="3238853" y="4717280"/>
+            <a:ext cx="301686" cy="369332"/>
+          </a:xfrm>
+          <a:prstGeom prst="rect">
+            <a:avLst/>
+          </a:prstGeom>
+          <a:noFill/>
+        </p:spPr>
+        <p:txBody>
+          <a:bodyPr wrap="none" rtlCol="0">
+            <a:spAutoFit/>
+          </a:bodyPr>
+          <a:lstStyle/>
+          <a:p>
+            <a:pPr algn="ctr"/>
+            <a:r>
+              <a:rPr lang="en-NZ" dirty="0"/>
+              <a:t>0</a:t>
+            </a:r>
+          </a:p>
+        </p:txBody>
+      </p:sp>
+      <p:cxnSp>
+        <p:nvCxnSpPr>
+          <p:cNvPr id="51" name="Elbow Connector 50"/>
+          <p:cNvCxnSpPr>
+            <a:stCxn id="24" idx="2"/>
+          </p:cNvCxnSpPr>
+          <p:nvPr/>
+        </p:nvCxnSpPr>
+        <p:spPr>
+          <a:xfrm rot="5400000" flipH="1">
+            <a:off x="750789" y="3964012"/>
+            <a:ext cx="4950996" cy="25135"/>
+          </a:xfrm>
+          <a:prstGeom prst="bentConnector5">
+            <a:avLst>
+              <a:gd name="adj1" fmla="val -4617"/>
+              <a:gd name="adj2" fmla="val 4921786"/>
+              <a:gd name="adj3" fmla="val 99997"/>
+            </a:avLst>
+          </a:prstGeom>
+          <a:ln w="28575">
+            <a:solidFill>
+              <a:schemeClr val="tx1"/>
+            </a:solidFill>
+            <a:tailEnd type="triangle"/>
+          </a:ln>
+        </p:spPr>
+        <p:style>
+          <a:lnRef idx="1">
+            <a:schemeClr val="accent1"/>
+          </a:lnRef>
+          <a:fillRef idx="0">
+            <a:schemeClr val="accent1"/>
+          </a:fillRef>
+          <a:effectRef idx="0">
+            <a:schemeClr val="accent1"/>
+          </a:effectRef>
+          <a:fontRef idx="minor">
+            <a:schemeClr val="tx1"/>
+          </a:fontRef>
+        </p:style>
+      </p:cxnSp>
+      <p:sp>
+        <p:nvSpPr>
+          <p:cNvPr id="62" name="TextBox 61"/>
+          <p:cNvSpPr txBox="1"/>
+          <p:nvPr/>
+        </p:nvSpPr>
+        <p:spPr>
+          <a:xfrm>
+            <a:off x="3282940" y="6425087"/>
+            <a:ext cx="301686" cy="369332"/>
+          </a:xfrm>
+          <a:prstGeom prst="rect">
+            <a:avLst/>
+          </a:prstGeom>
+          <a:noFill/>
+        </p:spPr>
+        <p:txBody>
+          <a:bodyPr wrap="none" rtlCol="0">
+            <a:spAutoFit/>
+          </a:bodyPr>
+          <a:lstStyle/>
+          <a:p>
+            <a:pPr algn="ctr"/>
+            <a:r>
+              <a:rPr lang="en-NZ" dirty="0"/>
+              <a:t>0</a:t>
+            </a:r>
+          </a:p>
+        </p:txBody>
+      </p:sp>
+      <p:sp>
+        <p:nvSpPr>
+          <p:cNvPr id="63" name="TextBox 62"/>
+          <p:cNvSpPr txBox="1"/>
+          <p:nvPr/>
+        </p:nvSpPr>
+        <p:spPr>
+          <a:xfrm>
+            <a:off x="4227087" y="593804"/>
+            <a:ext cx="2065694" cy="369332"/>
+          </a:xfrm>
+          <a:prstGeom prst="rect">
+            <a:avLst/>
+          </a:prstGeom>
+          <a:noFill/>
+        </p:spPr>
+        <p:txBody>
+          <a:bodyPr wrap="none" rtlCol="0">
+            <a:spAutoFit/>
+          </a:bodyPr>
+          <a:lstStyle/>
+          <a:p>
+            <a:pPr algn="ctr"/>
+            <a:r>
+              <a:rPr lang="en-NZ" dirty="0"/>
+              <a:t>t</a:t>
+            </a:r>
+            <a:r>
+              <a:rPr lang="en-NZ" dirty="0" smtClean="0"/>
+              <a:t>emp = </a:t>
+            </a:r>
+            <a:r>
+              <a:rPr lang="en-NZ" dirty="0" err="1" smtClean="0"/>
+              <a:t>CruiseSpeed</a:t>
+            </a:r>
+            <a:endParaRPr lang="en-NZ" dirty="0"/>
+          </a:p>
+        </p:txBody>
+      </p:sp>
+      <p:sp>
+        <p:nvSpPr>
+          <p:cNvPr id="64" name="TextBox 63"/>
+          <p:cNvSpPr txBox="1"/>
+          <p:nvPr/>
+        </p:nvSpPr>
+        <p:spPr>
+          <a:xfrm>
+            <a:off x="4494853" y="1959268"/>
+            <a:ext cx="1530166" cy="646331"/>
+          </a:xfrm>
+          <a:prstGeom prst="rect">
+            <a:avLst/>
+          </a:prstGeom>
+          <a:noFill/>
+        </p:spPr>
+        <p:txBody>
+          <a:bodyPr wrap="square" rtlCol="0">
+            <a:spAutoFit/>
+          </a:bodyPr>
+          <a:lstStyle/>
+          <a:p>
+            <a:pPr algn="ctr"/>
+            <a:r>
+              <a:rPr lang="en-NZ" dirty="0"/>
+              <a:t>t</a:t>
+            </a:r>
+            <a:r>
+              <a:rPr lang="en-NZ" dirty="0" smtClean="0"/>
+              <a:t>emp = </a:t>
+            </a:r>
+            <a:r>
+              <a:rPr lang="en-NZ" dirty="0" err="1" smtClean="0"/>
+              <a:t>CurrentSpeed</a:t>
+            </a:r>
+            <a:endParaRPr lang="en-NZ" dirty="0"/>
+          </a:p>
+        </p:txBody>
+      </p:sp>
+      <p:sp>
+        <p:nvSpPr>
+          <p:cNvPr id="65" name="TextBox 64"/>
+          <p:cNvSpPr txBox="1"/>
+          <p:nvPr/>
+        </p:nvSpPr>
+        <p:spPr>
+          <a:xfrm>
+            <a:off x="4493662" y="3721263"/>
+            <a:ext cx="1530166" cy="646331"/>
+          </a:xfrm>
+          <a:prstGeom prst="rect">
+            <a:avLst/>
+          </a:prstGeom>
+          <a:noFill/>
+        </p:spPr>
+        <p:txBody>
+          <a:bodyPr wrap="square" rtlCol="0">
+            <a:spAutoFit/>
+          </a:bodyPr>
+          <a:lstStyle/>
+          <a:p>
+            <a:pPr algn="ctr"/>
+            <a:r>
+              <a:rPr lang="en-NZ" dirty="0"/>
+              <a:t>temp += </a:t>
+            </a:r>
+            <a:r>
+              <a:rPr lang="en-NZ" dirty="0" err="1"/>
+              <a:t>SpeedInc</a:t>
+            </a:r>
+            <a:endParaRPr lang="en-NZ" dirty="0"/>
+          </a:p>
+        </p:txBody>
+      </p:sp>
+      <p:sp>
+        <p:nvSpPr>
+          <p:cNvPr id="66" name="TextBox 65"/>
+          <p:cNvSpPr txBox="1"/>
+          <p:nvPr/>
+        </p:nvSpPr>
+        <p:spPr>
+          <a:xfrm>
+            <a:off x="4503230" y="5480780"/>
+            <a:ext cx="1530166" cy="646331"/>
+          </a:xfrm>
+          <a:prstGeom prst="rect">
+            <a:avLst/>
+          </a:prstGeom>
+          <a:noFill/>
+        </p:spPr>
+        <p:txBody>
+          <a:bodyPr wrap="square" rtlCol="0">
+            <a:spAutoFit/>
+          </a:bodyPr>
+          <a:lstStyle/>
+          <a:p>
+            <a:pPr algn="ctr"/>
+            <a:r>
+              <a:rPr lang="en-NZ" dirty="0"/>
+              <a:t>t</a:t>
+            </a:r>
+            <a:r>
+              <a:rPr lang="en-NZ" dirty="0" smtClean="0"/>
+              <a:t>emp -= </a:t>
+            </a:r>
+            <a:r>
+              <a:rPr lang="en-NZ" dirty="0" err="1" smtClean="0"/>
+              <a:t>SpeedInc</a:t>
+            </a:r>
+            <a:endParaRPr lang="en-NZ" dirty="0"/>
+          </a:p>
+        </p:txBody>
+      </p:sp>
+      <p:sp>
+        <p:nvSpPr>
+          <p:cNvPr id="68" name="Diamond 67"/>
+          <p:cNvSpPr/>
+          <p:nvPr/>
+        </p:nvSpPr>
+        <p:spPr>
+          <a:xfrm>
+            <a:off x="6906827" y="2416923"/>
+            <a:ext cx="1350236" cy="1350236"/>
+          </a:xfrm>
+          <a:prstGeom prst="diamond">
+            <a:avLst/>
+          </a:prstGeom>
+          <a:noFill/>
+          <a:ln w="28575">
+            <a:solidFill>
+              <a:schemeClr val="tx1"/>
+            </a:solidFill>
+          </a:ln>
+        </p:spPr>
+        <p:style>
+          <a:lnRef idx="2">
+            <a:schemeClr val="accent1">
+              <a:shade val="50000"/>
+            </a:schemeClr>
+          </a:lnRef>
+          <a:fillRef idx="1">
+            <a:schemeClr val="accent1"/>
+          </a:fillRef>
+          <a:effectRef idx="0">
+            <a:schemeClr val="accent1"/>
+          </a:effectRef>
+          <a:fontRef idx="minor">
+            <a:schemeClr val="lt1"/>
+          </a:fontRef>
+        </p:style>
+        <p:txBody>
+          <a:bodyPr rtlCol="0" anchor="ctr"/>
+          <a:lstStyle/>
+          <a:p>
+            <a:pPr algn="ctr"/>
+            <a:endParaRPr lang="en-NZ"/>
+          </a:p>
+        </p:txBody>
+      </p:sp>
+      <p:sp>
+        <p:nvSpPr>
+          <p:cNvPr id="69" name="Rectangle 68"/>
+          <p:cNvSpPr/>
+          <p:nvPr/>
+        </p:nvSpPr>
+        <p:spPr>
+          <a:xfrm>
+            <a:off x="6973066" y="2720713"/>
+            <a:ext cx="1217757" cy="646331"/>
+          </a:xfrm>
+          <a:prstGeom prst="rect">
+            <a:avLst/>
+          </a:prstGeom>
+        </p:spPr>
+        <p:txBody>
+          <a:bodyPr wrap="square">
+            <a:spAutoFit/>
+          </a:bodyPr>
+          <a:lstStyle/>
+          <a:p>
+            <a:pPr algn="ctr"/>
+            <a:r>
+              <a:rPr lang="en-NZ" dirty="0"/>
+              <a:t>temp </a:t>
+            </a:r>
+            <a:r>
+              <a:rPr lang="en-NZ" dirty="0" smtClean="0"/>
+              <a:t>&gt; </a:t>
+            </a:r>
+            <a:r>
+              <a:rPr lang="en-NZ" dirty="0" err="1" smtClean="0"/>
+              <a:t>SpeedMax</a:t>
+            </a:r>
+            <a:endParaRPr lang="en-NZ" dirty="0"/>
+          </a:p>
+        </p:txBody>
+      </p:sp>
+      <p:sp>
+        <p:nvSpPr>
+          <p:cNvPr id="70" name="Diamond 69"/>
+          <p:cNvSpPr/>
+          <p:nvPr/>
+        </p:nvSpPr>
+        <p:spPr>
+          <a:xfrm>
+            <a:off x="6900709" y="4216858"/>
+            <a:ext cx="1350236" cy="1350236"/>
+          </a:xfrm>
+          <a:prstGeom prst="diamond">
+            <a:avLst/>
+          </a:prstGeom>
+          <a:noFill/>
+          <a:ln w="28575">
+            <a:solidFill>
+              <a:schemeClr val="tx1"/>
+            </a:solidFill>
+          </a:ln>
+        </p:spPr>
+        <p:style>
+          <a:lnRef idx="2">
+            <a:schemeClr val="accent1">
+              <a:shade val="50000"/>
+            </a:schemeClr>
+          </a:lnRef>
+          <a:fillRef idx="1">
+            <a:schemeClr val="accent1"/>
+          </a:fillRef>
+          <a:effectRef idx="0">
+            <a:schemeClr val="accent1"/>
+          </a:effectRef>
+          <a:fontRef idx="minor">
+            <a:schemeClr val="lt1"/>
+          </a:fontRef>
+        </p:style>
+        <p:txBody>
+          <a:bodyPr rtlCol="0" anchor="ctr"/>
+          <a:lstStyle/>
+          <a:p>
+            <a:pPr algn="ctr"/>
+            <a:endParaRPr lang="en-NZ"/>
+          </a:p>
+        </p:txBody>
+      </p:sp>
+      <p:sp>
+        <p:nvSpPr>
+          <p:cNvPr id="71" name="Rectangle 70"/>
+          <p:cNvSpPr/>
+          <p:nvPr/>
+        </p:nvSpPr>
+        <p:spPr>
+          <a:xfrm>
+            <a:off x="6998239" y="4536784"/>
+            <a:ext cx="1217757" cy="646331"/>
+          </a:xfrm>
+          <a:prstGeom prst="rect">
+            <a:avLst/>
+          </a:prstGeom>
+        </p:spPr>
+        <p:txBody>
+          <a:bodyPr wrap="square">
+            <a:spAutoFit/>
+          </a:bodyPr>
+          <a:lstStyle/>
+          <a:p>
+            <a:pPr algn="ctr"/>
+            <a:r>
+              <a:rPr lang="en-NZ" dirty="0"/>
+              <a:t>temp &lt;</a:t>
+            </a:r>
+            <a:r>
+              <a:rPr lang="en-NZ" dirty="0" smtClean="0"/>
+              <a:t> </a:t>
+            </a:r>
+            <a:r>
+              <a:rPr lang="en-NZ" dirty="0" err="1" smtClean="0"/>
+              <a:t>SpeedMin</a:t>
+            </a:r>
+            <a:endParaRPr lang="en-NZ" dirty="0"/>
+          </a:p>
+        </p:txBody>
+      </p:sp>
+      <p:cxnSp>
+        <p:nvCxnSpPr>
+          <p:cNvPr id="73" name="Elbow Connector 72"/>
+          <p:cNvCxnSpPr>
+            <a:stCxn id="64" idx="3"/>
+            <a:endCxn id="68" idx="1"/>
+          </p:cNvCxnSpPr>
+          <p:nvPr/>
+        </p:nvCxnSpPr>
+        <p:spPr>
+          <a:xfrm>
+            <a:off x="6025019" y="2282434"/>
+            <a:ext cx="881808" cy="809607"/>
+          </a:xfrm>
+          <a:prstGeom prst="bentConnector3">
+            <a:avLst>
+              <a:gd name="adj1" fmla="val 50000"/>
+            </a:avLst>
+          </a:prstGeom>
+          <a:ln w="28575">
+            <a:solidFill>
+              <a:schemeClr val="tx1"/>
+            </a:solidFill>
+            <a:tailEnd type="triangle"/>
+          </a:ln>
+        </p:spPr>
+        <p:style>
+          <a:lnRef idx="1">
+            <a:schemeClr val="accent1"/>
+          </a:lnRef>
+          <a:fillRef idx="0">
+            <a:schemeClr val="accent1"/>
+          </a:fillRef>
+          <a:effectRef idx="0">
+            <a:schemeClr val="accent1"/>
+          </a:effectRef>
+          <a:fontRef idx="minor">
+            <a:schemeClr val="tx1"/>
+          </a:fontRef>
+        </p:style>
+      </p:cxnSp>
+      <p:cxnSp>
+        <p:nvCxnSpPr>
+          <p:cNvPr id="94" name="Elbow Connector 93"/>
+          <p:cNvCxnSpPr>
+            <a:stCxn id="30" idx="3"/>
+          </p:cNvCxnSpPr>
+          <p:nvPr/>
+        </p:nvCxnSpPr>
+        <p:spPr>
+          <a:xfrm flipV="1">
+            <a:off x="6024783" y="3092041"/>
+            <a:ext cx="441140" cy="950121"/>
+          </a:xfrm>
+          <a:prstGeom prst="bentConnector2">
+            <a:avLst/>
+          </a:prstGeom>
+          <a:ln w="28575">
+            <a:solidFill>
+              <a:schemeClr val="tx1"/>
+            </a:solidFill>
+            <a:tailEnd type="triangle"/>
+          </a:ln>
+        </p:spPr>
+        <p:style>
+          <a:lnRef idx="1">
+            <a:schemeClr val="accent1"/>
+          </a:lnRef>
+          <a:fillRef idx="0">
+            <a:schemeClr val="accent1"/>
+          </a:fillRef>
+          <a:effectRef idx="0">
+            <a:schemeClr val="accent1"/>
+          </a:effectRef>
+          <a:fontRef idx="minor">
+            <a:schemeClr val="tx1"/>
+          </a:fontRef>
+        </p:style>
+      </p:cxnSp>
+      <p:cxnSp>
+        <p:nvCxnSpPr>
+          <p:cNvPr id="98" name="Straight Arrow Connector 97"/>
+          <p:cNvCxnSpPr>
+            <a:stCxn id="68" idx="2"/>
+            <a:endCxn id="70" idx="0"/>
+          </p:cNvCxnSpPr>
+          <p:nvPr/>
+        </p:nvCxnSpPr>
+        <p:spPr>
+          <a:xfrm flipH="1">
+            <a:off x="7575827" y="3767159"/>
+            <a:ext cx="6118" cy="449699"/>
+          </a:xfrm>
+          <a:prstGeom prst="straightConnector1">
+            <a:avLst/>
+          </a:prstGeom>
+          <a:ln w="28575">
+            <a:solidFill>
+              <a:schemeClr val="tx1"/>
+            </a:solidFill>
+            <a:tailEnd type="triangle"/>
+          </a:ln>
+        </p:spPr>
+        <p:style>
+          <a:lnRef idx="1">
+            <a:schemeClr val="accent1"/>
+          </a:lnRef>
+          <a:fillRef idx="0">
+            <a:schemeClr val="accent1"/>
+          </a:fillRef>
+          <a:effectRef idx="0">
+            <a:schemeClr val="accent1"/>
+          </a:effectRef>
+          <a:fontRef idx="minor">
+            <a:schemeClr val="tx1"/>
+          </a:fontRef>
+        </p:style>
+      </p:cxnSp>
+      <p:cxnSp>
+        <p:nvCxnSpPr>
+          <p:cNvPr id="102" name="Elbow Connector 101"/>
+          <p:cNvCxnSpPr>
+            <a:stCxn id="31" idx="3"/>
+            <a:endCxn id="70" idx="0"/>
+          </p:cNvCxnSpPr>
+          <p:nvPr/>
+        </p:nvCxnSpPr>
+        <p:spPr>
+          <a:xfrm flipV="1">
+            <a:off x="6024783" y="4216858"/>
+            <a:ext cx="1551044" cy="1560101"/>
+          </a:xfrm>
+          <a:prstGeom prst="bentConnector4">
+            <a:avLst>
+              <a:gd name="adj1" fmla="val 28237"/>
+              <a:gd name="adj2" fmla="val 99390"/>
+            </a:avLst>
+          </a:prstGeom>
+          <a:ln w="28575">
+            <a:solidFill>
+              <a:schemeClr val="tx1"/>
+            </a:solidFill>
+            <a:tailEnd type="triangle"/>
+          </a:ln>
+        </p:spPr>
+        <p:style>
+          <a:lnRef idx="1">
+            <a:schemeClr val="accent1"/>
+          </a:lnRef>
+          <a:fillRef idx="0">
+            <a:schemeClr val="accent1"/>
+          </a:fillRef>
+          <a:effectRef idx="0">
+            <a:schemeClr val="accent1"/>
+          </a:effectRef>
+          <a:fontRef idx="minor">
+            <a:schemeClr val="tx1"/>
+          </a:fontRef>
+        </p:style>
+      </p:cxnSp>
+      <p:sp>
+        <p:nvSpPr>
+          <p:cNvPr id="109" name="Parallelogram 108"/>
+          <p:cNvSpPr/>
+          <p:nvPr/>
+        </p:nvSpPr>
+        <p:spPr>
+          <a:xfrm>
+            <a:off x="8717017" y="2661290"/>
+            <a:ext cx="1752600" cy="861501"/>
+          </a:xfrm>
+          <a:prstGeom prst="parallelogram">
+            <a:avLst/>
+          </a:prstGeom>
+          <a:noFill/>
+          <a:ln w="28575">
+            <a:solidFill>
+              <a:schemeClr val="tx1"/>
+            </a:solidFill>
+          </a:ln>
+        </p:spPr>
+        <p:style>
+          <a:lnRef idx="2">
+            <a:schemeClr val="accent1">
+              <a:shade val="50000"/>
+            </a:schemeClr>
+          </a:lnRef>
+          <a:fillRef idx="1">
+            <a:schemeClr val="accent1"/>
+          </a:fillRef>
+          <a:effectRef idx="0">
+            <a:schemeClr val="accent1"/>
+          </a:effectRef>
+          <a:fontRef idx="minor">
+            <a:schemeClr val="lt1"/>
+          </a:fontRef>
+        </p:style>
+        <p:txBody>
+          <a:bodyPr rtlCol="0" anchor="ctr"/>
+          <a:lstStyle/>
+          <a:p>
+            <a:pPr algn="ctr"/>
+            <a:endParaRPr lang="en-NZ"/>
+          </a:p>
+        </p:txBody>
+      </p:sp>
+      <p:sp>
+        <p:nvSpPr>
+          <p:cNvPr id="110" name="Parallelogram 109"/>
+          <p:cNvSpPr/>
+          <p:nvPr/>
+        </p:nvSpPr>
+        <p:spPr>
+          <a:xfrm>
+            <a:off x="8717017" y="4429198"/>
+            <a:ext cx="1752600" cy="861501"/>
+          </a:xfrm>
+          <a:prstGeom prst="parallelogram">
+            <a:avLst/>
+          </a:prstGeom>
+          <a:noFill/>
+          <a:ln w="28575">
+            <a:solidFill>
+              <a:schemeClr val="tx1"/>
+            </a:solidFill>
+          </a:ln>
+        </p:spPr>
+        <p:style>
+          <a:lnRef idx="2">
+            <a:schemeClr val="accent1">
+              <a:shade val="50000"/>
+            </a:schemeClr>
+          </a:lnRef>
+          <a:fillRef idx="1">
+            <a:schemeClr val="accent1"/>
+          </a:fillRef>
+          <a:effectRef idx="0">
+            <a:schemeClr val="accent1"/>
+          </a:effectRef>
+          <a:fontRef idx="minor">
+            <a:schemeClr val="lt1"/>
+          </a:fontRef>
+        </p:style>
+        <p:txBody>
+          <a:bodyPr rtlCol="0" anchor="ctr"/>
+          <a:lstStyle/>
+          <a:p>
+            <a:pPr algn="ctr"/>
+            <a:endParaRPr lang="en-NZ"/>
+          </a:p>
+        </p:txBody>
+      </p:sp>
+      <p:sp>
+        <p:nvSpPr>
+          <p:cNvPr id="111" name="Parallelogram 110"/>
+          <p:cNvSpPr/>
+          <p:nvPr/>
+        </p:nvSpPr>
+        <p:spPr>
+          <a:xfrm>
+            <a:off x="8717017" y="5766355"/>
+            <a:ext cx="1752600" cy="861501"/>
+          </a:xfrm>
+          <a:prstGeom prst="parallelogram">
+            <a:avLst/>
+          </a:prstGeom>
+          <a:noFill/>
+          <a:ln w="28575">
+            <a:solidFill>
+              <a:schemeClr val="tx1"/>
+            </a:solidFill>
+          </a:ln>
+        </p:spPr>
+        <p:style>
+          <a:lnRef idx="2">
+            <a:schemeClr val="accent1">
+              <a:shade val="50000"/>
+            </a:schemeClr>
+          </a:lnRef>
+          <a:fillRef idx="1">
+            <a:schemeClr val="accent1"/>
+          </a:fillRef>
+          <a:effectRef idx="0">
+            <a:schemeClr val="accent1"/>
+          </a:effectRef>
+          <a:fontRef idx="minor">
+            <a:schemeClr val="lt1"/>
+          </a:fontRef>
+        </p:style>
+        <p:txBody>
+          <a:bodyPr rtlCol="0" anchor="ctr"/>
+          <a:lstStyle/>
+          <a:p>
+            <a:pPr algn="ctr"/>
+            <a:endParaRPr lang="en-NZ"/>
+          </a:p>
+        </p:txBody>
+      </p:sp>
+      <p:cxnSp>
+        <p:nvCxnSpPr>
+          <p:cNvPr id="112" name="Straight Arrow Connector 111"/>
+          <p:cNvCxnSpPr/>
+          <p:nvPr/>
+        </p:nvCxnSpPr>
+        <p:spPr>
+          <a:xfrm>
+            <a:off x="8250945" y="3092040"/>
+            <a:ext cx="581115" cy="0"/>
+          </a:xfrm>
+          <a:prstGeom prst="straightConnector1">
+            <a:avLst/>
+          </a:prstGeom>
+          <a:ln w="28575">
+            <a:solidFill>
+              <a:schemeClr val="tx1"/>
+            </a:solidFill>
+            <a:tailEnd type="triangle"/>
+          </a:ln>
+        </p:spPr>
+        <p:style>
+          <a:lnRef idx="1">
+            <a:schemeClr val="accent1"/>
+          </a:lnRef>
+          <a:fillRef idx="0">
+            <a:schemeClr val="accent1"/>
+          </a:fillRef>
+          <a:effectRef idx="0">
+            <a:schemeClr val="accent1"/>
+          </a:effectRef>
+          <a:fontRef idx="minor">
+            <a:schemeClr val="tx1"/>
+          </a:fontRef>
+        </p:style>
+      </p:cxnSp>
+      <p:cxnSp>
+        <p:nvCxnSpPr>
+          <p:cNvPr id="113" name="Straight Arrow Connector 112"/>
+          <p:cNvCxnSpPr/>
+          <p:nvPr/>
+        </p:nvCxnSpPr>
+        <p:spPr>
+          <a:xfrm>
+            <a:off x="8250945" y="4884938"/>
+            <a:ext cx="581115" cy="0"/>
+          </a:xfrm>
+          <a:prstGeom prst="straightConnector1">
+            <a:avLst/>
+          </a:prstGeom>
+          <a:ln w="28575">
+            <a:solidFill>
+              <a:schemeClr val="tx1"/>
+            </a:solidFill>
+            <a:tailEnd type="triangle"/>
+          </a:ln>
+        </p:spPr>
+        <p:style>
+          <a:lnRef idx="1">
+            <a:schemeClr val="accent1"/>
+          </a:lnRef>
+          <a:fillRef idx="0">
+            <a:schemeClr val="accent1"/>
+          </a:fillRef>
+          <a:effectRef idx="0">
+            <a:schemeClr val="accent1"/>
+          </a:effectRef>
+          <a:fontRef idx="minor">
+            <a:schemeClr val="tx1"/>
+          </a:fontRef>
+        </p:style>
+      </p:cxnSp>
+      <p:cxnSp>
+        <p:nvCxnSpPr>
+          <p:cNvPr id="115" name="Elbow Connector 114"/>
+          <p:cNvCxnSpPr>
+            <a:stCxn id="70" idx="2"/>
+            <a:endCxn id="111" idx="5"/>
+          </p:cNvCxnSpPr>
+          <p:nvPr/>
+        </p:nvCxnSpPr>
+        <p:spPr>
+          <a:xfrm rot="16200000" flipH="1">
+            <a:off x="7885260" y="5257661"/>
+            <a:ext cx="630012" cy="1248878"/>
+          </a:xfrm>
+          <a:prstGeom prst="bentConnector2">
+            <a:avLst/>
+          </a:prstGeom>
+          <a:ln w="28575">
+            <a:solidFill>
+              <a:schemeClr val="tx1"/>
+            </a:solidFill>
+            <a:tailEnd type="triangle"/>
+          </a:ln>
+        </p:spPr>
+        <p:style>
+          <a:lnRef idx="1">
+            <a:schemeClr val="accent1"/>
+          </a:lnRef>
+          <a:fillRef idx="0">
+            <a:schemeClr val="accent1"/>
+          </a:fillRef>
+          <a:effectRef idx="0">
+            <a:schemeClr val="accent1"/>
+          </a:effectRef>
+          <a:fontRef idx="minor">
+            <a:schemeClr val="tx1"/>
+          </a:fontRef>
+        </p:style>
+      </p:cxnSp>
+      <p:cxnSp>
+        <p:nvCxnSpPr>
+          <p:cNvPr id="117" name="Elbow Connector 116"/>
+          <p:cNvCxnSpPr>
+            <a:stCxn id="109" idx="2"/>
+          </p:cNvCxnSpPr>
+          <p:nvPr/>
+        </p:nvCxnSpPr>
+        <p:spPr>
+          <a:xfrm flipH="1" flipV="1">
+            <a:off x="3282940" y="1501081"/>
+            <a:ext cx="7078989" cy="1590960"/>
+          </a:xfrm>
+          <a:prstGeom prst="bentConnector3">
+            <a:avLst>
+              <a:gd name="adj1" fmla="val -4751"/>
+            </a:avLst>
+          </a:prstGeom>
+          <a:ln w="28575">
+            <a:solidFill>
+              <a:schemeClr val="tx1"/>
+            </a:solidFill>
+            <a:tailEnd type="triangle"/>
+          </a:ln>
+        </p:spPr>
+        <p:style>
+          <a:lnRef idx="1">
+            <a:schemeClr val="accent1"/>
+          </a:lnRef>
+          <a:fillRef idx="0">
+            <a:schemeClr val="accent1"/>
+          </a:fillRef>
+          <a:effectRef idx="0">
+            <a:schemeClr val="accent1"/>
+          </a:effectRef>
+          <a:fontRef idx="minor">
+            <a:schemeClr val="tx1"/>
+          </a:fontRef>
+        </p:style>
+      </p:cxnSp>
+      <p:cxnSp>
+        <p:nvCxnSpPr>
+          <p:cNvPr id="119" name="Elbow Connector 118"/>
+          <p:cNvCxnSpPr>
+            <a:stCxn id="110" idx="2"/>
+          </p:cNvCxnSpPr>
+          <p:nvPr/>
+        </p:nvCxnSpPr>
+        <p:spPr>
+          <a:xfrm flipV="1">
+            <a:off x="10361929" y="3092040"/>
+            <a:ext cx="334646" cy="1767909"/>
+          </a:xfrm>
+          <a:prstGeom prst="bentConnector2">
+            <a:avLst/>
+          </a:prstGeom>
+          <a:ln w="28575">
+            <a:solidFill>
+              <a:schemeClr val="tx1"/>
+            </a:solidFill>
+            <a:tailEnd type="triangle"/>
+          </a:ln>
+        </p:spPr>
+        <p:style>
+          <a:lnRef idx="1">
+            <a:schemeClr val="accent1"/>
+          </a:lnRef>
+          <a:fillRef idx="0">
+            <a:schemeClr val="accent1"/>
+          </a:fillRef>
+          <a:effectRef idx="0">
+            <a:schemeClr val="accent1"/>
+          </a:effectRef>
+          <a:fontRef idx="minor">
+            <a:schemeClr val="tx1"/>
+          </a:fontRef>
+        </p:style>
+      </p:cxnSp>
+      <p:cxnSp>
+        <p:nvCxnSpPr>
+          <p:cNvPr id="121" name="Elbow Connector 120"/>
+          <p:cNvCxnSpPr>
+            <a:stCxn id="111" idx="2"/>
+          </p:cNvCxnSpPr>
+          <p:nvPr/>
+        </p:nvCxnSpPr>
+        <p:spPr>
+          <a:xfrm flipV="1">
+            <a:off x="10361929" y="4884938"/>
+            <a:ext cx="334646" cy="1312168"/>
+          </a:xfrm>
+          <a:prstGeom prst="bentConnector2">
+            <a:avLst/>
+          </a:prstGeom>
+          <a:ln w="28575">
+            <a:solidFill>
+              <a:schemeClr val="tx1"/>
+            </a:solidFill>
+            <a:tailEnd type="triangle"/>
+          </a:ln>
+        </p:spPr>
+        <p:style>
+          <a:lnRef idx="1">
+            <a:schemeClr val="accent1"/>
+          </a:lnRef>
+          <a:fillRef idx="0">
+            <a:schemeClr val="accent1"/>
+          </a:fillRef>
+          <a:effectRef idx="0">
+            <a:schemeClr val="accent1"/>
+          </a:effectRef>
+          <a:fontRef idx="minor">
+            <a:schemeClr val="tx1"/>
+          </a:fontRef>
+        </p:style>
+      </p:cxnSp>
+      <p:sp>
+        <p:nvSpPr>
+          <p:cNvPr id="122" name="Rectangle 121"/>
+          <p:cNvSpPr/>
+          <p:nvPr/>
+        </p:nvSpPr>
+        <p:spPr>
+          <a:xfrm>
+            <a:off x="8892182" y="2746721"/>
+            <a:ext cx="1396939" cy="646331"/>
+          </a:xfrm>
+          <a:prstGeom prst="rect">
+            <a:avLst/>
+          </a:prstGeom>
+        </p:spPr>
+        <p:txBody>
+          <a:bodyPr wrap="square">
+            <a:spAutoFit/>
+          </a:bodyPr>
+          <a:lstStyle/>
+          <a:p>
+            <a:pPr algn="ctr"/>
+            <a:r>
+              <a:rPr lang="en-NZ" dirty="0" err="1" smtClean="0"/>
+              <a:t>CruiseSpeed</a:t>
+            </a:r>
+            <a:r>
+              <a:rPr lang="en-NZ" dirty="0" smtClean="0"/>
+              <a:t> = </a:t>
+            </a:r>
+            <a:r>
+              <a:rPr lang="en-NZ" dirty="0" err="1" smtClean="0"/>
+              <a:t>SpeedMax</a:t>
+            </a:r>
+            <a:endParaRPr lang="en-NZ" dirty="0"/>
+          </a:p>
+        </p:txBody>
+      </p:sp>
+      <p:sp>
+        <p:nvSpPr>
+          <p:cNvPr id="123" name="Rectangle 122"/>
+          <p:cNvSpPr/>
+          <p:nvPr/>
+        </p:nvSpPr>
+        <p:spPr>
+          <a:xfrm>
+            <a:off x="8904868" y="4536784"/>
+            <a:ext cx="1396939" cy="646331"/>
+          </a:xfrm>
+          <a:prstGeom prst="rect">
+            <a:avLst/>
+          </a:prstGeom>
+        </p:spPr>
+        <p:txBody>
+          <a:bodyPr wrap="square">
+            <a:spAutoFit/>
+          </a:bodyPr>
+          <a:lstStyle/>
+          <a:p>
+            <a:pPr algn="ctr"/>
+            <a:r>
+              <a:rPr lang="en-NZ" dirty="0" err="1" smtClean="0"/>
+              <a:t>CruiseSpeed</a:t>
+            </a:r>
+            <a:r>
+              <a:rPr lang="en-NZ" dirty="0" smtClean="0"/>
+              <a:t> = </a:t>
+            </a:r>
+            <a:r>
+              <a:rPr lang="en-NZ" dirty="0" err="1" smtClean="0"/>
+              <a:t>SpeedMin</a:t>
+            </a:r>
+            <a:endParaRPr lang="en-NZ" dirty="0"/>
+          </a:p>
+        </p:txBody>
+      </p:sp>
+      <p:sp>
+        <p:nvSpPr>
+          <p:cNvPr id="124" name="Rectangle 123"/>
+          <p:cNvSpPr/>
+          <p:nvPr/>
+        </p:nvSpPr>
+        <p:spPr>
+          <a:xfrm>
+            <a:off x="8904867" y="5882099"/>
+            <a:ext cx="1396939" cy="646331"/>
+          </a:xfrm>
+          <a:prstGeom prst="rect">
+            <a:avLst/>
+          </a:prstGeom>
+        </p:spPr>
+        <p:txBody>
+          <a:bodyPr wrap="square">
+            <a:spAutoFit/>
+          </a:bodyPr>
+          <a:lstStyle/>
+          <a:p>
+            <a:pPr algn="ctr"/>
+            <a:r>
+              <a:rPr lang="en-NZ" dirty="0" err="1" smtClean="0"/>
+              <a:t>CruiseSpeed</a:t>
+            </a:r>
+            <a:r>
+              <a:rPr lang="en-NZ" dirty="0" smtClean="0"/>
+              <a:t> = temp</a:t>
+            </a:r>
+            <a:endParaRPr lang="en-NZ" dirty="0"/>
+          </a:p>
+        </p:txBody>
+      </p:sp>
+      <p:sp>
+        <p:nvSpPr>
+          <p:cNvPr id="126" name="TextBox 125"/>
+          <p:cNvSpPr txBox="1"/>
+          <p:nvPr/>
+        </p:nvSpPr>
+        <p:spPr>
+          <a:xfrm>
+            <a:off x="8329871" y="2770325"/>
+            <a:ext cx="301686" cy="369332"/>
+          </a:xfrm>
+          <a:prstGeom prst="rect">
+            <a:avLst/>
+          </a:prstGeom>
+          <a:noFill/>
+        </p:spPr>
+        <p:txBody>
+          <a:bodyPr wrap="none" rtlCol="0">
+            <a:spAutoFit/>
+          </a:bodyPr>
+          <a:lstStyle/>
+          <a:p>
+            <a:pPr algn="ctr"/>
+            <a:r>
+              <a:rPr lang="en-NZ" dirty="0" smtClean="0"/>
+              <a:t>1</a:t>
+            </a:r>
+            <a:endParaRPr lang="en-NZ" dirty="0"/>
+          </a:p>
+        </p:txBody>
+      </p:sp>
+      <p:sp>
+        <p:nvSpPr>
+          <p:cNvPr id="127" name="TextBox 126"/>
+          <p:cNvSpPr txBox="1"/>
+          <p:nvPr/>
+        </p:nvSpPr>
+        <p:spPr>
+          <a:xfrm>
+            <a:off x="8354112" y="4556096"/>
+            <a:ext cx="301686" cy="369332"/>
+          </a:xfrm>
+          <a:prstGeom prst="rect">
+            <a:avLst/>
+          </a:prstGeom>
+          <a:noFill/>
+        </p:spPr>
+        <p:txBody>
+          <a:bodyPr wrap="none" rtlCol="0">
+            <a:spAutoFit/>
+          </a:bodyPr>
+          <a:lstStyle/>
+          <a:p>
+            <a:pPr algn="ctr"/>
+            <a:r>
+              <a:rPr lang="en-NZ" dirty="0" smtClean="0"/>
+              <a:t>1</a:t>
+            </a:r>
+            <a:endParaRPr lang="en-NZ" dirty="0"/>
+          </a:p>
+        </p:txBody>
+      </p:sp>
+      <p:sp>
+        <p:nvSpPr>
+          <p:cNvPr id="128" name="TextBox 127"/>
+          <p:cNvSpPr txBox="1"/>
+          <p:nvPr/>
+        </p:nvSpPr>
+        <p:spPr>
+          <a:xfrm>
+            <a:off x="7553525" y="3792566"/>
+            <a:ext cx="301686" cy="369332"/>
+          </a:xfrm>
+          <a:prstGeom prst="rect">
+            <a:avLst/>
+          </a:prstGeom>
+          <a:noFill/>
+        </p:spPr>
+        <p:txBody>
+          <a:bodyPr wrap="none" rtlCol="0">
+            <a:spAutoFit/>
+          </a:bodyPr>
+          <a:lstStyle/>
+          <a:p>
+            <a:pPr algn="ctr"/>
+            <a:r>
+              <a:rPr lang="en-NZ" dirty="0"/>
+              <a:t>0</a:t>
+            </a:r>
+          </a:p>
+        </p:txBody>
+      </p:sp>
+      <p:sp>
+        <p:nvSpPr>
+          <p:cNvPr id="129" name="TextBox 128"/>
+          <p:cNvSpPr txBox="1"/>
+          <p:nvPr/>
+        </p:nvSpPr>
+        <p:spPr>
+          <a:xfrm>
+            <a:off x="7546336" y="5574417"/>
+            <a:ext cx="301686" cy="369332"/>
+          </a:xfrm>
+          <a:prstGeom prst="rect">
+            <a:avLst/>
+          </a:prstGeom>
+          <a:noFill/>
+        </p:spPr>
+        <p:txBody>
+          <a:bodyPr wrap="none" rtlCol="0">
+            <a:spAutoFit/>
+          </a:bodyPr>
+          <a:lstStyle/>
+          <a:p>
+            <a:pPr algn="ctr"/>
+            <a:r>
+              <a:rPr lang="en-NZ" dirty="0"/>
+              <a:t>0</a:t>
+            </a:r>
+          </a:p>
+        </p:txBody>
+      </p:sp>
+    </p:spTree>
+    <p:extLst>
+      <p:ext uri="{BB962C8B-B14F-4D97-AF65-F5344CB8AC3E}">
+        <p14:creationId xmlns:p14="http://schemas.microsoft.com/office/powerpoint/2010/main" xmlns="" val="3416959525"/>
+      </p:ext>
+    </p:extLst>
   </p:cSld>
   <p:clrMapOvr>
     <a:masterClrMapping/>
@@ -7959,7 +9948,7 @@
   <a:extraClrSchemeLst/>
   <a:extLst>
     <a:ext uri="{05A4C25C-085E-4340-85A3-A5531E510DB2}">
-      <thm15:themeFamily xmlns="" xmlns:thm15="http://schemas.microsoft.com/office/thememl/2012/main" name="Office Theme" id="{62F939B6-93AF-4DB8-9C6B-D6C7DFDC589F}" vid="{4A3C46E8-61CC-4603-A589-7422A47A8E4A}"/>
+      <thm15:themeFamily xmlns:thm15="http://schemas.microsoft.com/office/thememl/2012/main" xmlns="" name="Office Theme" id="{62F939B6-93AF-4DB8-9C6B-D6C7DFDC589F}" vid="{4A3C46E8-61CC-4603-A589-7422A47A8E4A}"/>
     </a:ext>
   </a:extLst>
 </a:theme>

--- a/Report resources/FSMs.pptx
+++ b/Report resources/FSMs.pptx
@@ -10,6 +10,7 @@
     <p:sldId id="257" r:id="rId4"/>
     <p:sldId id="259" r:id="rId5"/>
     <p:sldId id="261" r:id="rId6"/>
+    <p:sldId id="262" r:id="rId7"/>
   </p:sldIdLst>
   <p:sldSz cx="12192000" cy="6858000"/>
   <p:notesSz cx="6858000" cy="9144000"/>
@@ -295,7 +296,7 @@
     </p:spTree>
     <p:extLst>
       <p:ext uri="{BB962C8B-B14F-4D97-AF65-F5344CB8AC3E}">
-        <p14:creationId xmlns:p14="http://schemas.microsoft.com/office/powerpoint/2010/main" xmlns="" val="3619705574"/>
+        <p14:creationId xmlns="" xmlns:p14="http://schemas.microsoft.com/office/powerpoint/2010/main" val="3619705574"/>
       </p:ext>
     </p:extLst>
   </p:cSld>
@@ -467,7 +468,7 @@
     </p:spTree>
     <p:extLst>
       <p:ext uri="{BB962C8B-B14F-4D97-AF65-F5344CB8AC3E}">
-        <p14:creationId xmlns:p14="http://schemas.microsoft.com/office/powerpoint/2010/main" xmlns="" val="4081113674"/>
+        <p14:creationId xmlns="" xmlns:p14="http://schemas.microsoft.com/office/powerpoint/2010/main" val="4081113674"/>
       </p:ext>
     </p:extLst>
   </p:cSld>
@@ -506,7 +507,7 @@
         </p:nvSpPr>
         <p:spPr>
           <a:xfrm>
-            <a:off x="8724900" y="365125"/>
+            <a:off x="8724899" y="365125"/>
             <a:ext cx="2628900" cy="5811838"/>
           </a:xfrm>
         </p:spPr>
@@ -534,7 +535,7 @@
         </p:nvSpPr>
         <p:spPr>
           <a:xfrm>
-            <a:off x="838200" y="365125"/>
+            <a:off x="838199" y="365125"/>
             <a:ext cx="7734300" cy="5811838"/>
           </a:xfrm>
         </p:spPr>
@@ -649,7 +650,7 @@
     </p:spTree>
     <p:extLst>
       <p:ext uri="{BB962C8B-B14F-4D97-AF65-F5344CB8AC3E}">
-        <p14:creationId xmlns:p14="http://schemas.microsoft.com/office/powerpoint/2010/main" xmlns="" val="363994899"/>
+        <p14:creationId xmlns="" xmlns:p14="http://schemas.microsoft.com/office/powerpoint/2010/main" val="363994899"/>
       </p:ext>
     </p:extLst>
   </p:cSld>
@@ -821,7 +822,7 @@
     </p:spTree>
     <p:extLst>
       <p:ext uri="{BB962C8B-B14F-4D97-AF65-F5344CB8AC3E}">
-        <p14:creationId xmlns:p14="http://schemas.microsoft.com/office/powerpoint/2010/main" xmlns="" val="1654254160"/>
+        <p14:creationId xmlns="" xmlns:p14="http://schemas.microsoft.com/office/powerpoint/2010/main" val="1654254160"/>
       </p:ext>
     </p:extLst>
   </p:cSld>
@@ -860,7 +861,7 @@
         </p:nvSpPr>
         <p:spPr>
           <a:xfrm>
-            <a:off x="831850" y="1709738"/>
+            <a:off x="831852" y="1709738"/>
             <a:ext cx="10515600" cy="2852737"/>
           </a:xfrm>
         </p:spPr>
@@ -892,7 +893,7 @@
         </p:nvSpPr>
         <p:spPr>
           <a:xfrm>
-            <a:off x="831850" y="4589463"/>
+            <a:off x="831852" y="4589464"/>
             <a:ext cx="10515600" cy="1500187"/>
           </a:xfrm>
         </p:spPr>
@@ -1069,7 +1070,7 @@
     </p:spTree>
     <p:extLst>
       <p:ext uri="{BB962C8B-B14F-4D97-AF65-F5344CB8AC3E}">
-        <p14:creationId xmlns:p14="http://schemas.microsoft.com/office/powerpoint/2010/main" xmlns="" val="1837508371"/>
+        <p14:creationId xmlns="" xmlns:p14="http://schemas.microsoft.com/office/powerpoint/2010/main" val="1837508371"/>
       </p:ext>
     </p:extLst>
   </p:cSld>
@@ -1131,7 +1132,7 @@
         </p:nvSpPr>
         <p:spPr>
           <a:xfrm>
-            <a:off x="838200" y="1825625"/>
+            <a:off x="838201" y="1825625"/>
             <a:ext cx="5181600" cy="4351338"/>
           </a:xfrm>
         </p:spPr>
@@ -1188,7 +1189,7 @@
         </p:nvSpPr>
         <p:spPr>
           <a:xfrm>
-            <a:off x="6172200" y="1825625"/>
+            <a:off x="6172201" y="1825625"/>
             <a:ext cx="5181600" cy="4351338"/>
           </a:xfrm>
         </p:spPr>
@@ -1303,7 +1304,7 @@
     </p:spTree>
     <p:extLst>
       <p:ext uri="{BB962C8B-B14F-4D97-AF65-F5344CB8AC3E}">
-        <p14:creationId xmlns:p14="http://schemas.microsoft.com/office/powerpoint/2010/main" xmlns="" val="74891894"/>
+        <p14:creationId xmlns="" xmlns:p14="http://schemas.microsoft.com/office/powerpoint/2010/main" val="74891894"/>
       </p:ext>
     </p:extLst>
   </p:cSld>
@@ -1342,7 +1343,7 @@
         </p:nvSpPr>
         <p:spPr>
           <a:xfrm>
-            <a:off x="839788" y="365125"/>
+            <a:off x="839789" y="365125"/>
             <a:ext cx="10515600" cy="1325563"/>
           </a:xfrm>
         </p:spPr>
@@ -1370,7 +1371,7 @@
         </p:nvSpPr>
         <p:spPr>
           <a:xfrm>
-            <a:off x="839788" y="1681163"/>
+            <a:off x="839789" y="1681163"/>
             <a:ext cx="5157787" cy="823912"/>
           </a:xfrm>
         </p:spPr>
@@ -1435,7 +1436,7 @@
         </p:nvSpPr>
         <p:spPr>
           <a:xfrm>
-            <a:off x="839788" y="2505075"/>
+            <a:off x="839789" y="2505076"/>
             <a:ext cx="5157787" cy="3684588"/>
           </a:xfrm>
         </p:spPr>
@@ -1492,7 +1493,7 @@
         </p:nvSpPr>
         <p:spPr>
           <a:xfrm>
-            <a:off x="6172200" y="1681163"/>
+            <a:off x="6172202" y="1681163"/>
             <a:ext cx="5183188" cy="823912"/>
           </a:xfrm>
         </p:spPr>
@@ -1557,7 +1558,7 @@
         </p:nvSpPr>
         <p:spPr>
           <a:xfrm>
-            <a:off x="6172200" y="2505075"/>
+            <a:off x="6172202" y="2505076"/>
             <a:ext cx="5183188" cy="3684588"/>
           </a:xfrm>
         </p:spPr>
@@ -1672,7 +1673,7 @@
     </p:spTree>
     <p:extLst>
       <p:ext uri="{BB962C8B-B14F-4D97-AF65-F5344CB8AC3E}">
-        <p14:creationId xmlns:p14="http://schemas.microsoft.com/office/powerpoint/2010/main" xmlns="" val="1001197104"/>
+        <p14:creationId xmlns="" xmlns:p14="http://schemas.microsoft.com/office/powerpoint/2010/main" val="1001197104"/>
       </p:ext>
     </p:extLst>
   </p:cSld>
@@ -1792,7 +1793,7 @@
     </p:spTree>
     <p:extLst>
       <p:ext uri="{BB962C8B-B14F-4D97-AF65-F5344CB8AC3E}">
-        <p14:creationId xmlns:p14="http://schemas.microsoft.com/office/powerpoint/2010/main" xmlns="" val="4204311132"/>
+        <p14:creationId xmlns="" xmlns:p14="http://schemas.microsoft.com/office/powerpoint/2010/main" val="4204311132"/>
       </p:ext>
     </p:extLst>
   </p:cSld>
@@ -1889,7 +1890,7 @@
     </p:spTree>
     <p:extLst>
       <p:ext uri="{BB962C8B-B14F-4D97-AF65-F5344CB8AC3E}">
-        <p14:creationId xmlns:p14="http://schemas.microsoft.com/office/powerpoint/2010/main" xmlns="" val="3392200464"/>
+        <p14:creationId xmlns="" xmlns:p14="http://schemas.microsoft.com/office/powerpoint/2010/main" val="3392200464"/>
       </p:ext>
     </p:extLst>
   </p:cSld>
@@ -1928,8 +1929,8 @@
         </p:nvSpPr>
         <p:spPr>
           <a:xfrm>
-            <a:off x="839788" y="457200"/>
-            <a:ext cx="3932237" cy="1600200"/>
+            <a:off x="839790" y="457200"/>
+            <a:ext cx="3932236" cy="1600200"/>
           </a:xfrm>
         </p:spPr>
         <p:txBody>
@@ -1961,7 +1962,7 @@
         <p:spPr>
           <a:xfrm>
             <a:off x="5183188" y="987425"/>
-            <a:ext cx="6172200" cy="4873625"/>
+            <a:ext cx="6172201" cy="4873625"/>
           </a:xfrm>
         </p:spPr>
         <p:txBody>
@@ -2045,8 +2046,8 @@
         </p:nvSpPr>
         <p:spPr>
           <a:xfrm>
-            <a:off x="839788" y="2057400"/>
-            <a:ext cx="3932237" cy="3811588"/>
+            <a:off x="839790" y="2057400"/>
+            <a:ext cx="3932236" cy="3811588"/>
           </a:xfrm>
         </p:spPr>
         <p:txBody>
@@ -2168,7 +2169,7 @@
     </p:spTree>
     <p:extLst>
       <p:ext uri="{BB962C8B-B14F-4D97-AF65-F5344CB8AC3E}">
-        <p14:creationId xmlns:p14="http://schemas.microsoft.com/office/powerpoint/2010/main" xmlns="" val="3347108319"/>
+        <p14:creationId xmlns="" xmlns:p14="http://schemas.microsoft.com/office/powerpoint/2010/main" val="3347108319"/>
       </p:ext>
     </p:extLst>
   </p:cSld>
@@ -2207,8 +2208,8 @@
         </p:nvSpPr>
         <p:spPr>
           <a:xfrm>
-            <a:off x="839788" y="457200"/>
-            <a:ext cx="3932237" cy="1600200"/>
+            <a:off x="839790" y="457200"/>
+            <a:ext cx="3932236" cy="1600200"/>
           </a:xfrm>
         </p:spPr>
         <p:txBody>
@@ -2240,7 +2241,7 @@
         <p:spPr>
           <a:xfrm>
             <a:off x="5183188" y="987425"/>
-            <a:ext cx="6172200" cy="4873625"/>
+            <a:ext cx="6172201" cy="4873625"/>
           </a:xfrm>
         </p:spPr>
         <p:txBody>
@@ -2300,8 +2301,8 @@
         </p:nvSpPr>
         <p:spPr>
           <a:xfrm>
-            <a:off x="839788" y="2057400"/>
-            <a:ext cx="3932237" cy="3811588"/>
+            <a:off x="839790" y="2057400"/>
+            <a:ext cx="3932236" cy="3811588"/>
           </a:xfrm>
         </p:spPr>
         <p:txBody>
@@ -2423,7 +2424,7 @@
     </p:spTree>
     <p:extLst>
       <p:ext uri="{BB962C8B-B14F-4D97-AF65-F5344CB8AC3E}">
-        <p14:creationId xmlns:p14="http://schemas.microsoft.com/office/powerpoint/2010/main" xmlns="" val="1123632367"/>
+        <p14:creationId xmlns="" xmlns:p14="http://schemas.microsoft.com/office/powerpoint/2010/main" val="1123632367"/>
       </p:ext>
     </p:extLst>
   </p:cSld>
@@ -2467,7 +2468,7 @@
         </p:nvSpPr>
         <p:spPr>
           <a:xfrm>
-            <a:off x="838200" y="365125"/>
+            <a:off x="838202" y="365125"/>
             <a:ext cx="10515600" cy="1325563"/>
           </a:xfrm>
           <a:prstGeom prst="rect">
@@ -2500,7 +2501,7 @@
         </p:nvSpPr>
         <p:spPr>
           <a:xfrm>
-            <a:off x="838200" y="1825625"/>
+            <a:off x="838202" y="1825625"/>
             <a:ext cx="10515600" cy="4351338"/>
           </a:xfrm>
           <a:prstGeom prst="rect">
@@ -2562,7 +2563,7 @@
         </p:nvSpPr>
         <p:spPr>
           <a:xfrm>
-            <a:off x="838200" y="6356350"/>
+            <a:off x="838201" y="6356351"/>
             <a:ext cx="2743200" cy="365125"/>
           </a:xfrm>
           <a:prstGeom prst="rect">
@@ -2604,7 +2605,7 @@
         </p:nvSpPr>
         <p:spPr>
           <a:xfrm>
-            <a:off x="4038600" y="6356350"/>
+            <a:off x="4038602" y="6356351"/>
             <a:ext cx="4114800" cy="365125"/>
           </a:xfrm>
           <a:prstGeom prst="rect">
@@ -2641,7 +2642,7 @@
         </p:nvSpPr>
         <p:spPr>
           <a:xfrm>
-            <a:off x="8610600" y="6356350"/>
+            <a:off x="8610601" y="6356351"/>
             <a:ext cx="2743200" cy="365125"/>
           </a:xfrm>
           <a:prstGeom prst="rect">
@@ -2674,7 +2675,7 @@
     </p:spTree>
     <p:extLst>
       <p:ext uri="{BB962C8B-B14F-4D97-AF65-F5344CB8AC3E}">
-        <p14:creationId xmlns:p14="http://schemas.microsoft.com/office/powerpoint/2010/main" xmlns="" val="609734527"/>
+        <p14:creationId xmlns="" xmlns:p14="http://schemas.microsoft.com/office/powerpoint/2010/main" val="609734527"/>
       </p:ext>
     </p:extLst>
   </p:cSld>
@@ -3000,9 +3001,9 @@
         </p:nvGrpSpPr>
         <p:grpSpPr>
           <a:xfrm>
-            <a:off x="3667125" y="238124"/>
+            <a:off x="3667126" y="238126"/>
             <a:ext cx="5324475" cy="6381750"/>
-            <a:chOff x="3667125" y="238124"/>
+            <a:chOff x="3667125" y="238125"/>
             <a:chExt cx="5324475" cy="6381750"/>
           </a:xfrm>
         </p:grpSpPr>
@@ -3455,7 +3456,7 @@
           </p:nvSpPr>
           <p:spPr>
             <a:xfrm rot="16200000">
-              <a:off x="3274698" y="912497"/>
+              <a:off x="3274698" y="912498"/>
               <a:ext cx="1625745" cy="276999"/>
             </a:xfrm>
             <a:prstGeom prst="rect">
@@ -3485,7 +3486,7 @@
           </p:nvSpPr>
           <p:spPr>
             <a:xfrm rot="16200000">
-              <a:off x="3817623" y="912497"/>
+              <a:off x="3817622" y="912498"/>
               <a:ext cx="1625745" cy="276999"/>
             </a:xfrm>
             <a:prstGeom prst="rect">
@@ -3515,7 +3516,7 @@
           </p:nvSpPr>
           <p:spPr>
             <a:xfrm rot="16200000">
-              <a:off x="4360548" y="912497"/>
+              <a:off x="4360549" y="912498"/>
               <a:ext cx="1625745" cy="276999"/>
             </a:xfrm>
             <a:prstGeom prst="rect">
@@ -3545,7 +3546,7 @@
           </p:nvSpPr>
           <p:spPr>
             <a:xfrm rot="16200000">
-              <a:off x="4903473" y="912497"/>
+              <a:off x="4903473" y="912498"/>
               <a:ext cx="1625745" cy="276999"/>
             </a:xfrm>
             <a:prstGeom prst="rect">
@@ -3575,7 +3576,7 @@
           </p:nvSpPr>
           <p:spPr>
             <a:xfrm rot="16200000">
-              <a:off x="5446398" y="912497"/>
+              <a:off x="5446398" y="912498"/>
               <a:ext cx="1625745" cy="276999"/>
             </a:xfrm>
             <a:prstGeom prst="rect">
@@ -3605,7 +3606,7 @@
           </p:nvSpPr>
           <p:spPr>
             <a:xfrm rot="16200000">
-              <a:off x="5989323" y="912497"/>
+              <a:off x="5989322" y="912498"/>
               <a:ext cx="1625745" cy="276999"/>
             </a:xfrm>
             <a:prstGeom prst="rect">
@@ -3635,7 +3636,7 @@
           </p:nvSpPr>
           <p:spPr>
             <a:xfrm rot="16200000">
-              <a:off x="6532248" y="912497"/>
+              <a:off x="6532248" y="912498"/>
               <a:ext cx="1625745" cy="276999"/>
             </a:xfrm>
             <a:prstGeom prst="rect">
@@ -3665,7 +3666,7 @@
           </p:nvSpPr>
           <p:spPr>
             <a:xfrm rot="16200000">
-              <a:off x="7075173" y="912497"/>
+              <a:off x="7075173" y="912498"/>
               <a:ext cx="1625745" cy="276999"/>
             </a:xfrm>
             <a:prstGeom prst="rect">
@@ -3695,7 +3696,7 @@
           </p:nvSpPr>
           <p:spPr>
             <a:xfrm rot="16200000">
-              <a:off x="7618098" y="912497"/>
+              <a:off x="7618097" y="912498"/>
               <a:ext cx="1625745" cy="276999"/>
             </a:xfrm>
             <a:prstGeom prst="rect">
@@ -3725,7 +3726,7 @@
           </p:nvSpPr>
           <p:spPr>
             <a:xfrm rot="16200000">
-              <a:off x="5032448" y="5768901"/>
+              <a:off x="5032449" y="5768902"/>
               <a:ext cx="1424946" cy="276999"/>
             </a:xfrm>
             <a:prstGeom prst="rect">
@@ -3756,7 +3757,7 @@
           </p:nvSpPr>
           <p:spPr>
             <a:xfrm rot="16200000">
-              <a:off x="6118298" y="5768901"/>
+              <a:off x="6118298" y="5768902"/>
               <a:ext cx="1424946" cy="276999"/>
             </a:xfrm>
             <a:prstGeom prst="rect">
@@ -3787,7 +3788,7 @@
           </p:nvSpPr>
           <p:spPr>
             <a:xfrm rot="16200000">
-              <a:off x="5575373" y="5768901"/>
+              <a:off x="5575373" y="5768902"/>
               <a:ext cx="1424946" cy="276999"/>
             </a:xfrm>
             <a:prstGeom prst="rect">
@@ -4031,8 +4032,8 @@
         </p:nvCxnSpPr>
         <p:spPr>
           <a:xfrm rot="5400000" flipH="1" flipV="1">
-            <a:off x="5870248" y="-1392252"/>
-            <a:ext cx="12700" cy="4514842"/>
+            <a:off x="5870247" y="-1392252"/>
+            <a:ext cx="12700" cy="4514843"/>
           </a:xfrm>
           <a:prstGeom prst="curvedConnector3">
             <a:avLst>
@@ -4072,8 +4073,8 @@
         </p:nvCxnSpPr>
         <p:spPr>
           <a:xfrm rot="5400000">
-            <a:off x="5870248" y="-268294"/>
-            <a:ext cx="12700" cy="4514842"/>
+            <a:off x="5870247" y="-268294"/>
+            <a:ext cx="12700" cy="4514843"/>
           </a:xfrm>
           <a:prstGeom prst="curvedConnector3">
             <a:avLst>
@@ -4110,8 +4111,8 @@
         </p:nvCxnSpPr>
         <p:spPr>
           <a:xfrm rot="5400000" flipH="1" flipV="1">
-            <a:off x="5870248" y="1528985"/>
-            <a:ext cx="12700" cy="4514842"/>
+            <a:off x="5870247" y="1528985"/>
+            <a:ext cx="12700" cy="4514843"/>
           </a:xfrm>
           <a:prstGeom prst="curvedConnector3">
             <a:avLst>
@@ -4148,8 +4149,8 @@
         </p:nvCxnSpPr>
         <p:spPr>
           <a:xfrm rot="5400000">
-            <a:off x="5870248" y="2652943"/>
-            <a:ext cx="12700" cy="4514842"/>
+            <a:off x="5870247" y="2652943"/>
+            <a:ext cx="12700" cy="4514843"/>
           </a:xfrm>
           <a:prstGeom prst="curvedConnector3">
             <a:avLst>
@@ -4188,7 +4189,7 @@
         </p:nvCxnSpPr>
         <p:spPr>
           <a:xfrm>
-            <a:off x="1102407" y="858819"/>
+            <a:off x="1102407" y="858820"/>
             <a:ext cx="1153682" cy="568329"/>
           </a:xfrm>
           <a:prstGeom prst="straightConnector1">
@@ -4224,7 +4225,7 @@
         </p:nvCxnSpPr>
         <p:spPr>
           <a:xfrm>
-            <a:off x="1102407" y="3846151"/>
+            <a:off x="1102407" y="3846152"/>
             <a:ext cx="1153682" cy="568329"/>
           </a:xfrm>
           <a:prstGeom prst="straightConnector1">
@@ -4260,7 +4261,7 @@
         </p:nvSpPr>
         <p:spPr>
           <a:xfrm>
-            <a:off x="4600092" y="4924635"/>
+            <a:off x="4600094" y="4924635"/>
             <a:ext cx="2540311" cy="369332"/>
           </a:xfrm>
           <a:prstGeom prst="rect">
@@ -4298,7 +4299,7 @@
         </p:nvSpPr>
         <p:spPr>
           <a:xfrm>
-            <a:off x="4657799" y="2922069"/>
+            <a:off x="4657800" y="2922069"/>
             <a:ext cx="2424895" cy="369332"/>
           </a:xfrm>
           <a:prstGeom prst="rect">
@@ -4336,7 +4337,7 @@
         </p:nvSpPr>
         <p:spPr>
           <a:xfrm>
-            <a:off x="4677295" y="13532"/>
+            <a:off x="4677297" y="13532"/>
             <a:ext cx="2398605" cy="369332"/>
           </a:xfrm>
           <a:prstGeom prst="rect">
@@ -4374,7 +4375,7 @@
         </p:nvSpPr>
         <p:spPr>
           <a:xfrm>
-            <a:off x="4619587" y="1958329"/>
+            <a:off x="4619588" y="1958329"/>
             <a:ext cx="2514022" cy="369332"/>
           </a:xfrm>
           <a:prstGeom prst="rect">
@@ -4540,7 +4541,7 @@
         </p:nvSpPr>
         <p:spPr>
           <a:xfrm>
-            <a:off x="2314516" y="1139196"/>
+            <a:off x="2314518" y="1139196"/>
             <a:ext cx="1472663" cy="646331"/>
           </a:xfrm>
           <a:prstGeom prst="rect">
@@ -4574,7 +4575,7 @@
         </p:nvSpPr>
         <p:spPr>
           <a:xfrm>
-            <a:off x="2372944" y="4019186"/>
+            <a:off x="2372945" y="4019186"/>
             <a:ext cx="1472663" cy="646331"/>
           </a:xfrm>
           <a:prstGeom prst="rect">
@@ -4608,7 +4609,7 @@
         </p:nvSpPr>
         <p:spPr>
           <a:xfrm>
-            <a:off x="8011743" y="3970588"/>
+            <a:off x="8011745" y="3970589"/>
             <a:ext cx="1472663" cy="646331"/>
           </a:xfrm>
           <a:prstGeom prst="rect">
@@ -4642,7 +4643,7 @@
         </p:nvSpPr>
         <p:spPr>
           <a:xfrm>
-            <a:off x="8011744" y="1122275"/>
+            <a:off x="8011745" y="1122275"/>
             <a:ext cx="1472663" cy="646331"/>
           </a:xfrm>
           <a:prstGeom prst="rect">
@@ -4671,7 +4672,7 @@
     </p:spTree>
     <p:extLst>
       <p:ext uri="{BB962C8B-B14F-4D97-AF65-F5344CB8AC3E}">
-        <p14:creationId xmlns:p14="http://schemas.microsoft.com/office/powerpoint/2010/main" xmlns="" val="843927471"/>
+        <p14:creationId xmlns="" xmlns:p14="http://schemas.microsoft.com/office/powerpoint/2010/main" val="843927471"/>
       </p:ext>
     </p:extLst>
   </p:cSld>
@@ -4706,7 +4707,7 @@
         </p:nvSpPr>
         <p:spPr>
           <a:xfrm>
-            <a:off x="5204388" y="2597921"/>
+            <a:off x="5204389" y="2597921"/>
             <a:ext cx="1392965" cy="1392965"/>
           </a:xfrm>
           <a:prstGeom prst="ellipse">
@@ -4752,7 +4753,7 @@
         </p:nvSpPr>
         <p:spPr>
           <a:xfrm>
-            <a:off x="8115655" y="716422"/>
+            <a:off x="8115656" y="716422"/>
             <a:ext cx="1392965" cy="1392965"/>
           </a:xfrm>
           <a:prstGeom prst="ellipse">
@@ -4798,7 +4799,7 @@
         </p:nvSpPr>
         <p:spPr>
           <a:xfrm>
-            <a:off x="8115654" y="4526422"/>
+            <a:off x="8115656" y="4526422"/>
             <a:ext cx="1392965" cy="1392965"/>
           </a:xfrm>
           <a:prstGeom prst="ellipse">
@@ -4844,7 +4845,7 @@
         </p:nvSpPr>
         <p:spPr>
           <a:xfrm>
-            <a:off x="2089444" y="2597920"/>
+            <a:off x="2089445" y="2597920"/>
             <a:ext cx="1392965" cy="1392965"/>
           </a:xfrm>
           <a:prstGeom prst="ellipse">
@@ -4894,7 +4895,7 @@
         <p:spPr>
           <a:xfrm rot="16200000" flipH="1">
             <a:off x="4343397" y="1736931"/>
-            <a:ext cx="1" cy="2129969"/>
+            <a:ext cx="1" cy="2129970"/>
           </a:xfrm>
           <a:prstGeom prst="curvedConnector3">
             <a:avLst>
@@ -4934,8 +4935,8 @@
         </p:nvCxnSpPr>
         <p:spPr>
           <a:xfrm rot="5400000" flipH="1">
-            <a:off x="4343398" y="2721907"/>
-            <a:ext cx="1" cy="2129969"/>
+            <a:off x="4343399" y="2721907"/>
+            <a:ext cx="1" cy="2129970"/>
           </a:xfrm>
           <a:prstGeom prst="curvedConnector3">
             <a:avLst>
@@ -4976,7 +4977,7 @@
         <p:spPr>
           <a:xfrm flipH="1" flipV="1">
             <a:off x="6393358" y="3786891"/>
-            <a:ext cx="1722296" cy="1436014"/>
+            <a:ext cx="1722297" cy="1436014"/>
           </a:xfrm>
           <a:prstGeom prst="straightConnector1">
             <a:avLst/>
@@ -5014,7 +5015,7 @@
         </p:nvCxnSpPr>
         <p:spPr>
           <a:xfrm flipH="1">
-            <a:off x="6393358" y="1412905"/>
+            <a:off x="6393358" y="1412906"/>
             <a:ext cx="1722297" cy="1389011"/>
           </a:xfrm>
           <a:prstGeom prst="straightConnector1">
@@ -5052,7 +5053,7 @@
         </p:nvCxnSpPr>
         <p:spPr>
           <a:xfrm>
-            <a:off x="5648770" y="1816941"/>
+            <a:off x="5648771" y="1816941"/>
             <a:ext cx="252101" cy="780980"/>
           </a:xfrm>
           <a:prstGeom prst="straightConnector1">
@@ -5091,7 +5092,7 @@
         </p:nvCxnSpPr>
         <p:spPr>
           <a:xfrm rot="5400000" flipH="1" flipV="1">
-            <a:off x="4714037" y="-1007692"/>
+            <a:off x="4714038" y="-1007691"/>
             <a:ext cx="1677503" cy="5533723"/>
           </a:xfrm>
           <a:prstGeom prst="curvedConnector3">
@@ -5132,7 +5133,7 @@
         </p:nvCxnSpPr>
         <p:spPr>
           <a:xfrm rot="16200000" flipH="1" flipV="1">
-            <a:off x="4510042" y="-1500182"/>
+            <a:off x="4510043" y="-1500181"/>
             <a:ext cx="2085493" cy="6518699"/>
           </a:xfrm>
           <a:prstGeom prst="curvedConnector3">
@@ -5173,8 +5174,8 @@
         </p:nvCxnSpPr>
         <p:spPr>
           <a:xfrm rot="16200000" flipH="1">
-            <a:off x="4690535" y="2086277"/>
-            <a:ext cx="1724507" cy="5533722"/>
+            <a:off x="4690536" y="2086277"/>
+            <a:ext cx="1724507" cy="5533723"/>
           </a:xfrm>
           <a:prstGeom prst="curvedConnector3">
             <a:avLst>
@@ -5215,7 +5216,7 @@
         <p:spPr>
           <a:xfrm rot="5400000" flipH="1">
             <a:off x="4486539" y="1593790"/>
-            <a:ext cx="2132497" cy="6518698"/>
+            <a:ext cx="2132497" cy="6518699"/>
           </a:xfrm>
           <a:prstGeom prst="curvedConnector3">
             <a:avLst>
@@ -5255,8 +5256,8 @@
         </p:nvCxnSpPr>
         <p:spPr>
           <a:xfrm rot="5400000">
-            <a:off x="7892113" y="3317904"/>
-            <a:ext cx="2825025" cy="1"/>
+            <a:off x="7892115" y="3317904"/>
+            <a:ext cx="2825025" cy="2"/>
           </a:xfrm>
           <a:prstGeom prst="curvedConnector3">
             <a:avLst/>
@@ -5295,7 +5296,7 @@
         <p:spPr>
           <a:xfrm flipV="1">
             <a:off x="9508619" y="1412905"/>
-            <a:ext cx="1" cy="3810000"/>
+            <a:ext cx="2" cy="3810000"/>
           </a:xfrm>
           <a:prstGeom prst="curvedConnector3">
             <a:avLst>
@@ -5335,7 +5336,7 @@
         </p:nvCxnSpPr>
         <p:spPr>
           <a:xfrm flipH="1" flipV="1">
-            <a:off x="6393358" y="2801916"/>
+            <a:off x="6393359" y="2801916"/>
             <a:ext cx="203995" cy="492488"/>
           </a:xfrm>
           <a:prstGeom prst="curvedConnector4">
@@ -5377,7 +5378,7 @@
         </p:nvCxnSpPr>
         <p:spPr>
           <a:xfrm rot="10800000" flipH="1" flipV="1">
-            <a:off x="2089443" y="3294402"/>
+            <a:off x="2089444" y="3294403"/>
             <a:ext cx="203995" cy="492487"/>
           </a:xfrm>
           <a:prstGeom prst="curvedConnector4">
@@ -5416,7 +5417,7 @@
         </p:nvSpPr>
         <p:spPr>
           <a:xfrm>
-            <a:off x="2503573" y="2636574"/>
+            <a:off x="2503574" y="2636574"/>
             <a:ext cx="492443" cy="369332"/>
           </a:xfrm>
           <a:prstGeom prst="rect">
@@ -5476,7 +5477,7 @@
         </p:nvSpPr>
         <p:spPr>
           <a:xfrm>
-            <a:off x="8354749" y="825667"/>
+            <a:off x="8354750" y="825667"/>
             <a:ext cx="976934" cy="369332"/>
           </a:xfrm>
           <a:prstGeom prst="rect">
@@ -5506,7 +5507,7 @@
         </p:nvSpPr>
         <p:spPr>
           <a:xfrm>
-            <a:off x="8278686" y="4647749"/>
+            <a:off x="8278687" y="4647749"/>
             <a:ext cx="1066895" cy="369332"/>
           </a:xfrm>
           <a:prstGeom prst="rect">
@@ -5536,8 +5537,8 @@
         </p:nvSpPr>
         <p:spPr>
           <a:xfrm>
-            <a:off x="5301200" y="2971235"/>
-            <a:ext cx="1398150" cy="646331"/>
+            <a:off x="5301201" y="2971235"/>
+            <a:ext cx="1398149" cy="646331"/>
           </a:xfrm>
           <a:prstGeom prst="rect">
             <a:avLst/>
@@ -5566,8 +5567,8 @@
         </p:nvSpPr>
         <p:spPr>
           <a:xfrm>
-            <a:off x="2193873" y="2971235"/>
-            <a:ext cx="1398150" cy="646331"/>
+            <a:off x="2193875" y="2971235"/>
+            <a:ext cx="1398149" cy="646331"/>
           </a:xfrm>
           <a:prstGeom prst="rect">
             <a:avLst/>
@@ -5596,8 +5597,8 @@
         </p:nvSpPr>
         <p:spPr>
           <a:xfrm>
-            <a:off x="8215060" y="5001737"/>
-            <a:ext cx="1398150" cy="646331"/>
+            <a:off x="8215061" y="5001738"/>
+            <a:ext cx="1398149" cy="646331"/>
           </a:xfrm>
           <a:prstGeom prst="rect">
             <a:avLst/>
@@ -5626,8 +5627,8 @@
         </p:nvSpPr>
         <p:spPr>
           <a:xfrm>
-            <a:off x="8215060" y="1152607"/>
-            <a:ext cx="1398150" cy="646331"/>
+            <a:off x="8215061" y="1152608"/>
+            <a:ext cx="1398149" cy="646331"/>
           </a:xfrm>
           <a:prstGeom prst="rect">
             <a:avLst/>
@@ -5656,7 +5657,7 @@
         </p:nvSpPr>
         <p:spPr>
           <a:xfrm>
-            <a:off x="3708118" y="3815752"/>
+            <a:off x="3708120" y="3815752"/>
             <a:ext cx="1399679" cy="338554"/>
           </a:xfrm>
           <a:prstGeom prst="rect">
@@ -5724,7 +5725,7 @@
         </p:nvSpPr>
         <p:spPr>
           <a:xfrm>
-            <a:off x="1460849" y="5746651"/>
+            <a:off x="1460851" y="5746652"/>
             <a:ext cx="2127185" cy="1323439"/>
           </a:xfrm>
           <a:prstGeom prst="rect">
@@ -5778,7 +5779,7 @@
         </p:nvSpPr>
         <p:spPr>
           <a:xfrm rot="16200000">
-            <a:off x="8252966" y="3124384"/>
+            <a:off x="8252967" y="3124384"/>
             <a:ext cx="1702004" cy="338554"/>
           </a:xfrm>
           <a:prstGeom prst="rect">
@@ -5812,7 +5813,7 @@
         </p:nvSpPr>
         <p:spPr>
           <a:xfrm>
-            <a:off x="4910358" y="501952"/>
+            <a:off x="4910360" y="501953"/>
             <a:ext cx="1995739" cy="830997"/>
           </a:xfrm>
           <a:prstGeom prst="rect">
@@ -5857,7 +5858,7 @@
         </p:nvSpPr>
         <p:spPr>
           <a:xfrm>
-            <a:off x="1528083" y="272095"/>
+            <a:off x="1528085" y="272096"/>
             <a:ext cx="2127185" cy="830997"/>
           </a:xfrm>
           <a:prstGeom prst="rect">
@@ -5902,7 +5903,7 @@
         </p:nvSpPr>
         <p:spPr>
           <a:xfrm rot="19380422">
-            <a:off x="6430805" y="1827651"/>
+            <a:off x="6430806" y="1827651"/>
             <a:ext cx="1415324" cy="338554"/>
           </a:xfrm>
           <a:prstGeom prst="rect">
@@ -5970,7 +5971,7 @@
         </p:nvSpPr>
         <p:spPr>
           <a:xfrm>
-            <a:off x="-39145" y="4022141"/>
+            <a:off x="-39144" y="4022142"/>
             <a:ext cx="2127185" cy="830997"/>
           </a:xfrm>
           <a:prstGeom prst="rect">
@@ -6049,7 +6050,7 @@
         </p:nvSpPr>
         <p:spPr>
           <a:xfrm>
-            <a:off x="9731082" y="2632680"/>
+            <a:off x="9731084" y="2632681"/>
             <a:ext cx="2061077" cy="1323439"/>
           </a:xfrm>
           <a:prstGeom prst="rect">
@@ -6103,7 +6104,7 @@
         </p:nvSpPr>
         <p:spPr>
           <a:xfrm>
-            <a:off x="6921812" y="2854278"/>
+            <a:off x="6921811" y="2854278"/>
             <a:ext cx="1415324" cy="338554"/>
           </a:xfrm>
           <a:prstGeom prst="rect">
@@ -6140,7 +6141,7 @@
         </p:nvCxnSpPr>
         <p:spPr>
           <a:xfrm rot="5400000" flipH="1" flipV="1">
-            <a:off x="8956382" y="5571146"/>
+            <a:off x="8956383" y="5571147"/>
             <a:ext cx="203995" cy="492487"/>
           </a:xfrm>
           <a:prstGeom prst="curvedConnector3">
@@ -6181,7 +6182,7 @@
         </p:nvCxnSpPr>
         <p:spPr>
           <a:xfrm rot="16200000" flipH="1">
-            <a:off x="8956383" y="572176"/>
+            <a:off x="8956383" y="572177"/>
             <a:ext cx="203995" cy="492487"/>
           </a:xfrm>
           <a:prstGeom prst="curvedConnector3">
@@ -6254,7 +6255,7 @@
         <p:spPr>
           <a:xfrm>
             <a:off x="9345581" y="27909"/>
-            <a:ext cx="2005288" cy="830997"/>
+            <a:ext cx="2005289" cy="830997"/>
           </a:xfrm>
           <a:prstGeom prst="rect">
             <a:avLst/>
@@ -6292,7 +6293,7 @@
     </p:spTree>
     <p:extLst>
       <p:ext uri="{BB962C8B-B14F-4D97-AF65-F5344CB8AC3E}">
-        <p14:creationId xmlns:p14="http://schemas.microsoft.com/office/powerpoint/2010/main" xmlns="" val="3340299871"/>
+        <p14:creationId xmlns="" xmlns:p14="http://schemas.microsoft.com/office/powerpoint/2010/main" val="3340299871"/>
       </p:ext>
     </p:extLst>
   </p:cSld>
@@ -6327,10 +6328,10 @@
         </p:nvGrpSpPr>
         <p:grpSpPr>
           <a:xfrm>
-            <a:off x="1417767" y="529559"/>
-            <a:ext cx="10323383" cy="5939107"/>
+            <a:off x="1417768" y="529559"/>
+            <a:ext cx="10323382" cy="5944878"/>
             <a:chOff x="1417767" y="529559"/>
-            <a:chExt cx="10323383" cy="5939107"/>
+            <a:chExt cx="10323383" cy="5944878"/>
           </a:xfrm>
         </p:grpSpPr>
         <p:sp>
@@ -7010,7 +7011,7 @@
           </p:nvSpPr>
           <p:spPr>
             <a:xfrm>
-              <a:off x="2528973" y="3125524"/>
+              <a:off x="2528972" y="3125524"/>
               <a:ext cx="492443" cy="369332"/>
             </a:xfrm>
             <a:prstGeom prst="rect">
@@ -7160,7 +7161,7 @@
           </p:nvSpPr>
           <p:spPr>
             <a:xfrm>
-              <a:off x="3589393" y="2055358"/>
+              <a:off x="3589394" y="2055358"/>
               <a:ext cx="1648208" cy="276999"/>
             </a:xfrm>
             <a:prstGeom prst="rect">
@@ -7189,8 +7190,8 @@
           </p:nvSpPr>
           <p:spPr>
             <a:xfrm>
-              <a:off x="4775201" y="6007001"/>
-              <a:ext cx="2520950" cy="461665"/>
+              <a:off x="4775202" y="6007001"/>
+              <a:ext cx="2520949" cy="467436"/>
             </a:xfrm>
             <a:prstGeom prst="rect">
               <a:avLst/>
@@ -7248,7 +7249,7 @@
           </p:nvSpPr>
           <p:spPr>
             <a:xfrm>
-              <a:off x="4711700" y="749602"/>
+              <a:off x="4711699" y="749602"/>
               <a:ext cx="2400299" cy="461665"/>
             </a:xfrm>
             <a:prstGeom prst="rect">
@@ -7278,8 +7279,8 @@
           </p:nvSpPr>
           <p:spPr>
             <a:xfrm rot="19702667">
-              <a:off x="1855531" y="682789"/>
-              <a:ext cx="2505599" cy="461665"/>
+              <a:off x="1855531" y="679904"/>
+              <a:ext cx="2505598" cy="467436"/>
             </a:xfrm>
             <a:prstGeom prst="rect">
               <a:avLst/>
@@ -7307,7 +7308,7 @@
           </p:nvSpPr>
           <p:spPr>
             <a:xfrm rot="19302333">
-              <a:off x="6314362" y="1858428"/>
+              <a:off x="6314364" y="1858429"/>
               <a:ext cx="1648208" cy="276999"/>
             </a:xfrm>
             <a:prstGeom prst="rect">
@@ -7336,7 +7337,7 @@
           </p:nvSpPr>
           <p:spPr>
             <a:xfrm rot="2436033">
-              <a:off x="6270048" y="4469216"/>
+              <a:off x="6270049" y="4469216"/>
               <a:ext cx="1648208" cy="276999"/>
             </a:xfrm>
             <a:prstGeom prst="rect">
@@ -7453,7 +7454,7 @@
           </p:nvSpPr>
           <p:spPr>
             <a:xfrm>
-              <a:off x="6807513" y="2863803"/>
+              <a:off x="6807514" y="2863803"/>
               <a:ext cx="1907862" cy="646331"/>
             </a:xfrm>
             <a:prstGeom prst="rect">
@@ -7564,7 +7565,7 @@
           </p:nvSpPr>
           <p:spPr>
             <a:xfrm>
-              <a:off x="5050427" y="5149213"/>
+              <a:off x="5050426" y="5149213"/>
               <a:ext cx="1803507" cy="276999"/>
             </a:xfrm>
             <a:prstGeom prst="rect">
@@ -7595,7 +7596,7 @@
           <p:spPr>
             <a:xfrm>
               <a:off x="9294780" y="529559"/>
-              <a:ext cx="2446370" cy="461665"/>
+              <a:ext cx="2446370" cy="467436"/>
             </a:xfrm>
             <a:prstGeom prst="rect">
               <a:avLst/>
@@ -7622,7 +7623,7 @@
           </p:nvSpPr>
           <p:spPr>
             <a:xfrm rot="4310510">
-              <a:off x="5144843" y="1861683"/>
+              <a:off x="5144844" y="1861684"/>
               <a:ext cx="1492588" cy="276999"/>
             </a:xfrm>
             <a:prstGeom prst="rect">
@@ -7718,7 +7719,7 @@
         </p:nvSpPr>
         <p:spPr>
           <a:xfrm>
-            <a:off x="2290271" y="358924"/>
+            <a:off x="2290270" y="358924"/>
             <a:ext cx="1897166" cy="888762"/>
           </a:xfrm>
           <a:prstGeom prst="roundRect">
@@ -7764,7 +7765,7 @@
         </p:nvSpPr>
         <p:spPr>
           <a:xfrm>
-            <a:off x="2563736" y="1632247"/>
+            <a:off x="2563735" y="1632247"/>
             <a:ext cx="1350236" cy="1350236"/>
           </a:xfrm>
           <a:prstGeom prst="diamond">
@@ -7810,7 +7811,7 @@
         </p:nvSpPr>
         <p:spPr>
           <a:xfrm>
-            <a:off x="2563736" y="3367044"/>
+            <a:off x="2563735" y="3367044"/>
             <a:ext cx="1350236" cy="1350236"/>
           </a:xfrm>
           <a:prstGeom prst="diamond">
@@ -7856,7 +7857,7 @@
         </p:nvSpPr>
         <p:spPr>
           <a:xfrm>
-            <a:off x="2563736" y="5101841"/>
+            <a:off x="2563735" y="5101841"/>
             <a:ext cx="1350236" cy="1350236"/>
           </a:xfrm>
           <a:prstGeom prst="diamond">
@@ -7905,7 +7906,7 @@
         </p:nvCxnSpPr>
         <p:spPr>
           <a:xfrm>
-            <a:off x="3238854" y="1247686"/>
+            <a:off x="3238853" y="1247686"/>
             <a:ext cx="0" cy="384561"/>
           </a:xfrm>
           <a:prstGeom prst="straightConnector1">
@@ -7941,7 +7942,7 @@
         </p:nvCxnSpPr>
         <p:spPr>
           <a:xfrm>
-            <a:off x="3238854" y="2982483"/>
+            <a:off x="3238853" y="2982484"/>
             <a:ext cx="0" cy="384561"/>
           </a:xfrm>
           <a:prstGeom prst="straightConnector1">
@@ -7977,7 +7978,7 @@
         </p:nvCxnSpPr>
         <p:spPr>
           <a:xfrm>
-            <a:off x="3238854" y="4717280"/>
+            <a:off x="3238853" y="4717280"/>
             <a:ext cx="0" cy="384561"/>
           </a:xfrm>
           <a:prstGeom prst="straightConnector1">
@@ -8013,8 +8014,8 @@
         </p:nvSpPr>
         <p:spPr>
           <a:xfrm>
-            <a:off x="4495087" y="1837346"/>
-            <a:ext cx="1529697" cy="940038"/>
+            <a:off x="4495089" y="1837346"/>
+            <a:ext cx="1529698" cy="940038"/>
           </a:xfrm>
           <a:prstGeom prst="rect">
             <a:avLst/>
@@ -8059,8 +8060,8 @@
         </p:nvSpPr>
         <p:spPr>
           <a:xfrm>
-            <a:off x="4495086" y="3572143"/>
-            <a:ext cx="1529697" cy="940038"/>
+            <a:off x="4495087" y="3572143"/>
+            <a:ext cx="1529698" cy="940038"/>
           </a:xfrm>
           <a:prstGeom prst="rect">
             <a:avLst/>
@@ -8105,8 +8106,8 @@
         </p:nvSpPr>
         <p:spPr>
           <a:xfrm>
-            <a:off x="4495086" y="5306940"/>
-            <a:ext cx="1529697" cy="940038"/>
+            <a:off x="4495087" y="5306940"/>
+            <a:ext cx="1529698" cy="940038"/>
           </a:xfrm>
           <a:prstGeom prst="rect">
             <a:avLst/>
@@ -8154,7 +8155,7 @@
         </p:nvCxnSpPr>
         <p:spPr>
           <a:xfrm>
-            <a:off x="3913972" y="2307365"/>
+            <a:off x="3913974" y="2307365"/>
             <a:ext cx="581115" cy="0"/>
           </a:xfrm>
           <a:prstGeom prst="straightConnector1">
@@ -8190,7 +8191,7 @@
         </p:nvCxnSpPr>
         <p:spPr>
           <a:xfrm>
-            <a:off x="3913971" y="4042162"/>
+            <a:off x="3913972" y="4042162"/>
             <a:ext cx="581115" cy="0"/>
           </a:xfrm>
           <a:prstGeom prst="straightConnector1">
@@ -8226,7 +8227,7 @@
         </p:nvCxnSpPr>
         <p:spPr>
           <a:xfrm>
-            <a:off x="3913971" y="5776959"/>
+            <a:off x="3913972" y="5776959"/>
             <a:ext cx="581115" cy="0"/>
           </a:xfrm>
           <a:prstGeom prst="straightConnector1">
@@ -8262,7 +8263,7 @@
         </p:nvSpPr>
         <p:spPr>
           <a:xfrm>
-            <a:off x="2863302" y="612319"/>
+            <a:off x="2863304" y="612319"/>
             <a:ext cx="751103" cy="369332"/>
           </a:xfrm>
           <a:prstGeom prst="rect">
@@ -8325,7 +8326,7 @@
         <p:spPr>
           <a:xfrm>
             <a:off x="2679972" y="3847526"/>
-            <a:ext cx="1213795" cy="369332"/>
+            <a:ext cx="1213794" cy="369332"/>
           </a:xfrm>
           <a:prstGeom prst="rect">
             <a:avLst/>
@@ -8355,8 +8356,8 @@
         </p:nvSpPr>
         <p:spPr>
           <a:xfrm>
-            <a:off x="2666346" y="5602263"/>
-            <a:ext cx="1241045" cy="369332"/>
+            <a:off x="2666348" y="5602263"/>
+            <a:ext cx="1241044" cy="369332"/>
           </a:xfrm>
           <a:prstGeom prst="rect">
             <a:avLst/>
@@ -8386,7 +8387,7 @@
         </p:nvSpPr>
         <p:spPr>
           <a:xfrm>
-            <a:off x="4053686" y="1959268"/>
+            <a:off x="4053687" y="1959268"/>
             <a:ext cx="301686" cy="369332"/>
           </a:xfrm>
           <a:prstGeom prst="rect">
@@ -8417,7 +8418,7 @@
         </p:nvSpPr>
         <p:spPr>
           <a:xfrm>
-            <a:off x="4053686" y="3694064"/>
+            <a:off x="4053687" y="3694064"/>
             <a:ext cx="301686" cy="369332"/>
           </a:xfrm>
           <a:prstGeom prst="rect">
@@ -8448,7 +8449,7 @@
         </p:nvSpPr>
         <p:spPr>
           <a:xfrm>
-            <a:off x="4053686" y="5428860"/>
+            <a:off x="4053687" y="5428860"/>
             <a:ext cx="301686" cy="369332"/>
           </a:xfrm>
           <a:prstGeom prst="rect">
@@ -8541,8 +8542,8 @@
         </p:nvCxnSpPr>
         <p:spPr>
           <a:xfrm rot="5400000" flipH="1">
-            <a:off x="750789" y="3964012"/>
-            <a:ext cx="4950996" cy="25135"/>
+            <a:off x="750790" y="3964013"/>
+            <a:ext cx="4950996" cy="25134"/>
           </a:xfrm>
           <a:prstGeom prst="bentConnector5">
             <a:avLst>
@@ -8611,7 +8612,7 @@
         </p:nvSpPr>
         <p:spPr>
           <a:xfrm>
-            <a:off x="4227087" y="593804"/>
+            <a:off x="4227086" y="593804"/>
             <a:ext cx="2065694" cy="369332"/>
           </a:xfrm>
           <a:prstGeom prst="rect">
@@ -8650,8 +8651,8 @@
         </p:nvSpPr>
         <p:spPr>
           <a:xfrm>
-            <a:off x="4494853" y="1959268"/>
-            <a:ext cx="1530166" cy="646331"/>
+            <a:off x="4494854" y="1959269"/>
+            <a:ext cx="1530165" cy="646331"/>
           </a:xfrm>
           <a:prstGeom prst="rect">
             <a:avLst/>
@@ -8689,8 +8690,8 @@
         </p:nvSpPr>
         <p:spPr>
           <a:xfrm>
-            <a:off x="4493662" y="3721263"/>
-            <a:ext cx="1530166" cy="646331"/>
+            <a:off x="4493662" y="3721264"/>
+            <a:ext cx="1530165" cy="646331"/>
           </a:xfrm>
           <a:prstGeom prst="rect">
             <a:avLst/>
@@ -8724,8 +8725,8 @@
         </p:nvSpPr>
         <p:spPr>
           <a:xfrm>
-            <a:off x="4503230" y="5480780"/>
-            <a:ext cx="1530166" cy="646331"/>
+            <a:off x="4503230" y="5480781"/>
+            <a:ext cx="1530165" cy="646331"/>
           </a:xfrm>
           <a:prstGeom prst="rect">
             <a:avLst/>
@@ -8809,8 +8810,8 @@
         </p:nvSpPr>
         <p:spPr>
           <a:xfrm>
-            <a:off x="6973066" y="2720713"/>
-            <a:ext cx="1217757" cy="646331"/>
+            <a:off x="6973067" y="2720714"/>
+            <a:ext cx="1217756" cy="646331"/>
           </a:xfrm>
           <a:prstGeom prst="rect">
             <a:avLst/>
@@ -8847,7 +8848,7 @@
         </p:nvSpPr>
         <p:spPr>
           <a:xfrm>
-            <a:off x="6900709" y="4216858"/>
+            <a:off x="6900710" y="4216858"/>
             <a:ext cx="1350236" cy="1350236"/>
           </a:xfrm>
           <a:prstGeom prst="diamond">
@@ -8893,8 +8894,8 @@
         </p:nvSpPr>
         <p:spPr>
           <a:xfrm>
-            <a:off x="6998239" y="4536784"/>
-            <a:ext cx="1217757" cy="646331"/>
+            <a:off x="6998240" y="4536785"/>
+            <a:ext cx="1217756" cy="646331"/>
           </a:xfrm>
           <a:prstGeom prst="rect">
             <a:avLst/>
@@ -8934,8 +8935,8 @@
         </p:nvCxnSpPr>
         <p:spPr>
           <a:xfrm>
-            <a:off x="6025019" y="2282434"/>
-            <a:ext cx="881808" cy="809607"/>
+            <a:off x="6025019" y="2282435"/>
+            <a:ext cx="881808" cy="809606"/>
           </a:xfrm>
           <a:prstGeom prst="bentConnector3">
             <a:avLst>
@@ -8974,7 +8975,7 @@
         </p:nvCxnSpPr>
         <p:spPr>
           <a:xfrm flipV="1">
-            <a:off x="6024783" y="3092041"/>
+            <a:off x="6024785" y="3092042"/>
             <a:ext cx="441140" cy="950121"/>
           </a:xfrm>
           <a:prstGeom prst="bentConnector2">
@@ -9013,8 +9014,8 @@
         </p:nvCxnSpPr>
         <p:spPr>
           <a:xfrm flipH="1">
-            <a:off x="7575827" y="3767159"/>
-            <a:ext cx="6118" cy="449699"/>
+            <a:off x="7575829" y="3767160"/>
+            <a:ext cx="6117" cy="449699"/>
           </a:xfrm>
           <a:prstGeom prst="straightConnector1">
             <a:avLst/>
@@ -9052,7 +9053,7 @@
         </p:nvCxnSpPr>
         <p:spPr>
           <a:xfrm flipV="1">
-            <a:off x="6024783" y="4216858"/>
+            <a:off x="6024784" y="4216859"/>
             <a:ext cx="1551044" cy="1560101"/>
           </a:xfrm>
           <a:prstGeom prst="bentConnector4">
@@ -9091,8 +9092,8 @@
         </p:nvSpPr>
         <p:spPr>
           <a:xfrm>
-            <a:off x="8717017" y="2661290"/>
-            <a:ext cx="1752600" cy="861501"/>
+            <a:off x="8717017" y="2661291"/>
+            <a:ext cx="1752601" cy="861501"/>
           </a:xfrm>
           <a:prstGeom prst="parallelogram">
             <a:avLst/>
@@ -9137,8 +9138,8 @@
         </p:nvSpPr>
         <p:spPr>
           <a:xfrm>
-            <a:off x="8717017" y="4429198"/>
-            <a:ext cx="1752600" cy="861501"/>
+            <a:off x="8717017" y="4429199"/>
+            <a:ext cx="1752601" cy="861501"/>
           </a:xfrm>
           <a:prstGeom prst="parallelogram">
             <a:avLst/>
@@ -9183,8 +9184,8 @@
         </p:nvSpPr>
         <p:spPr>
           <a:xfrm>
-            <a:off x="8717017" y="5766355"/>
-            <a:ext cx="1752600" cy="861501"/>
+            <a:off x="8717017" y="5766356"/>
+            <a:ext cx="1752601" cy="861501"/>
           </a:xfrm>
           <a:prstGeom prst="parallelogram">
             <a:avLst/>
@@ -9229,7 +9230,7 @@
         </p:nvCxnSpPr>
         <p:spPr>
           <a:xfrm>
-            <a:off x="8250945" y="3092040"/>
+            <a:off x="8250947" y="3092040"/>
             <a:ext cx="581115" cy="0"/>
           </a:xfrm>
           <a:prstGeom prst="straightConnector1">
@@ -9265,7 +9266,7 @@
         </p:nvCxnSpPr>
         <p:spPr>
           <a:xfrm>
-            <a:off x="8250945" y="4884938"/>
+            <a:off x="8250947" y="4884938"/>
             <a:ext cx="581115" cy="0"/>
           </a:xfrm>
           <a:prstGeom prst="straightConnector1">
@@ -9304,7 +9305,7 @@
         </p:nvCxnSpPr>
         <p:spPr>
           <a:xfrm rot="16200000" flipH="1">
-            <a:off x="7885260" y="5257661"/>
+            <a:off x="7885261" y="5257661"/>
             <a:ext cx="630012" cy="1248878"/>
           </a:xfrm>
           <a:prstGeom prst="bentConnector2">
@@ -9342,8 +9343,8 @@
         </p:nvCxnSpPr>
         <p:spPr>
           <a:xfrm flipH="1" flipV="1">
-            <a:off x="3282940" y="1501081"/>
-            <a:ext cx="7078989" cy="1590960"/>
+            <a:off x="3282942" y="1501082"/>
+            <a:ext cx="7078988" cy="1590960"/>
           </a:xfrm>
           <a:prstGeom prst="bentConnector3">
             <a:avLst>
@@ -9382,8 +9383,8 @@
         </p:nvCxnSpPr>
         <p:spPr>
           <a:xfrm flipV="1">
-            <a:off x="10361929" y="3092040"/>
-            <a:ext cx="334646" cy="1767909"/>
+            <a:off x="10361929" y="3092041"/>
+            <a:ext cx="334645" cy="1767909"/>
           </a:xfrm>
           <a:prstGeom prst="bentConnector2">
             <a:avLst/>
@@ -9421,7 +9422,7 @@
         <p:spPr>
           <a:xfrm flipV="1">
             <a:off x="10361929" y="4884938"/>
-            <a:ext cx="334646" cy="1312168"/>
+            <a:ext cx="334645" cy="1312168"/>
           </a:xfrm>
           <a:prstGeom prst="bentConnector2">
             <a:avLst/>
@@ -9456,7 +9457,7 @@
         </p:nvSpPr>
         <p:spPr>
           <a:xfrm>
-            <a:off x="8892182" y="2746721"/>
+            <a:off x="8892183" y="2746721"/>
             <a:ext cx="1396939" cy="646331"/>
           </a:xfrm>
           <a:prstGeom prst="rect">
@@ -9494,7 +9495,7 @@
         </p:nvSpPr>
         <p:spPr>
           <a:xfrm>
-            <a:off x="8904868" y="4536784"/>
+            <a:off x="8904869" y="4536785"/>
             <a:ext cx="1396939" cy="646331"/>
           </a:xfrm>
           <a:prstGeom prst="rect">
@@ -9532,7 +9533,7 @@
         </p:nvSpPr>
         <p:spPr>
           <a:xfrm>
-            <a:off x="8904867" y="5882099"/>
+            <a:off x="8904867" y="5882100"/>
             <a:ext cx="1396939" cy="646331"/>
           </a:xfrm>
           <a:prstGeom prst="rect">
@@ -9566,7 +9567,7 @@
         </p:nvSpPr>
         <p:spPr>
           <a:xfrm>
-            <a:off x="8329871" y="2770325"/>
+            <a:off x="8329872" y="2770325"/>
             <a:ext cx="301686" cy="369332"/>
           </a:xfrm>
           <a:prstGeom prst="rect">
@@ -9683,7 +9684,1747 @@
     </p:spTree>
     <p:extLst>
       <p:ext uri="{BB962C8B-B14F-4D97-AF65-F5344CB8AC3E}">
-        <p14:creationId xmlns:p14="http://schemas.microsoft.com/office/powerpoint/2010/main" xmlns="" val="3416959525"/>
+        <p14:creationId xmlns="" xmlns:p14="http://schemas.microsoft.com/office/powerpoint/2010/main" val="3416959525"/>
+      </p:ext>
+    </p:extLst>
+  </p:cSld>
+  <p:clrMapOvr>
+    <a:masterClrMapping/>
+  </p:clrMapOvr>
+</p:sld>
+</file>
+
+<file path=ppt/slides/slide6.xml><?xml version="1.0" encoding="utf-8"?>
+<p:sld xmlns:a="http://schemas.openxmlformats.org/drawingml/2006/main" xmlns:r="http://schemas.openxmlformats.org/officeDocument/2006/relationships" xmlns:p="http://schemas.openxmlformats.org/presentationml/2006/main">
+  <p:cSld>
+    <p:spTree>
+      <p:nvGrpSpPr>
+        <p:cNvPr id="1" name=""/>
+        <p:cNvGrpSpPr/>
+        <p:nvPr/>
+      </p:nvGrpSpPr>
+      <p:grpSpPr>
+        <a:xfrm>
+          <a:off x="0" y="0"/>
+          <a:ext cx="0" cy="0"/>
+          <a:chOff x="0" y="0"/>
+          <a:chExt cx="0" cy="0"/>
+        </a:xfrm>
+      </p:grpSpPr>
+      <p:grpSp>
+        <p:nvGrpSpPr>
+          <p:cNvPr id="198" name="Group 197"/>
+          <p:cNvGrpSpPr/>
+          <p:nvPr/>
+        </p:nvGrpSpPr>
+        <p:grpSpPr>
+          <a:xfrm>
+            <a:off x="1173480" y="144782"/>
+            <a:ext cx="4644392" cy="6672736"/>
+            <a:chOff x="1173480" y="144782"/>
+            <a:chExt cx="4644392" cy="6672736"/>
+          </a:xfrm>
+        </p:grpSpPr>
+        <p:sp>
+          <p:nvSpPr>
+            <p:cNvPr id="22" name="Diamond 21"/>
+            <p:cNvSpPr/>
+            <p:nvPr/>
+          </p:nvSpPr>
+          <p:spPr>
+            <a:xfrm>
+              <a:off x="3414259" y="418762"/>
+              <a:ext cx="1009534" cy="873431"/>
+            </a:xfrm>
+            <a:prstGeom prst="diamond">
+              <a:avLst/>
+            </a:prstGeom>
+            <a:noFill/>
+            <a:ln w="28575">
+              <a:solidFill>
+                <a:schemeClr val="tx1"/>
+              </a:solidFill>
+            </a:ln>
+          </p:spPr>
+          <p:style>
+            <a:lnRef idx="2">
+              <a:schemeClr val="accent1">
+                <a:shade val="50000"/>
+              </a:schemeClr>
+            </a:lnRef>
+            <a:fillRef idx="1">
+              <a:schemeClr val="accent1"/>
+            </a:fillRef>
+            <a:effectRef idx="0">
+              <a:schemeClr val="accent1"/>
+            </a:effectRef>
+            <a:fontRef idx="minor">
+              <a:schemeClr val="lt1"/>
+            </a:fontRef>
+          </p:style>
+          <p:txBody>
+            <a:bodyPr rtlCol="0" anchor="ctr"/>
+            <a:lstStyle/>
+            <a:p>
+              <a:pPr algn="ctr"/>
+              <a:r>
+                <a:rPr lang="en-NZ" sz="900" dirty="0" smtClean="0">
+                  <a:solidFill>
+                    <a:schemeClr val="tx1"/>
+                  </a:solidFill>
+                </a:rPr>
+                <a:t>ON or SET?</a:t>
+              </a:r>
+              <a:endParaRPr lang="en-NZ" sz="900" dirty="0">
+                <a:solidFill>
+                  <a:schemeClr val="tx1"/>
+                </a:solidFill>
+              </a:endParaRPr>
+            </a:p>
+          </p:txBody>
+        </p:sp>
+        <p:sp>
+          <p:nvSpPr>
+            <p:cNvPr id="23" name="Diamond 22"/>
+            <p:cNvSpPr/>
+            <p:nvPr/>
+          </p:nvSpPr>
+          <p:spPr>
+            <a:xfrm>
+              <a:off x="3414259" y="1531861"/>
+              <a:ext cx="1009534" cy="873431"/>
+            </a:xfrm>
+            <a:prstGeom prst="diamond">
+              <a:avLst/>
+            </a:prstGeom>
+            <a:noFill/>
+            <a:ln w="28575">
+              <a:solidFill>
+                <a:schemeClr val="tx1"/>
+              </a:solidFill>
+            </a:ln>
+          </p:spPr>
+          <p:style>
+            <a:lnRef idx="2">
+              <a:schemeClr val="accent1">
+                <a:shade val="50000"/>
+              </a:schemeClr>
+            </a:lnRef>
+            <a:fillRef idx="1">
+              <a:schemeClr val="accent1"/>
+            </a:fillRef>
+            <a:effectRef idx="0">
+              <a:schemeClr val="accent1"/>
+            </a:effectRef>
+            <a:fontRef idx="minor">
+              <a:schemeClr val="lt1"/>
+            </a:fontRef>
+          </p:style>
+          <p:txBody>
+            <a:bodyPr rtlCol="0" anchor="ctr"/>
+            <a:lstStyle/>
+            <a:p>
+              <a:pPr algn="ctr"/>
+              <a:r>
+                <a:rPr lang="en-NZ" sz="900" dirty="0" err="1" smtClean="0">
+                  <a:solidFill>
+                    <a:schemeClr val="tx1"/>
+                  </a:solidFill>
+                </a:rPr>
+                <a:t>QuickAccel</a:t>
+              </a:r>
+              <a:r>
+                <a:rPr lang="en-NZ" sz="900" dirty="0" smtClean="0">
+                  <a:solidFill>
+                    <a:schemeClr val="tx1"/>
+                  </a:solidFill>
+                </a:rPr>
+                <a:t>?</a:t>
+              </a:r>
+              <a:endParaRPr lang="en-NZ" sz="900" dirty="0">
+                <a:solidFill>
+                  <a:schemeClr val="tx1"/>
+                </a:solidFill>
+              </a:endParaRPr>
+            </a:p>
+          </p:txBody>
+        </p:sp>
+        <p:sp>
+          <p:nvSpPr>
+            <p:cNvPr id="24" name="Diamond 23"/>
+            <p:cNvSpPr/>
+            <p:nvPr/>
+          </p:nvSpPr>
+          <p:spPr>
+            <a:xfrm>
+              <a:off x="3414259" y="2644960"/>
+              <a:ext cx="1009534" cy="873431"/>
+            </a:xfrm>
+            <a:prstGeom prst="diamond">
+              <a:avLst/>
+            </a:prstGeom>
+            <a:noFill/>
+            <a:ln w="28575">
+              <a:solidFill>
+                <a:schemeClr val="tx1"/>
+              </a:solidFill>
+            </a:ln>
+          </p:spPr>
+          <p:style>
+            <a:lnRef idx="2">
+              <a:schemeClr val="accent1">
+                <a:shade val="50000"/>
+              </a:schemeClr>
+            </a:lnRef>
+            <a:fillRef idx="1">
+              <a:schemeClr val="accent1"/>
+            </a:fillRef>
+            <a:effectRef idx="0">
+              <a:schemeClr val="accent1"/>
+            </a:effectRef>
+            <a:fontRef idx="minor">
+              <a:schemeClr val="lt1"/>
+            </a:fontRef>
+          </p:style>
+          <p:txBody>
+            <a:bodyPr rtlCol="0" anchor="ctr"/>
+            <a:lstStyle/>
+            <a:p>
+              <a:pPr algn="ctr"/>
+              <a:r>
+                <a:rPr lang="en-NZ" sz="900" dirty="0" err="1" smtClean="0">
+                  <a:solidFill>
+                    <a:schemeClr val="tx1"/>
+                  </a:solidFill>
+                </a:rPr>
+                <a:t>QuickDecel</a:t>
+              </a:r>
+              <a:r>
+                <a:rPr lang="en-NZ" sz="900" dirty="0" smtClean="0">
+                  <a:solidFill>
+                    <a:schemeClr val="tx1"/>
+                  </a:solidFill>
+                </a:rPr>
+                <a:t>?</a:t>
+              </a:r>
+              <a:endParaRPr lang="en-NZ" sz="900" dirty="0">
+                <a:solidFill>
+                  <a:schemeClr val="tx1"/>
+                </a:solidFill>
+              </a:endParaRPr>
+            </a:p>
+          </p:txBody>
+        </p:sp>
+        <p:cxnSp>
+          <p:nvCxnSpPr>
+            <p:cNvPr id="26" name="Straight Arrow Connector 25"/>
+            <p:cNvCxnSpPr>
+              <a:endCxn id="22" idx="0"/>
+            </p:cNvCxnSpPr>
+            <p:nvPr/>
+          </p:nvCxnSpPr>
+          <p:spPr>
+            <a:xfrm rot="16200000" flipH="1">
+              <a:off x="3780866" y="280601"/>
+              <a:ext cx="273979" cy="2341"/>
+            </a:xfrm>
+            <a:prstGeom prst="straightConnector1">
+              <a:avLst/>
+            </a:prstGeom>
+            <a:ln w="28575">
+              <a:solidFill>
+                <a:schemeClr val="tx1"/>
+              </a:solidFill>
+              <a:tailEnd type="triangle"/>
+            </a:ln>
+          </p:spPr>
+          <p:style>
+            <a:lnRef idx="1">
+              <a:schemeClr val="accent1"/>
+            </a:lnRef>
+            <a:fillRef idx="0">
+              <a:schemeClr val="accent1"/>
+            </a:fillRef>
+            <a:effectRef idx="0">
+              <a:schemeClr val="accent1"/>
+            </a:effectRef>
+            <a:fontRef idx="minor">
+              <a:schemeClr val="tx1"/>
+            </a:fontRef>
+          </p:style>
+        </p:cxnSp>
+        <p:cxnSp>
+          <p:nvCxnSpPr>
+            <p:cNvPr id="27" name="Straight Arrow Connector 26"/>
+            <p:cNvCxnSpPr>
+              <a:stCxn id="22" idx="2"/>
+              <a:endCxn id="23" idx="0"/>
+            </p:cNvCxnSpPr>
+            <p:nvPr/>
+          </p:nvCxnSpPr>
+          <p:spPr>
+            <a:xfrm rot="5400000">
+              <a:off x="3797906" y="1413313"/>
+              <a:ext cx="242241" cy="1588"/>
+            </a:xfrm>
+            <a:prstGeom prst="straightConnector1">
+              <a:avLst/>
+            </a:prstGeom>
+            <a:ln w="28575">
+              <a:solidFill>
+                <a:schemeClr val="tx1"/>
+              </a:solidFill>
+              <a:tailEnd type="triangle"/>
+            </a:ln>
+          </p:spPr>
+          <p:style>
+            <a:lnRef idx="1">
+              <a:schemeClr val="accent1"/>
+            </a:lnRef>
+            <a:fillRef idx="0">
+              <a:schemeClr val="accent1"/>
+            </a:fillRef>
+            <a:effectRef idx="0">
+              <a:schemeClr val="accent1"/>
+            </a:effectRef>
+            <a:fontRef idx="minor">
+              <a:schemeClr val="tx1"/>
+            </a:fontRef>
+          </p:style>
+        </p:cxnSp>
+        <p:cxnSp>
+          <p:nvCxnSpPr>
+            <p:cNvPr id="28" name="Straight Arrow Connector 27"/>
+            <p:cNvCxnSpPr>
+              <a:stCxn id="23" idx="2"/>
+              <a:endCxn id="24" idx="0"/>
+            </p:cNvCxnSpPr>
+            <p:nvPr/>
+          </p:nvCxnSpPr>
+          <p:spPr>
+            <a:xfrm rot="5400000">
+              <a:off x="3800763" y="2526128"/>
+              <a:ext cx="236526" cy="1588"/>
+            </a:xfrm>
+            <a:prstGeom prst="straightConnector1">
+              <a:avLst/>
+            </a:prstGeom>
+            <a:ln w="28575">
+              <a:solidFill>
+                <a:schemeClr val="tx1"/>
+              </a:solidFill>
+              <a:tailEnd type="triangle"/>
+            </a:ln>
+          </p:spPr>
+          <p:style>
+            <a:lnRef idx="1">
+              <a:schemeClr val="accent1"/>
+            </a:lnRef>
+            <a:fillRef idx="0">
+              <a:schemeClr val="accent1"/>
+            </a:fillRef>
+            <a:effectRef idx="0">
+              <a:schemeClr val="accent1"/>
+            </a:effectRef>
+            <a:fontRef idx="minor">
+              <a:schemeClr val="tx1"/>
+            </a:fontRef>
+          </p:style>
+        </p:cxnSp>
+        <p:sp>
+          <p:nvSpPr>
+            <p:cNvPr id="29" name="Rectangle 28"/>
+            <p:cNvSpPr/>
+            <p:nvPr/>
+          </p:nvSpPr>
+          <p:spPr>
+            <a:xfrm>
+              <a:off x="4666539" y="552424"/>
+              <a:ext cx="1143713" cy="608085"/>
+            </a:xfrm>
+            <a:prstGeom prst="rect">
+              <a:avLst/>
+            </a:prstGeom>
+            <a:noFill/>
+            <a:ln w="28575">
+              <a:solidFill>
+                <a:schemeClr val="tx1"/>
+              </a:solidFill>
+            </a:ln>
+          </p:spPr>
+          <p:style>
+            <a:lnRef idx="2">
+              <a:schemeClr val="accent1">
+                <a:shade val="50000"/>
+              </a:schemeClr>
+            </a:lnRef>
+            <a:fillRef idx="1">
+              <a:schemeClr val="accent1"/>
+            </a:fillRef>
+            <a:effectRef idx="0">
+              <a:schemeClr val="accent1"/>
+            </a:effectRef>
+            <a:fontRef idx="minor">
+              <a:schemeClr val="lt1"/>
+            </a:fontRef>
+          </p:style>
+          <p:txBody>
+            <a:bodyPr rtlCol="0" anchor="ctr"/>
+            <a:lstStyle/>
+            <a:p>
+              <a:pPr algn="ctr"/>
+              <a:r>
+                <a:rPr lang="en-NZ" sz="1200" dirty="0" smtClean="0">
+                  <a:solidFill>
+                    <a:schemeClr val="tx1"/>
+                  </a:solidFill>
+                </a:rPr>
+                <a:t>temp = </a:t>
+              </a:r>
+              <a:r>
+                <a:rPr lang="en-NZ" sz="1200" dirty="0" err="1" smtClean="0">
+                  <a:solidFill>
+                    <a:schemeClr val="tx1"/>
+                  </a:solidFill>
+                </a:rPr>
+                <a:t>CurrentSpeed</a:t>
+              </a:r>
+              <a:endParaRPr lang="en-NZ" sz="1200" dirty="0">
+                <a:solidFill>
+                  <a:schemeClr val="tx1"/>
+                </a:solidFill>
+              </a:endParaRPr>
+            </a:p>
+          </p:txBody>
+        </p:sp>
+        <p:sp>
+          <p:nvSpPr>
+            <p:cNvPr id="30" name="Rectangle 29"/>
+            <p:cNvSpPr/>
+            <p:nvPr/>
+          </p:nvSpPr>
+          <p:spPr>
+            <a:xfrm>
+              <a:off x="1977313" y="1666508"/>
+              <a:ext cx="1143713" cy="608085"/>
+            </a:xfrm>
+            <a:prstGeom prst="rect">
+              <a:avLst/>
+            </a:prstGeom>
+            <a:noFill/>
+            <a:ln w="28575">
+              <a:solidFill>
+                <a:schemeClr val="tx1"/>
+              </a:solidFill>
+            </a:ln>
+          </p:spPr>
+          <p:style>
+            <a:lnRef idx="2">
+              <a:schemeClr val="accent1">
+                <a:shade val="50000"/>
+              </a:schemeClr>
+            </a:lnRef>
+            <a:fillRef idx="1">
+              <a:schemeClr val="accent1"/>
+            </a:fillRef>
+            <a:effectRef idx="0">
+              <a:schemeClr val="accent1"/>
+            </a:effectRef>
+            <a:fontRef idx="minor">
+              <a:schemeClr val="lt1"/>
+            </a:fontRef>
+          </p:style>
+          <p:txBody>
+            <a:bodyPr rtlCol="0" anchor="ctr"/>
+            <a:lstStyle/>
+            <a:p>
+              <a:pPr algn="ctr"/>
+              <a:r>
+                <a:rPr lang="en-NZ" sz="1200" dirty="0" smtClean="0">
+                  <a:solidFill>
+                    <a:schemeClr val="tx1"/>
+                  </a:solidFill>
+                </a:rPr>
+                <a:t>temp += </a:t>
+              </a:r>
+              <a:r>
+                <a:rPr lang="en-NZ" sz="1200" dirty="0" err="1" smtClean="0">
+                  <a:solidFill>
+                    <a:schemeClr val="tx1"/>
+                  </a:solidFill>
+                </a:rPr>
+                <a:t>SpeedInc</a:t>
+              </a:r>
+              <a:endParaRPr lang="en-NZ" sz="1200" dirty="0">
+                <a:solidFill>
+                  <a:schemeClr val="tx1"/>
+                </a:solidFill>
+              </a:endParaRPr>
+            </a:p>
+          </p:txBody>
+        </p:sp>
+        <p:sp>
+          <p:nvSpPr>
+            <p:cNvPr id="31" name="Rectangle 30"/>
+            <p:cNvSpPr/>
+            <p:nvPr/>
+          </p:nvSpPr>
+          <p:spPr>
+            <a:xfrm>
+              <a:off x="4674159" y="2779640"/>
+              <a:ext cx="1143713" cy="608085"/>
+            </a:xfrm>
+            <a:prstGeom prst="rect">
+              <a:avLst/>
+            </a:prstGeom>
+            <a:noFill/>
+            <a:ln w="28575">
+              <a:solidFill>
+                <a:schemeClr val="tx1"/>
+              </a:solidFill>
+            </a:ln>
+          </p:spPr>
+          <p:style>
+            <a:lnRef idx="2">
+              <a:schemeClr val="accent1">
+                <a:shade val="50000"/>
+              </a:schemeClr>
+            </a:lnRef>
+            <a:fillRef idx="1">
+              <a:schemeClr val="accent1"/>
+            </a:fillRef>
+            <a:effectRef idx="0">
+              <a:schemeClr val="accent1"/>
+            </a:effectRef>
+            <a:fontRef idx="minor">
+              <a:schemeClr val="lt1"/>
+            </a:fontRef>
+          </p:style>
+          <p:txBody>
+            <a:bodyPr rtlCol="0" anchor="ctr"/>
+            <a:lstStyle/>
+            <a:p>
+              <a:pPr algn="ctr"/>
+              <a:r>
+                <a:rPr lang="en-NZ" sz="1200" dirty="0" smtClean="0">
+                  <a:solidFill>
+                    <a:schemeClr val="tx1"/>
+                  </a:solidFill>
+                </a:rPr>
+                <a:t>temp -= </a:t>
+              </a:r>
+              <a:r>
+                <a:rPr lang="en-NZ" sz="1200" dirty="0" err="1" smtClean="0">
+                  <a:solidFill>
+                    <a:schemeClr val="tx1"/>
+                  </a:solidFill>
+                </a:rPr>
+                <a:t>SpeedInc</a:t>
+              </a:r>
+              <a:endParaRPr lang="en-NZ" sz="1200" dirty="0">
+                <a:solidFill>
+                  <a:schemeClr val="tx1"/>
+                </a:solidFill>
+              </a:endParaRPr>
+            </a:p>
+          </p:txBody>
+        </p:sp>
+        <p:cxnSp>
+          <p:nvCxnSpPr>
+            <p:cNvPr id="34" name="Straight Arrow Connector 33"/>
+            <p:cNvCxnSpPr>
+              <a:stCxn id="22" idx="3"/>
+              <a:endCxn id="29" idx="1"/>
+            </p:cNvCxnSpPr>
+            <p:nvPr/>
+          </p:nvCxnSpPr>
+          <p:spPr>
+            <a:xfrm>
+              <a:off x="4423793" y="855478"/>
+              <a:ext cx="242746" cy="989"/>
+            </a:xfrm>
+            <a:prstGeom prst="straightConnector1">
+              <a:avLst/>
+            </a:prstGeom>
+            <a:ln w="28575">
+              <a:solidFill>
+                <a:schemeClr val="tx1"/>
+              </a:solidFill>
+              <a:tailEnd type="triangle"/>
+            </a:ln>
+          </p:spPr>
+          <p:style>
+            <a:lnRef idx="1">
+              <a:schemeClr val="accent1"/>
+            </a:lnRef>
+            <a:fillRef idx="0">
+              <a:schemeClr val="accent1"/>
+            </a:fillRef>
+            <a:effectRef idx="0">
+              <a:schemeClr val="accent1"/>
+            </a:effectRef>
+            <a:fontRef idx="minor">
+              <a:schemeClr val="tx1"/>
+            </a:fontRef>
+          </p:style>
+        </p:cxnSp>
+        <p:cxnSp>
+          <p:nvCxnSpPr>
+            <p:cNvPr id="35" name="Straight Arrow Connector 34"/>
+            <p:cNvCxnSpPr>
+              <a:stCxn id="23" idx="1"/>
+              <a:endCxn id="30" idx="3"/>
+            </p:cNvCxnSpPr>
+            <p:nvPr/>
+          </p:nvCxnSpPr>
+          <p:spPr>
+            <a:xfrm rot="10800000">
+              <a:off x="3121027" y="1970552"/>
+              <a:ext cx="293233" cy="599"/>
+            </a:xfrm>
+            <a:prstGeom prst="straightConnector1">
+              <a:avLst/>
+            </a:prstGeom>
+            <a:ln w="28575">
+              <a:solidFill>
+                <a:schemeClr val="tx1"/>
+              </a:solidFill>
+              <a:tailEnd type="triangle"/>
+            </a:ln>
+          </p:spPr>
+          <p:style>
+            <a:lnRef idx="1">
+              <a:schemeClr val="accent1"/>
+            </a:lnRef>
+            <a:fillRef idx="0">
+              <a:schemeClr val="accent1"/>
+            </a:fillRef>
+            <a:effectRef idx="0">
+              <a:schemeClr val="accent1"/>
+            </a:effectRef>
+            <a:fontRef idx="minor">
+              <a:schemeClr val="tx1"/>
+            </a:fontRef>
+          </p:style>
+        </p:cxnSp>
+        <p:cxnSp>
+          <p:nvCxnSpPr>
+            <p:cNvPr id="36" name="Straight Arrow Connector 35"/>
+            <p:cNvCxnSpPr>
+              <a:stCxn id="24" idx="3"/>
+              <a:endCxn id="31" idx="1"/>
+            </p:cNvCxnSpPr>
+            <p:nvPr/>
+          </p:nvCxnSpPr>
+          <p:spPr>
+            <a:xfrm>
+              <a:off x="4423793" y="3081107"/>
+              <a:ext cx="250366" cy="2576"/>
+            </a:xfrm>
+            <a:prstGeom prst="straightConnector1">
+              <a:avLst/>
+            </a:prstGeom>
+            <a:ln w="28575">
+              <a:solidFill>
+                <a:schemeClr val="tx1"/>
+              </a:solidFill>
+              <a:tailEnd type="triangle"/>
+            </a:ln>
+          </p:spPr>
+          <p:style>
+            <a:lnRef idx="1">
+              <a:schemeClr val="accent1"/>
+            </a:lnRef>
+            <a:fillRef idx="0">
+              <a:schemeClr val="accent1"/>
+            </a:fillRef>
+            <a:effectRef idx="0">
+              <a:schemeClr val="accent1"/>
+            </a:effectRef>
+            <a:fontRef idx="minor">
+              <a:schemeClr val="tx1"/>
+            </a:fontRef>
+          </p:style>
+        </p:cxnSp>
+        <p:sp>
+          <p:nvSpPr>
+            <p:cNvPr id="44" name="TextBox 43"/>
+            <p:cNvSpPr txBox="1"/>
+            <p:nvPr/>
+          </p:nvSpPr>
+          <p:spPr>
+            <a:xfrm>
+              <a:off x="4425161" y="555284"/>
+              <a:ext cx="196797" cy="276999"/>
+            </a:xfrm>
+            <a:prstGeom prst="rect">
+              <a:avLst/>
+            </a:prstGeom>
+            <a:noFill/>
+          </p:spPr>
+          <p:txBody>
+            <a:bodyPr wrap="square" rtlCol="0">
+              <a:spAutoFit/>
+            </a:bodyPr>
+            <a:lstStyle/>
+            <a:p>
+              <a:pPr algn="ctr"/>
+              <a:r>
+                <a:rPr lang="en-NZ" sz="1200" dirty="0" smtClean="0"/>
+                <a:t>1</a:t>
+              </a:r>
+              <a:endParaRPr lang="en-NZ" sz="1200" dirty="0"/>
+            </a:p>
+          </p:txBody>
+        </p:sp>
+        <p:sp>
+          <p:nvSpPr>
+            <p:cNvPr id="45" name="TextBox 44"/>
+            <p:cNvSpPr txBox="1"/>
+            <p:nvPr/>
+          </p:nvSpPr>
+          <p:spPr>
+            <a:xfrm>
+              <a:off x="3190086" y="1670955"/>
+              <a:ext cx="196797" cy="276999"/>
+            </a:xfrm>
+            <a:prstGeom prst="rect">
+              <a:avLst/>
+            </a:prstGeom>
+            <a:noFill/>
+          </p:spPr>
+          <p:txBody>
+            <a:bodyPr wrap="square" rtlCol="0">
+              <a:spAutoFit/>
+            </a:bodyPr>
+            <a:lstStyle/>
+            <a:p>
+              <a:pPr algn="ctr"/>
+              <a:r>
+                <a:rPr lang="en-NZ" sz="1200" dirty="0" smtClean="0"/>
+                <a:t>1</a:t>
+              </a:r>
+              <a:endParaRPr lang="en-NZ" sz="1200" dirty="0"/>
+            </a:p>
+          </p:txBody>
+        </p:sp>
+        <p:sp>
+          <p:nvSpPr>
+            <p:cNvPr id="46" name="TextBox 45"/>
+            <p:cNvSpPr txBox="1"/>
+            <p:nvPr/>
+          </p:nvSpPr>
+          <p:spPr>
+            <a:xfrm>
+              <a:off x="4413731" y="2796786"/>
+              <a:ext cx="196797" cy="276999"/>
+            </a:xfrm>
+            <a:prstGeom prst="rect">
+              <a:avLst/>
+            </a:prstGeom>
+            <a:noFill/>
+          </p:spPr>
+          <p:txBody>
+            <a:bodyPr wrap="square" rtlCol="0">
+              <a:spAutoFit/>
+            </a:bodyPr>
+            <a:lstStyle/>
+            <a:p>
+              <a:pPr algn="ctr"/>
+              <a:r>
+                <a:rPr lang="en-NZ" sz="1200" dirty="0" smtClean="0"/>
+                <a:t>1</a:t>
+              </a:r>
+              <a:endParaRPr lang="en-NZ" sz="1200" dirty="0"/>
+            </a:p>
+          </p:txBody>
+        </p:sp>
+        <p:sp>
+          <p:nvSpPr>
+            <p:cNvPr id="48" name="TextBox 47"/>
+            <p:cNvSpPr txBox="1"/>
+            <p:nvPr/>
+          </p:nvSpPr>
+          <p:spPr>
+            <a:xfrm>
+              <a:off x="3929349" y="1246584"/>
+              <a:ext cx="196797" cy="276999"/>
+            </a:xfrm>
+            <a:prstGeom prst="rect">
+              <a:avLst/>
+            </a:prstGeom>
+            <a:noFill/>
+          </p:spPr>
+          <p:txBody>
+            <a:bodyPr wrap="square" rtlCol="0">
+              <a:spAutoFit/>
+            </a:bodyPr>
+            <a:lstStyle/>
+            <a:p>
+              <a:pPr algn="ctr"/>
+              <a:r>
+                <a:rPr lang="en-NZ" sz="1200" dirty="0"/>
+                <a:t>0</a:t>
+              </a:r>
+            </a:p>
+          </p:txBody>
+        </p:sp>
+        <p:sp>
+          <p:nvSpPr>
+            <p:cNvPr id="49" name="TextBox 48"/>
+            <p:cNvSpPr txBox="1"/>
+            <p:nvPr/>
+          </p:nvSpPr>
+          <p:spPr>
+            <a:xfrm>
+              <a:off x="3929349" y="2354736"/>
+              <a:ext cx="196797" cy="276999"/>
+            </a:xfrm>
+            <a:prstGeom prst="rect">
+              <a:avLst/>
+            </a:prstGeom>
+            <a:noFill/>
+          </p:spPr>
+          <p:txBody>
+            <a:bodyPr wrap="square" rtlCol="0">
+              <a:spAutoFit/>
+            </a:bodyPr>
+            <a:lstStyle/>
+            <a:p>
+              <a:pPr algn="ctr"/>
+              <a:r>
+                <a:rPr lang="en-NZ" sz="1200" dirty="0"/>
+                <a:t>0</a:t>
+              </a:r>
+            </a:p>
+          </p:txBody>
+        </p:sp>
+        <p:sp>
+          <p:nvSpPr>
+            <p:cNvPr id="109" name="Parallelogram 108"/>
+            <p:cNvSpPr/>
+            <p:nvPr/>
+          </p:nvSpPr>
+          <p:spPr>
+            <a:xfrm>
+              <a:off x="1770939" y="3917807"/>
+              <a:ext cx="1385335" cy="575989"/>
+            </a:xfrm>
+            <a:prstGeom prst="parallelogram">
+              <a:avLst/>
+            </a:prstGeom>
+            <a:noFill/>
+            <a:ln w="28575">
+              <a:solidFill>
+                <a:schemeClr val="tx1"/>
+              </a:solidFill>
+            </a:ln>
+          </p:spPr>
+          <p:style>
+            <a:lnRef idx="2">
+              <a:schemeClr val="accent1">
+                <a:shade val="50000"/>
+              </a:schemeClr>
+            </a:lnRef>
+            <a:fillRef idx="1">
+              <a:schemeClr val="accent1"/>
+            </a:fillRef>
+            <a:effectRef idx="0">
+              <a:schemeClr val="accent1"/>
+            </a:effectRef>
+            <a:fontRef idx="minor">
+              <a:schemeClr val="lt1"/>
+            </a:fontRef>
+          </p:style>
+          <p:txBody>
+            <a:bodyPr rtlCol="0" anchor="ctr"/>
+            <a:lstStyle/>
+            <a:p>
+              <a:pPr algn="ctr"/>
+              <a:r>
+                <a:rPr lang="en-NZ" sz="1200" dirty="0" err="1" smtClean="0">
+                  <a:solidFill>
+                    <a:schemeClr val="tx1"/>
+                  </a:solidFill>
+                </a:rPr>
+                <a:t>CruiseSpeed</a:t>
+              </a:r>
+              <a:r>
+                <a:rPr lang="en-NZ" sz="1200" dirty="0" smtClean="0">
+                  <a:solidFill>
+                    <a:schemeClr val="tx1"/>
+                  </a:solidFill>
+                </a:rPr>
+                <a:t> = </a:t>
+              </a:r>
+              <a:r>
+                <a:rPr lang="en-NZ" sz="1200" dirty="0" err="1" smtClean="0">
+                  <a:solidFill>
+                    <a:schemeClr val="tx1"/>
+                  </a:solidFill>
+                </a:rPr>
+                <a:t>SpeedMax</a:t>
+              </a:r>
+              <a:endParaRPr lang="en-NZ" sz="1200" dirty="0" smtClean="0">
+                <a:solidFill>
+                  <a:schemeClr val="tx1"/>
+                </a:solidFill>
+              </a:endParaRPr>
+            </a:p>
+          </p:txBody>
+        </p:sp>
+        <p:cxnSp>
+          <p:nvCxnSpPr>
+            <p:cNvPr id="112" name="Straight Arrow Connector 111"/>
+            <p:cNvCxnSpPr>
+              <a:stCxn id="118" idx="1"/>
+              <a:endCxn id="109" idx="2"/>
+            </p:cNvCxnSpPr>
+            <p:nvPr/>
+          </p:nvCxnSpPr>
+          <p:spPr>
+            <a:xfrm rot="10800000" flipV="1">
+              <a:off x="3084275" y="4204762"/>
+              <a:ext cx="329984" cy="1039"/>
+            </a:xfrm>
+            <a:prstGeom prst="straightConnector1">
+              <a:avLst/>
+            </a:prstGeom>
+            <a:ln w="28575">
+              <a:solidFill>
+                <a:schemeClr val="tx1"/>
+              </a:solidFill>
+              <a:tailEnd type="triangle"/>
+            </a:ln>
+          </p:spPr>
+          <p:style>
+            <a:lnRef idx="1">
+              <a:schemeClr val="accent1"/>
+            </a:lnRef>
+            <a:fillRef idx="0">
+              <a:schemeClr val="accent1"/>
+            </a:fillRef>
+            <a:effectRef idx="0">
+              <a:schemeClr val="accent1"/>
+            </a:effectRef>
+            <a:fontRef idx="minor">
+              <a:schemeClr val="tx1"/>
+            </a:fontRef>
+          </p:style>
+        </p:cxnSp>
+        <p:sp>
+          <p:nvSpPr>
+            <p:cNvPr id="126" name="TextBox 125"/>
+            <p:cNvSpPr txBox="1"/>
+            <p:nvPr/>
+          </p:nvSpPr>
+          <p:spPr>
+            <a:xfrm>
+              <a:off x="3212405" y="3937797"/>
+              <a:ext cx="198666" cy="276999"/>
+            </a:xfrm>
+            <a:prstGeom prst="rect">
+              <a:avLst/>
+            </a:prstGeom>
+            <a:noFill/>
+          </p:spPr>
+          <p:txBody>
+            <a:bodyPr wrap="square" rtlCol="0">
+              <a:spAutoFit/>
+            </a:bodyPr>
+            <a:lstStyle/>
+            <a:p>
+              <a:pPr algn="ctr"/>
+              <a:r>
+                <a:rPr lang="en-NZ" sz="1200" dirty="0" smtClean="0"/>
+                <a:t>1</a:t>
+              </a:r>
+              <a:endParaRPr lang="en-NZ" sz="1200" dirty="0"/>
+            </a:p>
+          </p:txBody>
+        </p:sp>
+        <p:sp>
+          <p:nvSpPr>
+            <p:cNvPr id="127" name="TextBox 126"/>
+            <p:cNvSpPr txBox="1"/>
+            <p:nvPr/>
+          </p:nvSpPr>
+          <p:spPr>
+            <a:xfrm>
+              <a:off x="3180132" y="5026632"/>
+              <a:ext cx="263213" cy="276999"/>
+            </a:xfrm>
+            <a:prstGeom prst="rect">
+              <a:avLst/>
+            </a:prstGeom>
+            <a:noFill/>
+          </p:spPr>
+          <p:txBody>
+            <a:bodyPr wrap="none" rtlCol="0">
+              <a:spAutoFit/>
+            </a:bodyPr>
+            <a:lstStyle/>
+            <a:p>
+              <a:pPr algn="ctr"/>
+              <a:r>
+                <a:rPr lang="en-NZ" sz="1200" dirty="0" smtClean="0"/>
+                <a:t>1</a:t>
+              </a:r>
+              <a:endParaRPr lang="en-NZ" sz="1200" dirty="0"/>
+            </a:p>
+          </p:txBody>
+        </p:sp>
+        <p:sp>
+          <p:nvSpPr>
+            <p:cNvPr id="128" name="TextBox 127"/>
+            <p:cNvSpPr txBox="1"/>
+            <p:nvPr/>
+          </p:nvSpPr>
+          <p:spPr>
+            <a:xfrm>
+              <a:off x="3896141" y="4571040"/>
+              <a:ext cx="263213" cy="276999"/>
+            </a:xfrm>
+            <a:prstGeom prst="rect">
+              <a:avLst/>
+            </a:prstGeom>
+            <a:noFill/>
+          </p:spPr>
+          <p:txBody>
+            <a:bodyPr wrap="none" rtlCol="0">
+              <a:spAutoFit/>
+            </a:bodyPr>
+            <a:lstStyle/>
+            <a:p>
+              <a:pPr algn="ctr"/>
+              <a:r>
+                <a:rPr lang="en-NZ" sz="1200" dirty="0" smtClean="0"/>
+                <a:t>0</a:t>
+              </a:r>
+              <a:endParaRPr lang="en-NZ" sz="1200" dirty="0"/>
+            </a:p>
+          </p:txBody>
+        </p:sp>
+        <p:sp>
+          <p:nvSpPr>
+            <p:cNvPr id="129" name="TextBox 128"/>
+            <p:cNvSpPr txBox="1"/>
+            <p:nvPr/>
+          </p:nvSpPr>
+          <p:spPr>
+            <a:xfrm>
+              <a:off x="3896141" y="5679193"/>
+              <a:ext cx="263213" cy="276999"/>
+            </a:xfrm>
+            <a:prstGeom prst="rect">
+              <a:avLst/>
+            </a:prstGeom>
+            <a:noFill/>
+          </p:spPr>
+          <p:txBody>
+            <a:bodyPr wrap="none" rtlCol="0">
+              <a:spAutoFit/>
+            </a:bodyPr>
+            <a:lstStyle/>
+            <a:p>
+              <a:pPr algn="ctr"/>
+              <a:r>
+                <a:rPr lang="en-NZ" sz="1200" dirty="0"/>
+                <a:t>0</a:t>
+              </a:r>
+            </a:p>
+          </p:txBody>
+        </p:sp>
+        <p:cxnSp>
+          <p:nvCxnSpPr>
+            <p:cNvPr id="92" name="Shape 91"/>
+            <p:cNvCxnSpPr>
+              <a:stCxn id="29" idx="2"/>
+              <a:endCxn id="23" idx="3"/>
+            </p:cNvCxnSpPr>
+            <p:nvPr/>
+          </p:nvCxnSpPr>
+          <p:spPr>
+            <a:xfrm rot="5400000">
+              <a:off x="4425775" y="1158528"/>
+              <a:ext cx="810641" cy="814603"/>
+            </a:xfrm>
+            <a:prstGeom prst="bentConnector2">
+              <a:avLst/>
+            </a:prstGeom>
+            <a:ln w="28575">
+              <a:tailEnd type="triangle"/>
+            </a:ln>
+          </p:spPr>
+          <p:style>
+            <a:lnRef idx="3">
+              <a:schemeClr val="dk1"/>
+            </a:lnRef>
+            <a:fillRef idx="0">
+              <a:schemeClr val="dk1"/>
+            </a:fillRef>
+            <a:effectRef idx="2">
+              <a:schemeClr val="dk1"/>
+            </a:effectRef>
+            <a:fontRef idx="minor">
+              <a:schemeClr val="tx1"/>
+            </a:fontRef>
+          </p:style>
+        </p:cxnSp>
+        <p:cxnSp>
+          <p:nvCxnSpPr>
+            <p:cNvPr id="95" name="Shape 94"/>
+            <p:cNvCxnSpPr>
+              <a:stCxn id="30" idx="2"/>
+              <a:endCxn id="24" idx="1"/>
+            </p:cNvCxnSpPr>
+            <p:nvPr/>
+          </p:nvCxnSpPr>
+          <p:spPr>
+            <a:xfrm rot="16200000" flipH="1">
+              <a:off x="2578457" y="2245305"/>
+              <a:ext cx="806514" cy="865089"/>
+            </a:xfrm>
+            <a:prstGeom prst="bentConnector2">
+              <a:avLst/>
+            </a:prstGeom>
+            <a:ln w="28575">
+              <a:tailEnd type="arrow"/>
+            </a:ln>
+          </p:spPr>
+          <p:style>
+            <a:lnRef idx="1">
+              <a:schemeClr val="dk1"/>
+            </a:lnRef>
+            <a:fillRef idx="0">
+              <a:schemeClr val="dk1"/>
+            </a:fillRef>
+            <a:effectRef idx="0">
+              <a:schemeClr val="dk1"/>
+            </a:effectRef>
+            <a:fontRef idx="minor">
+              <a:schemeClr val="tx1"/>
+            </a:fontRef>
+          </p:style>
+        </p:cxnSp>
+        <p:sp>
+          <p:nvSpPr>
+            <p:cNvPr id="118" name="Diamond 117"/>
+            <p:cNvSpPr/>
+            <p:nvPr/>
+          </p:nvSpPr>
+          <p:spPr>
+            <a:xfrm>
+              <a:off x="3414259" y="3758059"/>
+              <a:ext cx="1009534" cy="873431"/>
+            </a:xfrm>
+            <a:prstGeom prst="diamond">
+              <a:avLst/>
+            </a:prstGeom>
+            <a:noFill/>
+            <a:ln w="28575">
+              <a:solidFill>
+                <a:schemeClr val="tx1"/>
+              </a:solidFill>
+            </a:ln>
+          </p:spPr>
+          <p:style>
+            <a:lnRef idx="2">
+              <a:schemeClr val="accent1">
+                <a:shade val="50000"/>
+              </a:schemeClr>
+            </a:lnRef>
+            <a:fillRef idx="1">
+              <a:schemeClr val="accent1"/>
+            </a:fillRef>
+            <a:effectRef idx="0">
+              <a:schemeClr val="accent1"/>
+            </a:effectRef>
+            <a:fontRef idx="minor">
+              <a:schemeClr val="lt1"/>
+            </a:fontRef>
+          </p:style>
+          <p:txBody>
+            <a:bodyPr rtlCol="0" anchor="ctr"/>
+            <a:lstStyle/>
+            <a:p>
+              <a:pPr algn="ctr"/>
+              <a:r>
+                <a:rPr lang="en-NZ" sz="900" dirty="0" smtClean="0">
+                  <a:solidFill>
+                    <a:schemeClr val="tx1"/>
+                  </a:solidFill>
+                </a:rPr>
+                <a:t>temp &gt; </a:t>
+              </a:r>
+              <a:r>
+                <a:rPr lang="en-NZ" sz="900" dirty="0" err="1" smtClean="0">
+                  <a:solidFill>
+                    <a:schemeClr val="tx1"/>
+                  </a:solidFill>
+                </a:rPr>
+                <a:t>SpeedMax</a:t>
+              </a:r>
+              <a:endParaRPr lang="en-NZ" sz="900" dirty="0" smtClean="0">
+                <a:solidFill>
+                  <a:schemeClr val="tx1"/>
+                </a:solidFill>
+              </a:endParaRPr>
+            </a:p>
+          </p:txBody>
+        </p:sp>
+        <p:cxnSp>
+          <p:nvCxnSpPr>
+            <p:cNvPr id="120" name="Straight Arrow Connector 119"/>
+            <p:cNvCxnSpPr>
+              <a:stCxn id="24" idx="2"/>
+              <a:endCxn id="118" idx="0"/>
+            </p:cNvCxnSpPr>
+            <p:nvPr/>
+          </p:nvCxnSpPr>
+          <p:spPr>
+            <a:xfrm rot="5400000">
+              <a:off x="3793914" y="3642934"/>
+              <a:ext cx="250225" cy="1588"/>
+            </a:xfrm>
+            <a:prstGeom prst="straightConnector1">
+              <a:avLst/>
+            </a:prstGeom>
+            <a:ln w="28575">
+              <a:solidFill>
+                <a:schemeClr val="tx1"/>
+              </a:solidFill>
+              <a:tailEnd type="triangle"/>
+            </a:ln>
+          </p:spPr>
+          <p:style>
+            <a:lnRef idx="1">
+              <a:schemeClr val="accent1"/>
+            </a:lnRef>
+            <a:fillRef idx="0">
+              <a:schemeClr val="accent1"/>
+            </a:fillRef>
+            <a:effectRef idx="0">
+              <a:schemeClr val="accent1"/>
+            </a:effectRef>
+            <a:fontRef idx="minor">
+              <a:schemeClr val="tx1"/>
+            </a:fontRef>
+          </p:style>
+        </p:cxnSp>
+        <p:sp>
+          <p:nvSpPr>
+            <p:cNvPr id="139" name="Diamond 138"/>
+            <p:cNvSpPr/>
+            <p:nvPr/>
+          </p:nvSpPr>
+          <p:spPr>
+            <a:xfrm>
+              <a:off x="3414259" y="4871158"/>
+              <a:ext cx="1009534" cy="873431"/>
+            </a:xfrm>
+            <a:prstGeom prst="diamond">
+              <a:avLst/>
+            </a:prstGeom>
+            <a:noFill/>
+            <a:ln w="28575">
+              <a:solidFill>
+                <a:schemeClr val="tx1"/>
+              </a:solidFill>
+            </a:ln>
+          </p:spPr>
+          <p:style>
+            <a:lnRef idx="2">
+              <a:schemeClr val="accent1">
+                <a:shade val="50000"/>
+              </a:schemeClr>
+            </a:lnRef>
+            <a:fillRef idx="1">
+              <a:schemeClr val="accent1"/>
+            </a:fillRef>
+            <a:effectRef idx="0">
+              <a:schemeClr val="accent1"/>
+            </a:effectRef>
+            <a:fontRef idx="minor">
+              <a:schemeClr val="lt1"/>
+            </a:fontRef>
+          </p:style>
+          <p:txBody>
+            <a:bodyPr rtlCol="0" anchor="ctr"/>
+            <a:lstStyle/>
+            <a:p>
+              <a:pPr algn="ctr"/>
+              <a:r>
+                <a:rPr lang="en-NZ" sz="900" dirty="0" smtClean="0">
+                  <a:solidFill>
+                    <a:schemeClr val="tx1"/>
+                  </a:solidFill>
+                </a:rPr>
+                <a:t>temp &lt; </a:t>
+              </a:r>
+              <a:r>
+                <a:rPr lang="en-NZ" sz="900" dirty="0" err="1" smtClean="0">
+                  <a:solidFill>
+                    <a:schemeClr val="tx1"/>
+                  </a:solidFill>
+                </a:rPr>
+                <a:t>SpeedMin</a:t>
+              </a:r>
+              <a:endParaRPr lang="en-NZ" sz="900" dirty="0" smtClean="0">
+                <a:solidFill>
+                  <a:schemeClr val="tx1"/>
+                </a:solidFill>
+              </a:endParaRPr>
+            </a:p>
+          </p:txBody>
+        </p:sp>
+        <p:cxnSp>
+          <p:nvCxnSpPr>
+            <p:cNvPr id="140" name="Straight Arrow Connector 139"/>
+            <p:cNvCxnSpPr>
+              <a:stCxn id="118" idx="2"/>
+              <a:endCxn id="139" idx="0"/>
+            </p:cNvCxnSpPr>
+            <p:nvPr/>
+          </p:nvCxnSpPr>
+          <p:spPr>
+            <a:xfrm rot="5400000">
+              <a:off x="3798528" y="4761976"/>
+              <a:ext cx="240997" cy="1588"/>
+            </a:xfrm>
+            <a:prstGeom prst="straightConnector1">
+              <a:avLst/>
+            </a:prstGeom>
+            <a:ln w="28575">
+              <a:solidFill>
+                <a:schemeClr val="tx1"/>
+              </a:solidFill>
+              <a:tailEnd type="triangle"/>
+            </a:ln>
+          </p:spPr>
+          <p:style>
+            <a:lnRef idx="1">
+              <a:schemeClr val="accent1"/>
+            </a:lnRef>
+            <a:fillRef idx="0">
+              <a:schemeClr val="accent1"/>
+            </a:fillRef>
+            <a:effectRef idx="0">
+              <a:schemeClr val="accent1"/>
+            </a:effectRef>
+            <a:fontRef idx="minor">
+              <a:schemeClr val="tx1"/>
+            </a:fontRef>
+          </p:style>
+        </p:cxnSp>
+        <p:sp>
+          <p:nvSpPr>
+            <p:cNvPr id="143" name="Parallelogram 142"/>
+            <p:cNvSpPr/>
+            <p:nvPr/>
+          </p:nvSpPr>
+          <p:spPr>
+            <a:xfrm>
+              <a:off x="1778559" y="5031757"/>
+              <a:ext cx="1385335" cy="575989"/>
+            </a:xfrm>
+            <a:prstGeom prst="parallelogram">
+              <a:avLst/>
+            </a:prstGeom>
+            <a:noFill/>
+            <a:ln w="28575">
+              <a:solidFill>
+                <a:schemeClr val="tx1"/>
+              </a:solidFill>
+            </a:ln>
+          </p:spPr>
+          <p:style>
+            <a:lnRef idx="2">
+              <a:schemeClr val="accent1">
+                <a:shade val="50000"/>
+              </a:schemeClr>
+            </a:lnRef>
+            <a:fillRef idx="1">
+              <a:schemeClr val="accent1"/>
+            </a:fillRef>
+            <a:effectRef idx="0">
+              <a:schemeClr val="accent1"/>
+            </a:effectRef>
+            <a:fontRef idx="minor">
+              <a:schemeClr val="lt1"/>
+            </a:fontRef>
+          </p:style>
+          <p:txBody>
+            <a:bodyPr rtlCol="0" anchor="ctr"/>
+            <a:lstStyle/>
+            <a:p>
+              <a:pPr algn="ctr"/>
+              <a:r>
+                <a:rPr lang="en-NZ" sz="1200" dirty="0" err="1" smtClean="0">
+                  <a:solidFill>
+                    <a:schemeClr val="tx1"/>
+                  </a:solidFill>
+                </a:rPr>
+                <a:t>CruiseSpeed</a:t>
+              </a:r>
+              <a:r>
+                <a:rPr lang="en-NZ" sz="1200" dirty="0" smtClean="0">
+                  <a:solidFill>
+                    <a:schemeClr val="tx1"/>
+                  </a:solidFill>
+                </a:rPr>
+                <a:t> = </a:t>
+              </a:r>
+              <a:r>
+                <a:rPr lang="en-NZ" sz="1200" dirty="0" err="1" smtClean="0">
+                  <a:solidFill>
+                    <a:schemeClr val="tx1"/>
+                  </a:solidFill>
+                </a:rPr>
+                <a:t>SpeedMin</a:t>
+              </a:r>
+              <a:endParaRPr lang="en-NZ" sz="1200" dirty="0" smtClean="0">
+                <a:solidFill>
+                  <a:schemeClr val="tx1"/>
+                </a:solidFill>
+              </a:endParaRPr>
+            </a:p>
+          </p:txBody>
+        </p:sp>
+        <p:cxnSp>
+          <p:nvCxnSpPr>
+            <p:cNvPr id="144" name="Straight Arrow Connector 143"/>
+            <p:cNvCxnSpPr>
+              <a:stCxn id="139" idx="1"/>
+              <a:endCxn id="143" idx="2"/>
+            </p:cNvCxnSpPr>
+            <p:nvPr/>
+          </p:nvCxnSpPr>
+          <p:spPr>
+            <a:xfrm rot="10800000" flipV="1">
+              <a:off x="3091895" y="5319190"/>
+              <a:ext cx="322364" cy="561"/>
+            </a:xfrm>
+            <a:prstGeom prst="straightConnector1">
+              <a:avLst/>
+            </a:prstGeom>
+            <a:ln w="28575">
+              <a:solidFill>
+                <a:schemeClr val="tx1"/>
+              </a:solidFill>
+              <a:tailEnd type="triangle"/>
+            </a:ln>
+          </p:spPr>
+          <p:style>
+            <a:lnRef idx="1">
+              <a:schemeClr val="accent1"/>
+            </a:lnRef>
+            <a:fillRef idx="0">
+              <a:schemeClr val="accent1"/>
+            </a:fillRef>
+            <a:effectRef idx="0">
+              <a:schemeClr val="accent1"/>
+            </a:effectRef>
+            <a:fontRef idx="minor">
+              <a:schemeClr val="tx1"/>
+            </a:fontRef>
+          </p:style>
+        </p:cxnSp>
+        <p:sp>
+          <p:nvSpPr>
+            <p:cNvPr id="150" name="TextBox 149"/>
+            <p:cNvSpPr txBox="1"/>
+            <p:nvPr/>
+          </p:nvSpPr>
+          <p:spPr>
+            <a:xfrm>
+              <a:off x="3896141" y="3462888"/>
+              <a:ext cx="263213" cy="276999"/>
+            </a:xfrm>
+            <a:prstGeom prst="rect">
+              <a:avLst/>
+            </a:prstGeom>
+            <a:noFill/>
+          </p:spPr>
+          <p:txBody>
+            <a:bodyPr wrap="none" rtlCol="0">
+              <a:spAutoFit/>
+            </a:bodyPr>
+            <a:lstStyle/>
+            <a:p>
+              <a:pPr algn="ctr"/>
+              <a:r>
+                <a:rPr lang="en-NZ" sz="1200" dirty="0" smtClean="0"/>
+                <a:t>0</a:t>
+              </a:r>
+              <a:endParaRPr lang="en-NZ" sz="1200" dirty="0"/>
+            </a:p>
+          </p:txBody>
+        </p:sp>
+        <p:sp>
+          <p:nvSpPr>
+            <p:cNvPr id="151" name="Parallelogram 150"/>
+            <p:cNvSpPr/>
+            <p:nvPr/>
+          </p:nvSpPr>
+          <p:spPr>
+            <a:xfrm>
+              <a:off x="3226359" y="5984257"/>
+              <a:ext cx="1385335" cy="575989"/>
+            </a:xfrm>
+            <a:prstGeom prst="parallelogram">
+              <a:avLst/>
+            </a:prstGeom>
+            <a:noFill/>
+            <a:ln w="28575">
+              <a:solidFill>
+                <a:schemeClr val="tx1"/>
+              </a:solidFill>
+            </a:ln>
+          </p:spPr>
+          <p:style>
+            <a:lnRef idx="2">
+              <a:schemeClr val="accent1">
+                <a:shade val="50000"/>
+              </a:schemeClr>
+            </a:lnRef>
+            <a:fillRef idx="1">
+              <a:schemeClr val="accent1"/>
+            </a:fillRef>
+            <a:effectRef idx="0">
+              <a:schemeClr val="accent1"/>
+            </a:effectRef>
+            <a:fontRef idx="minor">
+              <a:schemeClr val="lt1"/>
+            </a:fontRef>
+          </p:style>
+          <p:txBody>
+            <a:bodyPr rtlCol="0" anchor="ctr"/>
+            <a:lstStyle/>
+            <a:p>
+              <a:pPr algn="ctr"/>
+              <a:r>
+                <a:rPr lang="en-NZ" sz="1200" dirty="0" err="1" smtClean="0">
+                  <a:solidFill>
+                    <a:schemeClr val="tx1"/>
+                  </a:solidFill>
+                </a:rPr>
+                <a:t>CruiseSpeed</a:t>
+              </a:r>
+              <a:r>
+                <a:rPr lang="en-NZ" sz="1200" dirty="0" smtClean="0">
+                  <a:solidFill>
+                    <a:schemeClr val="tx1"/>
+                  </a:solidFill>
+                </a:rPr>
+                <a:t> = </a:t>
+              </a:r>
+              <a:r>
+                <a:rPr lang="en-NZ" sz="1200" dirty="0" err="1" smtClean="0">
+                  <a:solidFill>
+                    <a:schemeClr val="tx1"/>
+                  </a:solidFill>
+                </a:rPr>
+                <a:t>SpeedMin</a:t>
+              </a:r>
+              <a:endParaRPr lang="en-NZ" sz="1200" dirty="0" smtClean="0">
+                <a:solidFill>
+                  <a:schemeClr val="tx1"/>
+                </a:solidFill>
+              </a:endParaRPr>
+            </a:p>
+          </p:txBody>
+        </p:sp>
+        <p:cxnSp>
+          <p:nvCxnSpPr>
+            <p:cNvPr id="170" name="Straight Arrow Connector 169"/>
+            <p:cNvCxnSpPr>
+              <a:stCxn id="139" idx="2"/>
+              <a:endCxn id="151" idx="0"/>
+            </p:cNvCxnSpPr>
+            <p:nvPr/>
+          </p:nvCxnSpPr>
+          <p:spPr>
+            <a:xfrm rot="16200000" flipH="1">
+              <a:off x="3804851" y="5870080"/>
+              <a:ext cx="228351" cy="1"/>
+            </a:xfrm>
+            <a:prstGeom prst="straightConnector1">
+              <a:avLst/>
+            </a:prstGeom>
+            <a:ln w="28575">
+              <a:solidFill>
+                <a:schemeClr val="tx1"/>
+              </a:solidFill>
+              <a:tailEnd type="triangle"/>
+            </a:ln>
+          </p:spPr>
+          <p:style>
+            <a:lnRef idx="1">
+              <a:schemeClr val="accent1"/>
+            </a:lnRef>
+            <a:fillRef idx="0">
+              <a:schemeClr val="accent1"/>
+            </a:fillRef>
+            <a:effectRef idx="0">
+              <a:schemeClr val="accent1"/>
+            </a:effectRef>
+            <a:fontRef idx="minor">
+              <a:schemeClr val="tx1"/>
+            </a:fontRef>
+          </p:style>
+        </p:cxnSp>
+        <p:cxnSp>
+          <p:nvCxnSpPr>
+            <p:cNvPr id="180" name="Shape 179"/>
+            <p:cNvCxnSpPr>
+              <a:stCxn id="31" idx="2"/>
+              <a:endCxn id="118" idx="3"/>
+            </p:cNvCxnSpPr>
+            <p:nvPr/>
+          </p:nvCxnSpPr>
+          <p:spPr>
+            <a:xfrm rot="5400000">
+              <a:off x="4426386" y="3385133"/>
+              <a:ext cx="817038" cy="822223"/>
+            </a:xfrm>
+            <a:prstGeom prst="bentConnector2">
+              <a:avLst/>
+            </a:prstGeom>
+            <a:ln w="28575">
+              <a:tailEnd type="triangle"/>
+            </a:ln>
+          </p:spPr>
+          <p:style>
+            <a:lnRef idx="1">
+              <a:schemeClr val="dk1"/>
+            </a:lnRef>
+            <a:fillRef idx="0">
+              <a:schemeClr val="dk1"/>
+            </a:fillRef>
+            <a:effectRef idx="0">
+              <a:schemeClr val="dk1"/>
+            </a:effectRef>
+            <a:fontRef idx="minor">
+              <a:schemeClr val="tx1"/>
+            </a:fontRef>
+          </p:style>
+        </p:cxnSp>
+        <p:cxnSp>
+          <p:nvCxnSpPr>
+            <p:cNvPr id="182" name="Straight Arrow Connector 181"/>
+            <p:cNvCxnSpPr>
+              <a:stCxn id="151" idx="3"/>
+            </p:cNvCxnSpPr>
+            <p:nvPr/>
+          </p:nvCxnSpPr>
+          <p:spPr>
+            <a:xfrm rot="16200000" flipH="1">
+              <a:off x="3721309" y="6685964"/>
+              <a:ext cx="257272" cy="5835"/>
+            </a:xfrm>
+            <a:prstGeom prst="straightConnector1">
+              <a:avLst/>
+            </a:prstGeom>
+            <a:ln w="28575">
+              <a:solidFill>
+                <a:schemeClr val="tx1"/>
+              </a:solidFill>
+              <a:tailEnd type="triangle"/>
+            </a:ln>
+          </p:spPr>
+          <p:style>
+            <a:lnRef idx="1">
+              <a:schemeClr val="accent1"/>
+            </a:lnRef>
+            <a:fillRef idx="0">
+              <a:schemeClr val="accent1"/>
+            </a:fillRef>
+            <a:effectRef idx="0">
+              <a:schemeClr val="accent1"/>
+            </a:effectRef>
+            <a:fontRef idx="minor">
+              <a:schemeClr val="tx1"/>
+            </a:fontRef>
+          </p:style>
+        </p:cxnSp>
+        <p:cxnSp>
+          <p:nvCxnSpPr>
+            <p:cNvPr id="191" name="Elbow Connector 190"/>
+            <p:cNvCxnSpPr>
+              <a:stCxn id="143" idx="5"/>
+            </p:cNvCxnSpPr>
+            <p:nvPr/>
+          </p:nvCxnSpPr>
+          <p:spPr>
+            <a:xfrm rot="10800000" flipH="1" flipV="1">
+              <a:off x="1850558" y="5319752"/>
+              <a:ext cx="2005162" cy="1324888"/>
+            </a:xfrm>
+            <a:prstGeom prst="bentConnector3">
+              <a:avLst>
+                <a:gd name="adj1" fmla="val -33992"/>
+              </a:avLst>
+            </a:prstGeom>
+            <a:ln w="28575">
+              <a:tailEnd type="triangle"/>
+            </a:ln>
+          </p:spPr>
+          <p:style>
+            <a:lnRef idx="1">
+              <a:schemeClr val="dk1"/>
+            </a:lnRef>
+            <a:fillRef idx="0">
+              <a:schemeClr val="dk1"/>
+            </a:fillRef>
+            <a:effectRef idx="0">
+              <a:schemeClr val="dk1"/>
+            </a:effectRef>
+            <a:fontRef idx="minor">
+              <a:schemeClr val="tx1"/>
+            </a:fontRef>
+          </p:style>
+        </p:cxnSp>
+        <p:cxnSp>
+          <p:nvCxnSpPr>
+            <p:cNvPr id="194" name="Shape 193"/>
+            <p:cNvCxnSpPr>
+              <a:stCxn id="109" idx="5"/>
+            </p:cNvCxnSpPr>
+            <p:nvPr/>
+          </p:nvCxnSpPr>
+          <p:spPr>
+            <a:xfrm rot="10800000" flipV="1">
+              <a:off x="1173480" y="4205802"/>
+              <a:ext cx="669458" cy="1105338"/>
+            </a:xfrm>
+            <a:prstGeom prst="bentConnector2">
+              <a:avLst/>
+            </a:prstGeom>
+            <a:ln w="28575">
+              <a:tailEnd type="triangle"/>
+            </a:ln>
+          </p:spPr>
+          <p:style>
+            <a:lnRef idx="1">
+              <a:schemeClr val="dk1"/>
+            </a:lnRef>
+            <a:fillRef idx="0">
+              <a:schemeClr val="dk1"/>
+            </a:fillRef>
+            <a:effectRef idx="0">
+              <a:schemeClr val="dk1"/>
+            </a:effectRef>
+            <a:fontRef idx="minor">
+              <a:schemeClr val="tx1"/>
+            </a:fontRef>
+          </p:style>
+        </p:cxnSp>
+      </p:grpSp>
+    </p:spTree>
+    <p:extLst>
+      <p:ext uri="{BB962C8B-B14F-4D97-AF65-F5344CB8AC3E}">
+        <p14:creationId xmlns="" xmlns:p14="http://schemas.microsoft.com/office/powerpoint/2010/main" val="3416959525"/>
       </p:ext>
     </p:extLst>
   </p:cSld>
@@ -9948,7 +11689,7 @@
   <a:extraClrSchemeLst/>
   <a:extLst>
     <a:ext uri="{05A4C25C-085E-4340-85A3-A5531E510DB2}">
-      <thm15:themeFamily xmlns:thm15="http://schemas.microsoft.com/office/thememl/2012/main" xmlns="" name="Office Theme" id="{62F939B6-93AF-4DB8-9C6B-D6C7DFDC589F}" vid="{4A3C46E8-61CC-4603-A589-7422A47A8E4A}"/>
+      <thm15:themeFamily xmlns="" xmlns:thm15="http://schemas.microsoft.com/office/thememl/2012/main" name="Office Theme" id="{62F939B6-93AF-4DB8-9C6B-D6C7DFDC589F}" vid="{4A3C46E8-61CC-4603-A589-7422A47A8E4A}"/>
     </a:ext>
   </a:extLst>
 </a:theme>
